--- a/classes/stats2015/Lecture16.pptx
+++ b/classes/stats2015/Lecture16.pptx
@@ -5,7 +5,7 @@
     <p:sldMasterId id="2147483648" r:id="rId1"/>
   </p:sldMasterIdLst>
   <p:notesMasterIdLst>
-    <p:notesMasterId r:id="rId40"/>
+    <p:notesMasterId r:id="rId42"/>
   </p:notesMasterIdLst>
   <p:sldIdLst>
     <p:sldId id="256" r:id="rId2"/>
@@ -27,25 +27,27 @@
     <p:sldId id="273" r:id="rId18"/>
     <p:sldId id="274" r:id="rId19"/>
     <p:sldId id="276" r:id="rId20"/>
-    <p:sldId id="275" r:id="rId21"/>
-    <p:sldId id="277" r:id="rId22"/>
-    <p:sldId id="278" r:id="rId23"/>
-    <p:sldId id="285" r:id="rId24"/>
-    <p:sldId id="284" r:id="rId25"/>
-    <p:sldId id="282" r:id="rId26"/>
-    <p:sldId id="279" r:id="rId27"/>
-    <p:sldId id="281" r:id="rId28"/>
-    <p:sldId id="283" r:id="rId29"/>
-    <p:sldId id="286" r:id="rId30"/>
-    <p:sldId id="287" r:id="rId31"/>
-    <p:sldId id="288" r:id="rId32"/>
-    <p:sldId id="289" r:id="rId33"/>
-    <p:sldId id="290" r:id="rId34"/>
-    <p:sldId id="293" r:id="rId35"/>
-    <p:sldId id="294" r:id="rId36"/>
-    <p:sldId id="291" r:id="rId37"/>
-    <p:sldId id="295" r:id="rId38"/>
-    <p:sldId id="292" r:id="rId39"/>
+    <p:sldId id="296" r:id="rId21"/>
+    <p:sldId id="297" r:id="rId22"/>
+    <p:sldId id="275" r:id="rId23"/>
+    <p:sldId id="277" r:id="rId24"/>
+    <p:sldId id="278" r:id="rId25"/>
+    <p:sldId id="285" r:id="rId26"/>
+    <p:sldId id="284" r:id="rId27"/>
+    <p:sldId id="282" r:id="rId28"/>
+    <p:sldId id="279" r:id="rId29"/>
+    <p:sldId id="281" r:id="rId30"/>
+    <p:sldId id="283" r:id="rId31"/>
+    <p:sldId id="286" r:id="rId32"/>
+    <p:sldId id="287" r:id="rId33"/>
+    <p:sldId id="288" r:id="rId34"/>
+    <p:sldId id="289" r:id="rId35"/>
+    <p:sldId id="290" r:id="rId36"/>
+    <p:sldId id="293" r:id="rId37"/>
+    <p:sldId id="294" r:id="rId38"/>
+    <p:sldId id="291" r:id="rId39"/>
+    <p:sldId id="295" r:id="rId40"/>
+    <p:sldId id="292" r:id="rId41"/>
   </p:sldIdLst>
   <p:sldSz cx="9144000" cy="6858000" type="screen4x3"/>
   <p:notesSz cx="6858000" cy="9144000"/>
@@ -230,7 +232,7 @@
             <a:fld id="{8FEEEB49-71AD-4F7F-9E1F-7D222FAD2947}" type="datetimeFigureOut">
               <a:rPr lang="en-US" smtClean="0"/>
               <a:pPr/>
-              <a:t>4/18/2013</a:t>
+              <a:t>3/31/2015</a:t>
             </a:fld>
             <a:endParaRPr lang="en-US"/>
           </a:p>
@@ -1416,7 +1418,7 @@
             <a:fld id="{1D8BD707-D9CF-40AE-B4C6-C98DA3205C09}" type="datetimeFigureOut">
               <a:rPr lang="en-US" smtClean="0"/>
               <a:pPr/>
-              <a:t>4/18/2013</a:t>
+              <a:t>3/31/2015</a:t>
             </a:fld>
             <a:endParaRPr lang="en-US"/>
           </a:p>
@@ -1583,7 +1585,7 @@
             <a:fld id="{1D8BD707-D9CF-40AE-B4C6-C98DA3205C09}" type="datetimeFigureOut">
               <a:rPr lang="en-US" smtClean="0"/>
               <a:pPr/>
-              <a:t>4/18/2013</a:t>
+              <a:t>3/31/2015</a:t>
             </a:fld>
             <a:endParaRPr lang="en-US"/>
           </a:p>
@@ -1760,7 +1762,7 @@
             <a:fld id="{1D8BD707-D9CF-40AE-B4C6-C98DA3205C09}" type="datetimeFigureOut">
               <a:rPr lang="en-US" smtClean="0"/>
               <a:pPr/>
-              <a:t>4/18/2013</a:t>
+              <a:t>3/31/2015</a:t>
             </a:fld>
             <a:endParaRPr lang="en-US"/>
           </a:p>
@@ -1927,7 +1929,7 @@
             <a:fld id="{1D8BD707-D9CF-40AE-B4C6-C98DA3205C09}" type="datetimeFigureOut">
               <a:rPr lang="en-US" smtClean="0"/>
               <a:pPr/>
-              <a:t>4/18/2013</a:t>
+              <a:t>3/31/2015</a:t>
             </a:fld>
             <a:endParaRPr lang="en-US"/>
           </a:p>
@@ -2170,7 +2172,7 @@
             <a:fld id="{1D8BD707-D9CF-40AE-B4C6-C98DA3205C09}" type="datetimeFigureOut">
               <a:rPr lang="en-US" smtClean="0"/>
               <a:pPr/>
-              <a:t>4/18/2013</a:t>
+              <a:t>3/31/2015</a:t>
             </a:fld>
             <a:endParaRPr lang="en-US"/>
           </a:p>
@@ -2455,7 +2457,7 @@
             <a:fld id="{1D8BD707-D9CF-40AE-B4C6-C98DA3205C09}" type="datetimeFigureOut">
               <a:rPr lang="en-US" smtClean="0"/>
               <a:pPr/>
-              <a:t>4/18/2013</a:t>
+              <a:t>3/31/2015</a:t>
             </a:fld>
             <a:endParaRPr lang="en-US"/>
           </a:p>
@@ -2874,7 +2876,7 @@
             <a:fld id="{1D8BD707-D9CF-40AE-B4C6-C98DA3205C09}" type="datetimeFigureOut">
               <a:rPr lang="en-US" smtClean="0"/>
               <a:pPr/>
-              <a:t>4/18/2013</a:t>
+              <a:t>3/31/2015</a:t>
             </a:fld>
             <a:endParaRPr lang="en-US"/>
           </a:p>
@@ -2989,7 +2991,7 @@
             <a:fld id="{1D8BD707-D9CF-40AE-B4C6-C98DA3205C09}" type="datetimeFigureOut">
               <a:rPr lang="en-US" smtClean="0"/>
               <a:pPr/>
-              <a:t>4/18/2013</a:t>
+              <a:t>3/31/2015</a:t>
             </a:fld>
             <a:endParaRPr lang="en-US"/>
           </a:p>
@@ -3081,7 +3083,7 @@
             <a:fld id="{1D8BD707-D9CF-40AE-B4C6-C98DA3205C09}" type="datetimeFigureOut">
               <a:rPr lang="en-US" smtClean="0"/>
               <a:pPr/>
-              <a:t>4/18/2013</a:t>
+              <a:t>3/31/2015</a:t>
             </a:fld>
             <a:endParaRPr lang="en-US"/>
           </a:p>
@@ -3355,7 +3357,7 @@
             <a:fld id="{1D8BD707-D9CF-40AE-B4C6-C98DA3205C09}" type="datetimeFigureOut">
               <a:rPr lang="en-US" smtClean="0"/>
               <a:pPr/>
-              <a:t>4/18/2013</a:t>
+              <a:t>3/31/2015</a:t>
             </a:fld>
             <a:endParaRPr lang="en-US"/>
           </a:p>
@@ -3605,7 +3607,7 @@
             <a:fld id="{1D8BD707-D9CF-40AE-B4C6-C98DA3205C09}" type="datetimeFigureOut">
               <a:rPr lang="en-US" smtClean="0"/>
               <a:pPr/>
-              <a:t>4/18/2013</a:t>
+              <a:t>3/31/2015</a:t>
             </a:fld>
             <a:endParaRPr lang="en-US"/>
           </a:p>
@@ -3815,7 +3817,7 @@
             <a:fld id="{1D8BD707-D9CF-40AE-B4C6-C98DA3205C09}" type="datetimeFigureOut">
               <a:rPr lang="en-US" smtClean="0"/>
               <a:pPr/>
-              <a:t>4/18/2013</a:t>
+              <a:t>3/31/2015</a:t>
             </a:fld>
             <a:endParaRPr lang="en-US"/>
           </a:p>
@@ -5493,7 +5495,7 @@
         </p:nvSpPr>
         <p:spPr>
           <a:xfrm>
-            <a:off x="609600" y="5867400"/>
+            <a:off x="609600" y="5791200"/>
             <a:ext cx="8001000" cy="369332"/>
           </a:xfrm>
           <a:prstGeom prst="rect">
@@ -5508,7 +5510,7 @@
           <a:p>
             <a:r>
               <a:rPr lang="en-US" dirty="0" smtClean="0"/>
-              <a:t>http://bigscience.uncc.edu/fodorstatistics2013/qPCRWithSampleDays.gz/view</a:t>
+              <a:t>http://afodor.github.io/classes/stats2015/qPCRWithSampleDays.txt</a:t>
             </a:r>
             <a:endParaRPr lang="en-US" dirty="0"/>
           </a:p>
@@ -5603,59 +5605,29 @@
       </p:pic>
       <p:sp>
         <p:nvSpPr>
-          <p:cNvPr id="5" name="TextBox 4"/>
+          <p:cNvPr id="4" name="TextBox 3"/>
           <p:cNvSpPr txBox="1"/>
           <p:nvPr/>
         </p:nvSpPr>
         <p:spPr>
           <a:xfrm>
-            <a:off x="381000" y="5638800"/>
-            <a:ext cx="7017370" cy="646331"/>
-          </a:xfrm>
-          <a:prstGeom prst="rect">
-            <a:avLst/>
-          </a:prstGeom>
-          <a:noFill/>
-        </p:spPr>
-        <p:txBody>
-          <a:bodyPr wrap="none" rtlCol="0">
-            <a:spAutoFit/>
-          </a:bodyPr>
-          <a:lstStyle/>
-          <a:p>
-            <a:r>
-              <a:rPr lang="en-US" dirty="0" smtClean="0"/>
-              <a:t>Data </a:t>
-            </a:r>
-            <a:r>
-              <a:rPr lang="en-US" dirty="0" err="1" smtClean="0"/>
-              <a:t>souce</a:t>
-            </a:r>
-            <a:r>
-              <a:rPr lang="en-US" dirty="0" smtClean="0"/>
-              <a:t>: Joshua </a:t>
-            </a:r>
-            <a:r>
-              <a:rPr lang="en-US" dirty="0" err="1" smtClean="0"/>
-              <a:t>Stokell</a:t>
-            </a:r>
-            <a:r>
-              <a:rPr lang="en-US" dirty="0" smtClean="0"/>
-              <a:t> and Todd </a:t>
-            </a:r>
-            <a:r>
-              <a:rPr lang="en-US" dirty="0" err="1" smtClean="0"/>
-              <a:t>Steck</a:t>
-            </a:r>
-            <a:r>
-              <a:rPr lang="en-US" dirty="0" smtClean="0"/>
-              <a:t> (UNCC Biology).</a:t>
-            </a:r>
-          </a:p>
-          <a:p>
-            <a:r>
-              <a:rPr lang="en-US" dirty="0" smtClean="0"/>
-              <a:t>Unpublished data: Please do not share/post/publish without permission!</a:t>
+            <a:off x="685800" y="457200"/>
+            <a:ext cx="7543800" cy="369332"/>
+          </a:xfrm>
+          <a:prstGeom prst="rect">
+            <a:avLst/>
+          </a:prstGeom>
+          <a:noFill/>
+        </p:spPr>
+        <p:txBody>
+          <a:bodyPr wrap="square" rtlCol="0">
+            <a:spAutoFit/>
+          </a:bodyPr>
+          <a:lstStyle/>
+          <a:p>
+            <a:r>
+              <a:rPr lang="en-US" dirty="0" smtClean="0"/>
+              <a:t>http://afodor.github.io/classes/stats2015/qPCRWithSampleDays.txt</a:t>
             </a:r>
             <a:endParaRPr lang="en-US" dirty="0"/>
           </a:p>
@@ -6082,9 +6054,68 @@
           <a:chExt cx="0" cy="0"/>
         </a:xfrm>
       </p:grpSpPr>
+      <p:sp>
+        <p:nvSpPr>
+          <p:cNvPr id="4" name="TextBox 3"/>
+          <p:cNvSpPr txBox="1"/>
+          <p:nvPr/>
+        </p:nvSpPr>
+        <p:spPr>
+          <a:xfrm>
+            <a:off x="533400" y="304800"/>
+            <a:ext cx="7564700" cy="369332"/>
+          </a:xfrm>
+          <a:prstGeom prst="rect">
+            <a:avLst/>
+          </a:prstGeom>
+          <a:noFill/>
+        </p:spPr>
+        <p:txBody>
+          <a:bodyPr wrap="none" rtlCol="0">
+            <a:spAutoFit/>
+          </a:bodyPr>
+          <a:lstStyle/>
+          <a:p>
+            <a:r>
+              <a:rPr lang="en-US" dirty="0" smtClean="0"/>
+              <a:t>This dataset is described in this paper (which can be downloaded from campus)</a:t>
+            </a:r>
+            <a:endParaRPr lang="en-US" dirty="0"/>
+          </a:p>
+        </p:txBody>
+      </p:sp>
+      <p:sp>
+        <p:nvSpPr>
+          <p:cNvPr id="5" name="Rectangle 4"/>
+          <p:cNvSpPr/>
+          <p:nvPr/>
+        </p:nvSpPr>
+        <p:spPr>
+          <a:xfrm>
+            <a:off x="2895600" y="6172200"/>
+            <a:ext cx="4300857" cy="369332"/>
+          </a:xfrm>
+          <a:prstGeom prst="rect">
+            <a:avLst/>
+          </a:prstGeom>
+        </p:spPr>
+        <p:txBody>
+          <a:bodyPr wrap="none">
+            <a:spAutoFit/>
+          </a:bodyPr>
+          <a:lstStyle/>
+          <a:p>
+            <a:r>
+              <a:rPr lang="en-US" dirty="0" smtClean="0"/>
+              <a:t>http://jcm.asm.org/content/53/1/237.short</a:t>
+            </a:r>
+            <a:endParaRPr lang="en-US" dirty="0"/>
+          </a:p>
+        </p:txBody>
+      </p:sp>
       <p:pic>
         <p:nvPicPr>
-          <p:cNvPr id="20483" name="Picture 3"/>
+          <p:cNvPr id="19458" name="Picture 2"/>
           <p:cNvPicPr>
             <a:picLocks noChangeAspect="1" noChangeArrowheads="1"/>
           </p:cNvPicPr>
@@ -6099,8 +6130,8 @@
         </p:blipFill>
         <p:spPr bwMode="auto">
           <a:xfrm>
-            <a:off x="7162800" y="1828800"/>
-            <a:ext cx="1981200" cy="923925"/>
+            <a:off x="1676400" y="1219200"/>
+            <a:ext cx="5200650" cy="2809875"/>
           </a:xfrm>
           <a:prstGeom prst="rect">
             <a:avLst/>
@@ -6114,104 +6145,6 @@
           </a:ln>
         </p:spPr>
       </p:pic>
-      <p:sp>
-        <p:nvSpPr>
-          <p:cNvPr id="6" name="TextBox 5"/>
-          <p:cNvSpPr txBox="1"/>
-          <p:nvPr/>
-        </p:nvSpPr>
-        <p:spPr>
-          <a:xfrm>
-            <a:off x="304800" y="381000"/>
-            <a:ext cx="8763000" cy="646331"/>
-          </a:xfrm>
-          <a:prstGeom prst="rect">
-            <a:avLst/>
-          </a:prstGeom>
-          <a:noFill/>
-        </p:spPr>
-        <p:txBody>
-          <a:bodyPr wrap="square" rtlCol="0">
-            <a:spAutoFit/>
-          </a:bodyPr>
-          <a:lstStyle/>
-          <a:p>
-            <a:r>
-              <a:rPr lang="en-US" dirty="0" smtClean="0"/>
-              <a:t>How does the 16S signal change with time (the x-axis) and with </a:t>
-            </a:r>
-          </a:p>
-          <a:p>
-            <a:r>
-              <a:rPr lang="en-US" dirty="0" smtClean="0"/>
-              <a:t> antibiotic treatment (the colors?) </a:t>
-            </a:r>
-            <a:endParaRPr lang="en-US" dirty="0"/>
-          </a:p>
-        </p:txBody>
-      </p:sp>
-      <p:pic>
-        <p:nvPicPr>
-          <p:cNvPr id="20485" name="Picture 5"/>
-          <p:cNvPicPr>
-            <a:picLocks noChangeAspect="1" noChangeArrowheads="1"/>
-          </p:cNvPicPr>
-          <p:nvPr/>
-        </p:nvPicPr>
-        <p:blipFill>
-          <a:blip r:embed="rId3" cstate="print"/>
-          <a:srcRect/>
-          <a:stretch>
-            <a:fillRect/>
-          </a:stretch>
-        </p:blipFill>
-        <p:spPr bwMode="auto">
-          <a:xfrm>
-            <a:off x="228600" y="1143000"/>
-            <a:ext cx="6800850" cy="4476750"/>
-          </a:xfrm>
-          <a:prstGeom prst="rect">
-            <a:avLst/>
-          </a:prstGeom>
-          <a:noFill/>
-          <a:ln w="9525">
-            <a:noFill/>
-            <a:miter lim="800000"/>
-            <a:headEnd/>
-            <a:tailEnd/>
-          </a:ln>
-        </p:spPr>
-      </p:pic>
-      <p:sp>
-        <p:nvSpPr>
-          <p:cNvPr id="9" name="TextBox 8"/>
-          <p:cNvSpPr txBox="1"/>
-          <p:nvPr/>
-        </p:nvSpPr>
-        <p:spPr>
-          <a:xfrm>
-            <a:off x="533400" y="5791200"/>
-            <a:ext cx="5486400" cy="369332"/>
-          </a:xfrm>
-          <a:prstGeom prst="rect">
-            <a:avLst/>
-          </a:prstGeom>
-          <a:noFill/>
-        </p:spPr>
-        <p:txBody>
-          <a:bodyPr wrap="square" rtlCol="0">
-            <a:spAutoFit/>
-          </a:bodyPr>
-          <a:lstStyle/>
-          <a:p>
-            <a:r>
-              <a:rPr lang="en-US" dirty="0" smtClean="0"/>
-              <a:t>We will build and evaluate a series of linear models…</a:t>
-            </a:r>
-            <a:endParaRPr lang="en-US" dirty="0"/>
-          </a:p>
-        </p:txBody>
-      </p:sp>
     </p:spTree>
   </p:cSld>
   <p:clrMapOvr>
@@ -6237,39 +6170,9 @@
           <a:chExt cx="0" cy="0"/>
         </a:xfrm>
       </p:grpSpPr>
-      <p:sp>
-        <p:nvSpPr>
-          <p:cNvPr id="4" name="TextBox 3"/>
-          <p:cNvSpPr txBox="1"/>
-          <p:nvPr/>
-        </p:nvSpPr>
-        <p:spPr>
-          <a:xfrm>
-            <a:off x="457200" y="228600"/>
-            <a:ext cx="7010400" cy="369332"/>
-          </a:xfrm>
-          <a:prstGeom prst="rect">
-            <a:avLst/>
-          </a:prstGeom>
-          <a:noFill/>
-        </p:spPr>
-        <p:txBody>
-          <a:bodyPr wrap="square" rtlCol="0">
-            <a:spAutoFit/>
-          </a:bodyPr>
-          <a:lstStyle/>
-          <a:p>
-            <a:r>
-              <a:rPr lang="en-US" dirty="0" smtClean="0"/>
-              <a:t>First we look only at time (ignoring antibiotic treatment)</a:t>
-            </a:r>
-            <a:endParaRPr lang="en-US" dirty="0"/>
-          </a:p>
-        </p:txBody>
-      </p:sp>
       <p:pic>
         <p:nvPicPr>
-          <p:cNvPr id="22530" name="Picture 2"/>
+          <p:cNvPr id="20482" name="Picture 2"/>
           <p:cNvPicPr>
             <a:picLocks noChangeAspect="1" noChangeArrowheads="1"/>
           </p:cNvPicPr>
@@ -6284,8 +6187,8 @@
         </p:blipFill>
         <p:spPr bwMode="auto">
           <a:xfrm>
-            <a:off x="152400" y="1066800"/>
-            <a:ext cx="5543550" cy="5143500"/>
+            <a:off x="457200" y="2125406"/>
+            <a:ext cx="8382000" cy="2294194"/>
           </a:xfrm>
           <a:prstGeom prst="rect">
             <a:avLst/>
@@ -6299,48 +6202,16 @@
           </a:ln>
         </p:spPr>
       </p:pic>
-      <p:pic>
-        <p:nvPicPr>
-          <p:cNvPr id="22531" name="Picture 3"/>
-          <p:cNvPicPr>
-            <a:picLocks noChangeAspect="1" noChangeArrowheads="1"/>
-          </p:cNvPicPr>
-          <p:nvPr/>
-        </p:nvPicPr>
-        <p:blipFill>
-          <a:blip r:embed="rId3" cstate="print"/>
-          <a:srcRect/>
-          <a:stretch>
-            <a:fillRect/>
-          </a:stretch>
-        </p:blipFill>
-        <p:spPr bwMode="auto">
-          <a:xfrm>
-            <a:off x="5105400" y="1143000"/>
-            <a:ext cx="3771900" cy="3777868"/>
-          </a:xfrm>
-          <a:prstGeom prst="rect">
-            <a:avLst/>
-          </a:prstGeom>
-          <a:noFill/>
-          <a:ln w="9525">
-            <a:noFill/>
-            <a:miter lim="800000"/>
-            <a:headEnd/>
-            <a:tailEnd/>
-          </a:ln>
-        </p:spPr>
-      </p:pic>
-      <p:sp>
-        <p:nvSpPr>
-          <p:cNvPr id="7" name="TextBox 6"/>
+      <p:sp>
+        <p:nvSpPr>
+          <p:cNvPr id="5" name="TextBox 4"/>
           <p:cNvSpPr txBox="1"/>
           <p:nvPr/>
         </p:nvSpPr>
         <p:spPr>
           <a:xfrm flipH="1">
-            <a:off x="228600" y="6324600"/>
-            <a:ext cx="9174484" cy="369332"/>
+            <a:off x="685800" y="457200"/>
+            <a:ext cx="8458200" cy="369332"/>
           </a:xfrm>
           <a:prstGeom prst="rect">
             <a:avLst/>
@@ -6355,41 +6226,7 @@
           <a:p>
             <a:r>
               <a:rPr lang="en-US" dirty="0" smtClean="0"/>
-              <a:t>Time explains more than half the variance and we reject the zero slope hypothesis easily</a:t>
-            </a:r>
-            <a:endParaRPr lang="en-US" dirty="0"/>
-          </a:p>
-        </p:txBody>
-      </p:sp>
-      <p:sp>
-        <p:nvSpPr>
-          <p:cNvPr id="8" name="TextBox 7"/>
-          <p:cNvSpPr txBox="1"/>
-          <p:nvPr/>
-        </p:nvSpPr>
-        <p:spPr>
-          <a:xfrm>
-            <a:off x="1676400" y="609600"/>
-            <a:ext cx="3261919" cy="369332"/>
-          </a:xfrm>
-          <a:prstGeom prst="rect">
-            <a:avLst/>
-          </a:prstGeom>
-          <a:noFill/>
-        </p:spPr>
-        <p:txBody>
-          <a:bodyPr wrap="none" rtlCol="0">
-            <a:spAutoFit/>
-          </a:bodyPr>
-          <a:lstStyle/>
-          <a:p>
-            <a:r>
-              <a:rPr lang="en-US" dirty="0" err="1" smtClean="0"/>
-              <a:t>logBurk</a:t>
-            </a:r>
-            <a:r>
-              <a:rPr lang="en-US" dirty="0" smtClean="0"/>
-              <a:t> = B0 + B1 * times + error</a:t>
+              <a:t>The data are from a single Cystic Fibrosis patient exposed to an antibiotic regime…</a:t>
             </a:r>
             <a:endParaRPr lang="en-US" dirty="0"/>
           </a:p>
@@ -6420,47 +6257,9 @@
           <a:chExt cx="0" cy="0"/>
         </a:xfrm>
       </p:grpSpPr>
-      <p:sp>
-        <p:nvSpPr>
-          <p:cNvPr id="4" name="TextBox 3"/>
-          <p:cNvSpPr txBox="1"/>
-          <p:nvPr/>
-        </p:nvSpPr>
-        <p:spPr>
-          <a:xfrm>
-            <a:off x="685800" y="228600"/>
-            <a:ext cx="7215437" cy="923330"/>
-          </a:xfrm>
-          <a:prstGeom prst="rect">
-            <a:avLst/>
-          </a:prstGeom>
-          <a:noFill/>
-        </p:spPr>
-        <p:txBody>
-          <a:bodyPr wrap="none" rtlCol="0">
-            <a:spAutoFit/>
-          </a:bodyPr>
-          <a:lstStyle/>
-          <a:p>
-            <a:r>
-              <a:rPr lang="en-US" dirty="0" smtClean="0"/>
-              <a:t>We start with the full model (including interaction terms!)</a:t>
-            </a:r>
-          </a:p>
-          <a:p>
-            <a:endParaRPr lang="en-US" dirty="0" smtClean="0"/>
-          </a:p>
-          <a:p>
-            <a:r>
-              <a:rPr lang="en-US" dirty="0" smtClean="0"/>
-              <a:t>This is a small amount of typing in R but produces a highly complex model. </a:t>
-            </a:r>
-          </a:p>
-        </p:txBody>
-      </p:sp>
       <p:pic>
         <p:nvPicPr>
-          <p:cNvPr id="23554" name="Picture 2"/>
+          <p:cNvPr id="20483" name="Picture 3"/>
           <p:cNvPicPr>
             <a:picLocks noChangeAspect="1" noChangeArrowheads="1"/>
           </p:cNvPicPr>
@@ -6475,8 +6274,8 @@
         </p:blipFill>
         <p:spPr bwMode="auto">
           <a:xfrm>
-            <a:off x="1295400" y="1333500"/>
-            <a:ext cx="6562725" cy="3086100"/>
+            <a:off x="7162800" y="1828800"/>
+            <a:ext cx="1981200" cy="923925"/>
           </a:xfrm>
           <a:prstGeom prst="rect">
             <a:avLst/>
@@ -6498,125 +6297,96 @@
         </p:nvSpPr>
         <p:spPr>
           <a:xfrm>
-            <a:off x="304800" y="4724400"/>
-            <a:ext cx="8812028" cy="923330"/>
-          </a:xfrm>
-          <a:prstGeom prst="rect">
-            <a:avLst/>
-          </a:prstGeom>
-          <a:noFill/>
-        </p:spPr>
-        <p:txBody>
-          <a:bodyPr wrap="none" rtlCol="0">
-            <a:spAutoFit/>
-          </a:bodyPr>
-          <a:lstStyle/>
-          <a:p>
-            <a:r>
-              <a:rPr lang="en-US" dirty="0" err="1" smtClean="0"/>
-              <a:t>logBurk</a:t>
-            </a:r>
-            <a:r>
-              <a:rPr lang="en-US" dirty="0" smtClean="0"/>
-              <a:t> = B0 + B1 * </a:t>
-            </a:r>
-            <a:r>
-              <a:rPr lang="en-US" dirty="0" err="1" smtClean="0"/>
-              <a:t>sampleDays</a:t>
-            </a:r>
-            <a:r>
-              <a:rPr lang="en-US" dirty="0" smtClean="0"/>
-              <a:t> + B2 * “</a:t>
-            </a:r>
-            <a:r>
-              <a:rPr lang="en-US" dirty="0" err="1" smtClean="0"/>
-              <a:t>BeforeTreatment</a:t>
-            </a:r>
-            <a:r>
-              <a:rPr lang="en-US" dirty="0" smtClean="0"/>
-              <a:t>” + B3 * “Recovery” + B4 * “stable”</a:t>
-            </a:r>
-          </a:p>
-          <a:p>
-            <a:r>
-              <a:rPr lang="en-US" dirty="0" smtClean="0"/>
-              <a:t>		+ B5 * “</a:t>
-            </a:r>
-            <a:r>
-              <a:rPr lang="en-US" dirty="0" err="1" smtClean="0"/>
-              <a:t>BeforeTreatment</a:t>
-            </a:r>
-            <a:r>
-              <a:rPr lang="en-US" dirty="0" smtClean="0"/>
-              <a:t>*</a:t>
-            </a:r>
-            <a:r>
-              <a:rPr lang="en-US" dirty="0" err="1" smtClean="0"/>
-              <a:t>sampleDays</a:t>
-            </a:r>
-            <a:r>
-              <a:rPr lang="en-US" dirty="0" smtClean="0"/>
-              <a:t>” + B6 * “Recovery*</a:t>
-            </a:r>
-            <a:r>
-              <a:rPr lang="en-US" dirty="0" err="1" smtClean="0"/>
-              <a:t>sampleDays</a:t>
-            </a:r>
-            <a:r>
-              <a:rPr lang="en-US" dirty="0" smtClean="0"/>
-              <a:t>” </a:t>
-            </a:r>
-          </a:p>
-          <a:p>
-            <a:r>
-              <a:rPr lang="en-US" dirty="0" smtClean="0"/>
-              <a:t>			+ B7 * “stable*</a:t>
-            </a:r>
-            <a:r>
-              <a:rPr lang="en-US" dirty="0" err="1" smtClean="0"/>
-              <a:t>sampleDays</a:t>
-            </a:r>
-            <a:r>
-              <a:rPr lang="en-US" dirty="0" smtClean="0"/>
-              <a:t>”</a:t>
+            <a:off x="304800" y="381000"/>
+            <a:ext cx="8763000" cy="646331"/>
+          </a:xfrm>
+          <a:prstGeom prst="rect">
+            <a:avLst/>
+          </a:prstGeom>
+          <a:noFill/>
+        </p:spPr>
+        <p:txBody>
+          <a:bodyPr wrap="square" rtlCol="0">
+            <a:spAutoFit/>
+          </a:bodyPr>
+          <a:lstStyle/>
+          <a:p>
+            <a:r>
+              <a:rPr lang="en-US" dirty="0" smtClean="0"/>
+              <a:t>How does the 16S signal change with time (the x-axis) and with </a:t>
+            </a:r>
+          </a:p>
+          <a:p>
+            <a:r>
+              <a:rPr lang="en-US" dirty="0" smtClean="0"/>
+              <a:t> antibiotic treatment (the colors?) </a:t>
             </a:r>
             <a:endParaRPr lang="en-US" dirty="0"/>
           </a:p>
         </p:txBody>
       </p:sp>
-      <p:cxnSp>
-        <p:nvCxnSpPr>
-          <p:cNvPr id="9" name="Straight Arrow Connector 8"/>
-          <p:cNvCxnSpPr/>
-          <p:nvPr/>
-        </p:nvCxnSpPr>
-        <p:spPr>
-          <a:xfrm rot="10800000">
-            <a:off x="6324600" y="2438400"/>
-            <a:ext cx="609600" cy="1588"/>
-          </a:xfrm>
-          <a:prstGeom prst="straightConnector1">
-            <a:avLst/>
-          </a:prstGeom>
-          <a:ln>
-            <a:tailEnd type="arrow"/>
+      <p:pic>
+        <p:nvPicPr>
+          <p:cNvPr id="20485" name="Picture 5"/>
+          <p:cNvPicPr>
+            <a:picLocks noChangeAspect="1" noChangeArrowheads="1"/>
+          </p:cNvPicPr>
+          <p:nvPr/>
+        </p:nvPicPr>
+        <p:blipFill>
+          <a:blip r:embed="rId3" cstate="print"/>
+          <a:srcRect/>
+          <a:stretch>
+            <a:fillRect/>
+          </a:stretch>
+        </p:blipFill>
+        <p:spPr bwMode="auto">
+          <a:xfrm>
+            <a:off x="228600" y="1143000"/>
+            <a:ext cx="6800850" cy="4476750"/>
+          </a:xfrm>
+          <a:prstGeom prst="rect">
+            <a:avLst/>
+          </a:prstGeom>
+          <a:noFill/>
+          <a:ln w="9525">
+            <a:noFill/>
+            <a:miter lim="800000"/>
+            <a:headEnd/>
+            <a:tailEnd/>
           </a:ln>
         </p:spPr>
-        <p:style>
-          <a:lnRef idx="1">
-            <a:schemeClr val="accent1"/>
-          </a:lnRef>
-          <a:fillRef idx="0">
-            <a:schemeClr val="accent1"/>
-          </a:fillRef>
-          <a:effectRef idx="0">
-            <a:schemeClr val="accent1"/>
-          </a:effectRef>
-          <a:fontRef idx="minor">
-            <a:schemeClr val="tx1"/>
-          </a:fontRef>
-        </p:style>
-      </p:cxnSp>
+      </p:pic>
+      <p:sp>
+        <p:nvSpPr>
+          <p:cNvPr id="9" name="TextBox 8"/>
+          <p:cNvSpPr txBox="1"/>
+          <p:nvPr/>
+        </p:nvSpPr>
+        <p:spPr>
+          <a:xfrm>
+            <a:off x="533400" y="5791200"/>
+            <a:ext cx="5486400" cy="369332"/>
+          </a:xfrm>
+          <a:prstGeom prst="rect">
+            <a:avLst/>
+          </a:prstGeom>
+          <a:noFill/>
+        </p:spPr>
+        <p:txBody>
+          <a:bodyPr wrap="square" rtlCol="0">
+            <a:spAutoFit/>
+          </a:bodyPr>
+          <a:lstStyle/>
+          <a:p>
+            <a:r>
+              <a:rPr lang="en-US" dirty="0" smtClean="0"/>
+              <a:t>We will build and evaluate a series of linear models…</a:t>
+            </a:r>
+            <a:endParaRPr lang="en-US" dirty="0"/>
+          </a:p>
+        </p:txBody>
+      </p:sp>
     </p:spTree>
   </p:cSld>
   <p:clrMapOvr>
@@ -6650,8 +6420,8 @@
         </p:nvSpPr>
         <p:spPr>
           <a:xfrm>
-            <a:off x="152400" y="0"/>
-            <a:ext cx="2514600" cy="369332"/>
+            <a:off x="457200" y="228600"/>
+            <a:ext cx="7010400" cy="369332"/>
           </a:xfrm>
           <a:prstGeom prst="rect">
             <a:avLst/>
@@ -6666,7 +6436,7 @@
           <a:p>
             <a:r>
               <a:rPr lang="en-US" dirty="0" smtClean="0"/>
-              <a:t>At the matrix level… </a:t>
+              <a:t>First we look only at time (ignoring antibiotic treatment)</a:t>
             </a:r>
             <a:endParaRPr lang="en-US" dirty="0"/>
           </a:p>
@@ -6674,7 +6444,7 @@
       </p:sp>
       <p:pic>
         <p:nvPicPr>
-          <p:cNvPr id="19462" name="Picture 6"/>
+          <p:cNvPr id="22530" name="Picture 2"/>
           <p:cNvPicPr>
             <a:picLocks noChangeAspect="1" noChangeArrowheads="1"/>
           </p:cNvPicPr>
@@ -6689,8 +6459,8 @@
         </p:blipFill>
         <p:spPr bwMode="auto">
           <a:xfrm>
-            <a:off x="137950" y="985839"/>
-            <a:ext cx="8777450" cy="3814761"/>
+            <a:off x="152400" y="1066800"/>
+            <a:ext cx="5543550" cy="5143500"/>
           </a:xfrm>
           <a:prstGeom prst="rect">
             <a:avLst/>
@@ -6704,16 +6474,78 @@
           </a:ln>
         </p:spPr>
       </p:pic>
-      <p:sp>
-        <p:nvSpPr>
-          <p:cNvPr id="15" name="TextBox 14"/>
+      <p:pic>
+        <p:nvPicPr>
+          <p:cNvPr id="22531" name="Picture 3"/>
+          <p:cNvPicPr>
+            <a:picLocks noChangeAspect="1" noChangeArrowheads="1"/>
+          </p:cNvPicPr>
+          <p:nvPr/>
+        </p:nvPicPr>
+        <p:blipFill>
+          <a:blip r:embed="rId3" cstate="print"/>
+          <a:srcRect/>
+          <a:stretch>
+            <a:fillRect/>
+          </a:stretch>
+        </p:blipFill>
+        <p:spPr bwMode="auto">
+          <a:xfrm>
+            <a:off x="5105400" y="1143000"/>
+            <a:ext cx="3771900" cy="3777868"/>
+          </a:xfrm>
+          <a:prstGeom prst="rect">
+            <a:avLst/>
+          </a:prstGeom>
+          <a:noFill/>
+          <a:ln w="9525">
+            <a:noFill/>
+            <a:miter lim="800000"/>
+            <a:headEnd/>
+            <a:tailEnd/>
+          </a:ln>
+        </p:spPr>
+      </p:pic>
+      <p:sp>
+        <p:nvSpPr>
+          <p:cNvPr id="7" name="TextBox 6"/>
           <p:cNvSpPr txBox="1"/>
           <p:nvPr/>
         </p:nvSpPr>
         <p:spPr>
-          <a:xfrm>
-            <a:off x="84583" y="4800600"/>
-            <a:ext cx="906017" cy="415498"/>
+          <a:xfrm flipH="1">
+            <a:off x="228600" y="6324600"/>
+            <a:ext cx="9174484" cy="369332"/>
+          </a:xfrm>
+          <a:prstGeom prst="rect">
+            <a:avLst/>
+          </a:prstGeom>
+          <a:noFill/>
+        </p:spPr>
+        <p:txBody>
+          <a:bodyPr wrap="square" rtlCol="0">
+            <a:spAutoFit/>
+          </a:bodyPr>
+          <a:lstStyle/>
+          <a:p>
+            <a:r>
+              <a:rPr lang="en-US" dirty="0" smtClean="0"/>
+              <a:t>Time explains more than half the variance and we reject the zero slope hypothesis easily</a:t>
+            </a:r>
+            <a:endParaRPr lang="en-US" dirty="0"/>
+          </a:p>
+        </p:txBody>
+      </p:sp>
+      <p:sp>
+        <p:nvSpPr>
+          <p:cNvPr id="8" name="TextBox 7"/>
+          <p:cNvSpPr txBox="1"/>
+          <p:nvPr/>
+        </p:nvSpPr>
+        <p:spPr>
+          <a:xfrm>
+            <a:off x="1676400" y="609600"/>
+            <a:ext cx="3261919" cy="369332"/>
           </a:xfrm>
           <a:prstGeom prst="rect">
             <a:avLst/>
@@ -6727,841 +6559,14 @@
           <a:lstStyle/>
           <a:p>
             <a:r>
-              <a:rPr lang="en-US" sz="1050" dirty="0" smtClean="0">
-                <a:latin typeface="Courier" pitchFamily="49" charset="0"/>
-              </a:rPr>
-              <a:t>B0</a:t>
-            </a:r>
-          </a:p>
-          <a:p>
-            <a:r>
-              <a:rPr lang="en-US" sz="1050" dirty="0" smtClean="0">
-                <a:latin typeface="Courier" pitchFamily="49" charset="0"/>
-              </a:rPr>
-              <a:t>Intercept</a:t>
-            </a:r>
-            <a:endParaRPr lang="en-US" sz="1050" dirty="0">
-              <a:latin typeface="Courier" pitchFamily="49" charset="0"/>
-            </a:endParaRPr>
-          </a:p>
-        </p:txBody>
-      </p:sp>
-      <p:sp>
-        <p:nvSpPr>
-          <p:cNvPr id="16" name="TextBox 15"/>
-          <p:cNvSpPr txBox="1"/>
-          <p:nvPr/>
-        </p:nvSpPr>
-        <p:spPr>
-          <a:xfrm>
-            <a:off x="866333" y="5105400"/>
-            <a:ext cx="505267" cy="415498"/>
-          </a:xfrm>
-          <a:prstGeom prst="rect">
-            <a:avLst/>
-          </a:prstGeom>
-          <a:noFill/>
-        </p:spPr>
-        <p:txBody>
-          <a:bodyPr wrap="none" rtlCol="0">
-            <a:spAutoFit/>
-          </a:bodyPr>
-          <a:lstStyle/>
-          <a:p>
-            <a:r>
-              <a:rPr lang="en-US" sz="1050" dirty="0" smtClean="0">
-                <a:latin typeface="Courier" pitchFamily="49" charset="0"/>
-              </a:rPr>
-              <a:t>B1</a:t>
-            </a:r>
-          </a:p>
-          <a:p>
-            <a:r>
-              <a:rPr lang="en-US" sz="1050" dirty="0" smtClean="0">
-                <a:latin typeface="Courier" pitchFamily="49" charset="0"/>
-              </a:rPr>
-              <a:t>Time</a:t>
-            </a:r>
-            <a:endParaRPr lang="en-US" sz="1050" dirty="0">
-              <a:latin typeface="Courier" pitchFamily="49" charset="0"/>
-            </a:endParaRPr>
-          </a:p>
-        </p:txBody>
-      </p:sp>
-      <p:cxnSp>
-        <p:nvCxnSpPr>
-          <p:cNvPr id="18" name="Straight Connector 17"/>
-          <p:cNvCxnSpPr/>
-          <p:nvPr/>
-        </p:nvCxnSpPr>
-        <p:spPr>
-          <a:xfrm rot="5400000">
-            <a:off x="1371600" y="5181600"/>
-            <a:ext cx="609600" cy="0"/>
-          </a:xfrm>
-          <a:prstGeom prst="line">
-            <a:avLst/>
-          </a:prstGeom>
-        </p:spPr>
-        <p:style>
-          <a:lnRef idx="1">
-            <a:schemeClr val="accent1"/>
-          </a:lnRef>
-          <a:fillRef idx="0">
-            <a:schemeClr val="accent1"/>
-          </a:fillRef>
-          <a:effectRef idx="0">
-            <a:schemeClr val="accent1"/>
-          </a:effectRef>
-          <a:fontRef idx="minor">
-            <a:schemeClr val="tx1"/>
-          </a:fontRef>
-        </p:style>
-      </p:cxnSp>
-      <p:cxnSp>
-        <p:nvCxnSpPr>
-          <p:cNvPr id="20" name="Straight Connector 19"/>
-          <p:cNvCxnSpPr/>
-          <p:nvPr/>
-        </p:nvCxnSpPr>
-        <p:spPr>
-          <a:xfrm>
-            <a:off x="1676400" y="5486400"/>
-            <a:ext cx="3505200" cy="0"/>
-          </a:xfrm>
-          <a:prstGeom prst="line">
-            <a:avLst/>
-          </a:prstGeom>
-        </p:spPr>
-        <p:style>
-          <a:lnRef idx="1">
-            <a:schemeClr val="accent1"/>
-          </a:lnRef>
-          <a:fillRef idx="0">
-            <a:schemeClr val="accent1"/>
-          </a:fillRef>
-          <a:effectRef idx="0">
-            <a:schemeClr val="accent1"/>
-          </a:effectRef>
-          <a:fontRef idx="minor">
-            <a:schemeClr val="tx1"/>
-          </a:fontRef>
-        </p:style>
-      </p:cxnSp>
-      <p:cxnSp>
-        <p:nvCxnSpPr>
-          <p:cNvPr id="22" name="Straight Connector 21"/>
-          <p:cNvCxnSpPr/>
-          <p:nvPr/>
-        </p:nvCxnSpPr>
-        <p:spPr>
-          <a:xfrm rot="5400000" flipH="1" flipV="1">
-            <a:off x="4800600" y="5181600"/>
-            <a:ext cx="609600" cy="0"/>
-          </a:xfrm>
-          <a:prstGeom prst="line">
-            <a:avLst/>
-          </a:prstGeom>
-        </p:spPr>
-        <p:style>
-          <a:lnRef idx="1">
-            <a:schemeClr val="accent1"/>
-          </a:lnRef>
-          <a:fillRef idx="0">
-            <a:schemeClr val="accent1"/>
-          </a:fillRef>
-          <a:effectRef idx="0">
-            <a:schemeClr val="accent1"/>
-          </a:effectRef>
-          <a:fontRef idx="minor">
-            <a:schemeClr val="tx1"/>
-          </a:fontRef>
-        </p:style>
-      </p:cxnSp>
-      <p:sp>
-        <p:nvSpPr>
-          <p:cNvPr id="23" name="Rectangle 22"/>
-          <p:cNvSpPr/>
-          <p:nvPr/>
-        </p:nvSpPr>
-        <p:spPr>
-          <a:xfrm>
-            <a:off x="1143000" y="344269"/>
-            <a:ext cx="6705600" cy="646331"/>
-          </a:xfrm>
-          <a:prstGeom prst="rect">
-            <a:avLst/>
-          </a:prstGeom>
-        </p:spPr>
-        <p:txBody>
-          <a:bodyPr wrap="square">
-            <a:spAutoFit/>
-          </a:bodyPr>
-          <a:lstStyle/>
-          <a:p>
-            <a:r>
               <a:rPr lang="en-US" dirty="0" err="1" smtClean="0"/>
-              <a:t>myLm</a:t>
-            </a:r>
-            <a:r>
-              <a:rPr lang="en-US" dirty="0" smtClean="0"/>
-              <a:t> &lt;- lm ( </a:t>
-            </a:r>
-            <a:r>
-              <a:rPr lang="en-US" dirty="0" err="1" smtClean="0"/>
-              <a:t>myT$LogBurk</a:t>
-            </a:r>
-            <a:r>
-              <a:rPr lang="en-US" dirty="0" smtClean="0"/>
-              <a:t> ~ </a:t>
-            </a:r>
-            <a:r>
-              <a:rPr lang="en-US" dirty="0" err="1" smtClean="0"/>
-              <a:t>myT$sampleDays</a:t>
-            </a:r>
-            <a:r>
-              <a:rPr lang="en-US" dirty="0" smtClean="0"/>
-              <a:t> * treatments, x=TRUE)</a:t>
-            </a:r>
-          </a:p>
-          <a:p>
-            <a:r>
-              <a:rPr lang="en-US" dirty="0" smtClean="0"/>
-              <a:t>edit(</a:t>
-            </a:r>
-            <a:r>
-              <a:rPr lang="en-US" dirty="0" err="1" smtClean="0"/>
-              <a:t>myLm$x</a:t>
-            </a:r>
-            <a:r>
-              <a:rPr lang="en-US" dirty="0" smtClean="0"/>
-              <a:t>)</a:t>
+              <a:t>logBurk</a:t>
+            </a:r>
+            <a:r>
+              <a:rPr lang="en-US" dirty="0" smtClean="0"/>
+              <a:t> = B0 + B1 * times + error</a:t>
             </a:r>
             <a:endParaRPr lang="en-US" dirty="0"/>
-          </a:p>
-        </p:txBody>
-      </p:sp>
-      <p:sp>
-        <p:nvSpPr>
-          <p:cNvPr id="24" name="TextBox 23"/>
-          <p:cNvSpPr txBox="1"/>
-          <p:nvPr/>
-        </p:nvSpPr>
-        <p:spPr>
-          <a:xfrm>
-            <a:off x="1676400" y="5486400"/>
-            <a:ext cx="5257800" cy="307777"/>
-          </a:xfrm>
-          <a:prstGeom prst="rect">
-            <a:avLst/>
-          </a:prstGeom>
-          <a:noFill/>
-        </p:spPr>
-        <p:txBody>
-          <a:bodyPr wrap="square" rtlCol="0">
-            <a:spAutoFit/>
-          </a:bodyPr>
-          <a:lstStyle/>
-          <a:p>
-            <a:r>
-              <a:rPr lang="en-US" sz="1400" dirty="0" smtClean="0"/>
-              <a:t>“Dummy variables” controlling intercept values</a:t>
-            </a:r>
-            <a:endParaRPr lang="en-US" sz="1400" dirty="0"/>
-          </a:p>
-        </p:txBody>
-      </p:sp>
-      <p:sp>
-        <p:nvSpPr>
-          <p:cNvPr id="25" name="TextBox 24"/>
-          <p:cNvSpPr txBox="1"/>
-          <p:nvPr/>
-        </p:nvSpPr>
-        <p:spPr>
-          <a:xfrm>
-            <a:off x="1859280" y="4724400"/>
-            <a:ext cx="344966" cy="253916"/>
-          </a:xfrm>
-          <a:prstGeom prst="rect">
-            <a:avLst/>
-          </a:prstGeom>
-          <a:noFill/>
-        </p:spPr>
-        <p:txBody>
-          <a:bodyPr wrap="none" rtlCol="0">
-            <a:spAutoFit/>
-          </a:bodyPr>
-          <a:lstStyle/>
-          <a:p>
-            <a:r>
-              <a:rPr lang="en-US" sz="1050" dirty="0" smtClean="0">
-                <a:latin typeface="Courier" pitchFamily="49" charset="0"/>
-              </a:rPr>
-              <a:t>B2</a:t>
-            </a:r>
-            <a:endParaRPr lang="en-US" sz="1050" dirty="0">
-              <a:latin typeface="Courier" pitchFamily="49" charset="0"/>
-            </a:endParaRPr>
-          </a:p>
-        </p:txBody>
-      </p:sp>
-      <p:sp>
-        <p:nvSpPr>
-          <p:cNvPr id="26" name="TextBox 25"/>
-          <p:cNvSpPr txBox="1"/>
-          <p:nvPr/>
-        </p:nvSpPr>
-        <p:spPr>
-          <a:xfrm>
-            <a:off x="3383280" y="4724400"/>
-            <a:ext cx="344966" cy="253916"/>
-          </a:xfrm>
-          <a:prstGeom prst="rect">
-            <a:avLst/>
-          </a:prstGeom>
-          <a:noFill/>
-        </p:spPr>
-        <p:txBody>
-          <a:bodyPr wrap="none" rtlCol="0">
-            <a:spAutoFit/>
-          </a:bodyPr>
-          <a:lstStyle/>
-          <a:p>
-            <a:r>
-              <a:rPr lang="en-US" sz="1050" dirty="0" smtClean="0">
-                <a:latin typeface="Courier" pitchFamily="49" charset="0"/>
-              </a:rPr>
-              <a:t>B3</a:t>
-            </a:r>
-            <a:endParaRPr lang="en-US" sz="1050" dirty="0">
-              <a:latin typeface="Courier" pitchFamily="49" charset="0"/>
-            </a:endParaRPr>
-          </a:p>
-        </p:txBody>
-      </p:sp>
-      <p:sp>
-        <p:nvSpPr>
-          <p:cNvPr id="27" name="TextBox 26"/>
-          <p:cNvSpPr txBox="1"/>
-          <p:nvPr/>
-        </p:nvSpPr>
-        <p:spPr>
-          <a:xfrm>
-            <a:off x="4373880" y="4724400"/>
-            <a:ext cx="344966" cy="253916"/>
-          </a:xfrm>
-          <a:prstGeom prst="rect">
-            <a:avLst/>
-          </a:prstGeom>
-          <a:noFill/>
-        </p:spPr>
-        <p:txBody>
-          <a:bodyPr wrap="none" rtlCol="0">
-            <a:spAutoFit/>
-          </a:bodyPr>
-          <a:lstStyle/>
-          <a:p>
-            <a:r>
-              <a:rPr lang="en-US" sz="1050" dirty="0" smtClean="0">
-                <a:latin typeface="Courier" pitchFamily="49" charset="0"/>
-              </a:rPr>
-              <a:t>B4</a:t>
-            </a:r>
-            <a:endParaRPr lang="en-US" sz="1050" dirty="0">
-              <a:latin typeface="Courier" pitchFamily="49" charset="0"/>
-            </a:endParaRPr>
-          </a:p>
-        </p:txBody>
-      </p:sp>
-      <p:sp>
-        <p:nvSpPr>
-          <p:cNvPr id="28" name="TextBox 27"/>
-          <p:cNvSpPr txBox="1"/>
-          <p:nvPr/>
-        </p:nvSpPr>
-        <p:spPr>
-          <a:xfrm>
-            <a:off x="1600200" y="4978442"/>
-            <a:ext cx="1386918" cy="253916"/>
-          </a:xfrm>
-          <a:prstGeom prst="rect">
-            <a:avLst/>
-          </a:prstGeom>
-          <a:noFill/>
-        </p:spPr>
-        <p:txBody>
-          <a:bodyPr wrap="none" rtlCol="0">
-            <a:spAutoFit/>
-          </a:bodyPr>
-          <a:lstStyle/>
-          <a:p>
-            <a:pPr algn="ctr"/>
-            <a:r>
-              <a:rPr lang="en-US" sz="1050" dirty="0" err="1" smtClean="0">
-                <a:latin typeface="Courier" pitchFamily="49" charset="0"/>
-              </a:rPr>
-              <a:t>beforeTreatment</a:t>
-            </a:r>
-            <a:endParaRPr lang="en-US" sz="1050" dirty="0">
-              <a:latin typeface="Courier" pitchFamily="49" charset="0"/>
-            </a:endParaRPr>
-          </a:p>
-        </p:txBody>
-      </p:sp>
-      <p:sp>
-        <p:nvSpPr>
-          <p:cNvPr id="29" name="TextBox 28"/>
-          <p:cNvSpPr txBox="1"/>
-          <p:nvPr/>
-        </p:nvSpPr>
-        <p:spPr>
-          <a:xfrm>
-            <a:off x="1034214" y="6031468"/>
-            <a:ext cx="5595186" cy="369332"/>
-          </a:xfrm>
-          <a:prstGeom prst="rect">
-            <a:avLst/>
-          </a:prstGeom>
-          <a:noFill/>
-        </p:spPr>
-        <p:txBody>
-          <a:bodyPr wrap="none" rtlCol="0">
-            <a:spAutoFit/>
-          </a:bodyPr>
-          <a:lstStyle/>
-          <a:p>
-            <a:r>
-              <a:rPr lang="en-US" dirty="0" smtClean="0"/>
-              <a:t>Dummy variables have no two rows with a non-zero value</a:t>
-            </a:r>
-            <a:endParaRPr lang="en-US" dirty="0"/>
-          </a:p>
-        </p:txBody>
-      </p:sp>
-      <p:sp>
-        <p:nvSpPr>
-          <p:cNvPr id="30" name="TextBox 29"/>
-          <p:cNvSpPr txBox="1"/>
-          <p:nvPr/>
-        </p:nvSpPr>
-        <p:spPr>
-          <a:xfrm>
-            <a:off x="3136533" y="4978442"/>
-            <a:ext cx="825867" cy="253916"/>
-          </a:xfrm>
-          <a:prstGeom prst="rect">
-            <a:avLst/>
-          </a:prstGeom>
-          <a:noFill/>
-        </p:spPr>
-        <p:txBody>
-          <a:bodyPr wrap="none" rtlCol="0">
-            <a:spAutoFit/>
-          </a:bodyPr>
-          <a:lstStyle/>
-          <a:p>
-            <a:pPr algn="ctr"/>
-            <a:r>
-              <a:rPr lang="en-US" sz="1050" dirty="0" smtClean="0">
-                <a:latin typeface="Courier" pitchFamily="49" charset="0"/>
-              </a:rPr>
-              <a:t>Recovery</a:t>
-            </a:r>
-            <a:endParaRPr lang="en-US" sz="1050" dirty="0">
-              <a:latin typeface="Courier" pitchFamily="49" charset="0"/>
-            </a:endParaRPr>
-          </a:p>
-        </p:txBody>
-      </p:sp>
-      <p:sp>
-        <p:nvSpPr>
-          <p:cNvPr id="31" name="TextBox 30"/>
-          <p:cNvSpPr txBox="1"/>
-          <p:nvPr/>
-        </p:nvSpPr>
-        <p:spPr>
-          <a:xfrm>
-            <a:off x="4127133" y="4978442"/>
-            <a:ext cx="906017" cy="253916"/>
-          </a:xfrm>
-          <a:prstGeom prst="rect">
-            <a:avLst/>
-          </a:prstGeom>
-          <a:noFill/>
-        </p:spPr>
-        <p:txBody>
-          <a:bodyPr wrap="none" rtlCol="0">
-            <a:spAutoFit/>
-          </a:bodyPr>
-          <a:lstStyle/>
-          <a:p>
-            <a:pPr algn="ctr"/>
-            <a:r>
-              <a:rPr lang="en-US" sz="1050" dirty="0" smtClean="0">
-                <a:latin typeface="Courier" pitchFamily="49" charset="0"/>
-              </a:rPr>
-              <a:t>Treatment</a:t>
-            </a:r>
-            <a:endParaRPr lang="en-US" sz="1050" dirty="0">
-              <a:latin typeface="Courier" pitchFamily="49" charset="0"/>
-            </a:endParaRPr>
-          </a:p>
-        </p:txBody>
-      </p:sp>
-      <p:cxnSp>
-        <p:nvCxnSpPr>
-          <p:cNvPr id="32" name="Straight Connector 31"/>
-          <p:cNvCxnSpPr/>
-          <p:nvPr/>
-        </p:nvCxnSpPr>
-        <p:spPr>
-          <a:xfrm rot="5400000">
-            <a:off x="5181600" y="5178623"/>
-            <a:ext cx="609600" cy="0"/>
-          </a:xfrm>
-          <a:prstGeom prst="line">
-            <a:avLst/>
-          </a:prstGeom>
-        </p:spPr>
-        <p:style>
-          <a:lnRef idx="1">
-            <a:schemeClr val="accent1"/>
-          </a:lnRef>
-          <a:fillRef idx="0">
-            <a:schemeClr val="accent1"/>
-          </a:fillRef>
-          <a:effectRef idx="0">
-            <a:schemeClr val="accent1"/>
-          </a:effectRef>
-          <a:fontRef idx="minor">
-            <a:schemeClr val="tx1"/>
-          </a:fontRef>
-        </p:style>
-      </p:cxnSp>
-      <p:cxnSp>
-        <p:nvCxnSpPr>
-          <p:cNvPr id="33" name="Straight Connector 32"/>
-          <p:cNvCxnSpPr/>
-          <p:nvPr/>
-        </p:nvCxnSpPr>
-        <p:spPr>
-          <a:xfrm>
-            <a:off x="5486400" y="5483423"/>
-            <a:ext cx="3505200" cy="0"/>
-          </a:xfrm>
-          <a:prstGeom prst="line">
-            <a:avLst/>
-          </a:prstGeom>
-        </p:spPr>
-        <p:style>
-          <a:lnRef idx="1">
-            <a:schemeClr val="accent1"/>
-          </a:lnRef>
-          <a:fillRef idx="0">
-            <a:schemeClr val="accent1"/>
-          </a:fillRef>
-          <a:effectRef idx="0">
-            <a:schemeClr val="accent1"/>
-          </a:effectRef>
-          <a:fontRef idx="minor">
-            <a:schemeClr val="tx1"/>
-          </a:fontRef>
-        </p:style>
-      </p:cxnSp>
-      <p:cxnSp>
-        <p:nvCxnSpPr>
-          <p:cNvPr id="34" name="Straight Connector 33"/>
-          <p:cNvCxnSpPr/>
-          <p:nvPr/>
-        </p:nvCxnSpPr>
-        <p:spPr>
-          <a:xfrm rot="5400000" flipH="1" flipV="1">
-            <a:off x="8610600" y="5178623"/>
-            <a:ext cx="609600" cy="0"/>
-          </a:xfrm>
-          <a:prstGeom prst="line">
-            <a:avLst/>
-          </a:prstGeom>
-        </p:spPr>
-        <p:style>
-          <a:lnRef idx="1">
-            <a:schemeClr val="accent1"/>
-          </a:lnRef>
-          <a:fillRef idx="0">
-            <a:schemeClr val="accent1"/>
-          </a:fillRef>
-          <a:effectRef idx="0">
-            <a:schemeClr val="accent1"/>
-          </a:effectRef>
-          <a:fontRef idx="minor">
-            <a:schemeClr val="tx1"/>
-          </a:fontRef>
-        </p:style>
-      </p:cxnSp>
-      <p:sp>
-        <p:nvSpPr>
-          <p:cNvPr id="35" name="TextBox 34"/>
-          <p:cNvSpPr txBox="1"/>
-          <p:nvPr/>
-        </p:nvSpPr>
-        <p:spPr>
-          <a:xfrm>
-            <a:off x="5486400" y="5483423"/>
-            <a:ext cx="5257800" cy="307777"/>
-          </a:xfrm>
-          <a:prstGeom prst="rect">
-            <a:avLst/>
-          </a:prstGeom>
-          <a:noFill/>
-        </p:spPr>
-        <p:txBody>
-          <a:bodyPr wrap="square" rtlCol="0">
-            <a:spAutoFit/>
-          </a:bodyPr>
-          <a:lstStyle/>
-          <a:p>
-            <a:r>
-              <a:rPr lang="en-US" sz="1400" dirty="0" smtClean="0"/>
-              <a:t>“Dummy variables” controlling slope values</a:t>
-            </a:r>
-            <a:endParaRPr lang="en-US" sz="1400" dirty="0"/>
-          </a:p>
-        </p:txBody>
-      </p:sp>
-      <p:sp>
-        <p:nvSpPr>
-          <p:cNvPr id="36" name="TextBox 35"/>
-          <p:cNvSpPr txBox="1"/>
-          <p:nvPr/>
-        </p:nvSpPr>
-        <p:spPr>
-          <a:xfrm>
-            <a:off x="5669280" y="4721423"/>
-            <a:ext cx="344966" cy="253916"/>
-          </a:xfrm>
-          <a:prstGeom prst="rect">
-            <a:avLst/>
-          </a:prstGeom>
-          <a:noFill/>
-        </p:spPr>
-        <p:txBody>
-          <a:bodyPr wrap="none" rtlCol="0">
-            <a:spAutoFit/>
-          </a:bodyPr>
-          <a:lstStyle/>
-          <a:p>
-            <a:r>
-              <a:rPr lang="en-US" sz="1050" dirty="0" smtClean="0">
-                <a:latin typeface="Courier" pitchFamily="49" charset="0"/>
-              </a:rPr>
-              <a:t>B5</a:t>
-            </a:r>
-            <a:endParaRPr lang="en-US" sz="1050" dirty="0">
-              <a:latin typeface="Courier" pitchFamily="49" charset="0"/>
-            </a:endParaRPr>
-          </a:p>
-        </p:txBody>
-      </p:sp>
-      <p:sp>
-        <p:nvSpPr>
-          <p:cNvPr id="37" name="TextBox 36"/>
-          <p:cNvSpPr txBox="1"/>
-          <p:nvPr/>
-        </p:nvSpPr>
-        <p:spPr>
-          <a:xfrm>
-            <a:off x="7574280" y="4721423"/>
-            <a:ext cx="344966" cy="253916"/>
-          </a:xfrm>
-          <a:prstGeom prst="rect">
-            <a:avLst/>
-          </a:prstGeom>
-          <a:noFill/>
-        </p:spPr>
-        <p:txBody>
-          <a:bodyPr wrap="none" rtlCol="0">
-            <a:spAutoFit/>
-          </a:bodyPr>
-          <a:lstStyle/>
-          <a:p>
-            <a:r>
-              <a:rPr lang="en-US" sz="1050" dirty="0" smtClean="0">
-                <a:latin typeface="Courier" pitchFamily="49" charset="0"/>
-              </a:rPr>
-              <a:t>B6</a:t>
-            </a:r>
-            <a:endParaRPr lang="en-US" sz="1050" dirty="0">
-              <a:latin typeface="Courier" pitchFamily="49" charset="0"/>
-            </a:endParaRPr>
-          </a:p>
-        </p:txBody>
-      </p:sp>
-      <p:sp>
-        <p:nvSpPr>
-          <p:cNvPr id="38" name="TextBox 37"/>
-          <p:cNvSpPr txBox="1"/>
-          <p:nvPr/>
-        </p:nvSpPr>
-        <p:spPr>
-          <a:xfrm>
-            <a:off x="8323947" y="4721423"/>
-            <a:ext cx="344966" cy="253916"/>
-          </a:xfrm>
-          <a:prstGeom prst="rect">
-            <a:avLst/>
-          </a:prstGeom>
-          <a:noFill/>
-        </p:spPr>
-        <p:txBody>
-          <a:bodyPr wrap="none" rtlCol="0">
-            <a:spAutoFit/>
-          </a:bodyPr>
-          <a:lstStyle/>
-          <a:p>
-            <a:r>
-              <a:rPr lang="en-US" sz="1050" dirty="0" smtClean="0">
-                <a:latin typeface="Courier" pitchFamily="49" charset="0"/>
-              </a:rPr>
-              <a:t>B7</a:t>
-            </a:r>
-            <a:endParaRPr lang="en-US" sz="1050" dirty="0">
-              <a:latin typeface="Courier" pitchFamily="49" charset="0"/>
-            </a:endParaRPr>
-          </a:p>
-        </p:txBody>
-      </p:sp>
-      <p:sp>
-        <p:nvSpPr>
-          <p:cNvPr id="39" name="TextBox 38"/>
-          <p:cNvSpPr txBox="1"/>
-          <p:nvPr/>
-        </p:nvSpPr>
-        <p:spPr>
-          <a:xfrm>
-            <a:off x="5410200" y="4975465"/>
-            <a:ext cx="1386918" cy="415498"/>
-          </a:xfrm>
-          <a:prstGeom prst="rect">
-            <a:avLst/>
-          </a:prstGeom>
-          <a:noFill/>
-        </p:spPr>
-        <p:txBody>
-          <a:bodyPr wrap="none" rtlCol="0">
-            <a:spAutoFit/>
-          </a:bodyPr>
-          <a:lstStyle/>
-          <a:p>
-            <a:pPr algn="ctr"/>
-            <a:r>
-              <a:rPr lang="en-US" sz="1050" dirty="0" err="1" smtClean="0">
-                <a:latin typeface="Courier" pitchFamily="49" charset="0"/>
-              </a:rPr>
-              <a:t>beforeTreatment</a:t>
-            </a:r>
-            <a:endParaRPr lang="en-US" sz="1050" dirty="0" smtClean="0">
-              <a:latin typeface="Courier" pitchFamily="49" charset="0"/>
-            </a:endParaRPr>
-          </a:p>
-          <a:p>
-            <a:pPr algn="ctr"/>
-            <a:r>
-              <a:rPr lang="en-US" sz="1050" dirty="0" smtClean="0">
-                <a:latin typeface="Courier" pitchFamily="49" charset="0"/>
-              </a:rPr>
-              <a:t>*study days</a:t>
-            </a:r>
-            <a:endParaRPr lang="en-US" sz="1050" dirty="0">
-              <a:latin typeface="Courier" pitchFamily="49" charset="0"/>
-            </a:endParaRPr>
-          </a:p>
-        </p:txBody>
-      </p:sp>
-      <p:sp>
-        <p:nvSpPr>
-          <p:cNvPr id="40" name="TextBox 39"/>
-          <p:cNvSpPr txBox="1"/>
-          <p:nvPr/>
-        </p:nvSpPr>
-        <p:spPr>
-          <a:xfrm>
-            <a:off x="7087082" y="4975465"/>
-            <a:ext cx="1066318" cy="415498"/>
-          </a:xfrm>
-          <a:prstGeom prst="rect">
-            <a:avLst/>
-          </a:prstGeom>
-          <a:noFill/>
-        </p:spPr>
-        <p:txBody>
-          <a:bodyPr wrap="none" rtlCol="0">
-            <a:spAutoFit/>
-          </a:bodyPr>
-          <a:lstStyle/>
-          <a:p>
-            <a:pPr algn="ctr"/>
-            <a:r>
-              <a:rPr lang="en-US" sz="1050" dirty="0" smtClean="0">
-                <a:latin typeface="Courier" pitchFamily="49" charset="0"/>
-              </a:rPr>
-              <a:t>Recovery</a:t>
-            </a:r>
-          </a:p>
-          <a:p>
-            <a:pPr algn="ctr"/>
-            <a:r>
-              <a:rPr lang="en-US" sz="1050" dirty="0" smtClean="0">
-                <a:latin typeface="Courier" pitchFamily="49" charset="0"/>
-              </a:rPr>
-              <a:t>*study days</a:t>
-            </a:r>
-            <a:endParaRPr lang="en-US" sz="1050" dirty="0">
-              <a:latin typeface="Courier" pitchFamily="49" charset="0"/>
-            </a:endParaRPr>
-          </a:p>
-        </p:txBody>
-      </p:sp>
-      <p:sp>
-        <p:nvSpPr>
-          <p:cNvPr id="41" name="TextBox 40"/>
-          <p:cNvSpPr txBox="1"/>
-          <p:nvPr/>
-        </p:nvSpPr>
-        <p:spPr>
-          <a:xfrm>
-            <a:off x="8077681" y="4975465"/>
-            <a:ext cx="1066319" cy="415498"/>
-          </a:xfrm>
-          <a:prstGeom prst="rect">
-            <a:avLst/>
-          </a:prstGeom>
-          <a:noFill/>
-        </p:spPr>
-        <p:txBody>
-          <a:bodyPr wrap="none" rtlCol="0">
-            <a:spAutoFit/>
-          </a:bodyPr>
-          <a:lstStyle/>
-          <a:p>
-            <a:pPr algn="ctr"/>
-            <a:r>
-              <a:rPr lang="en-US" sz="1050" dirty="0" smtClean="0">
-                <a:latin typeface="Courier" pitchFamily="49" charset="0"/>
-              </a:rPr>
-              <a:t>Treatment</a:t>
-            </a:r>
-          </a:p>
-          <a:p>
-            <a:pPr algn="ctr"/>
-            <a:r>
-              <a:rPr lang="en-US" sz="1050" dirty="0" smtClean="0">
-                <a:latin typeface="Courier" pitchFamily="49" charset="0"/>
-              </a:rPr>
-              <a:t>*study days</a:t>
-            </a:r>
-            <a:endParaRPr lang="en-US" sz="1050" dirty="0">
-              <a:latin typeface="Courier" pitchFamily="49" charset="0"/>
-            </a:endParaRPr>
           </a:p>
         </p:txBody>
       </p:sp>
@@ -7598,38 +6603,8 @@
         </p:nvSpPr>
         <p:spPr>
           <a:xfrm>
-            <a:off x="381000" y="457200"/>
-            <a:ext cx="7086600" cy="369332"/>
-          </a:xfrm>
-          <a:prstGeom prst="rect">
-            <a:avLst/>
-          </a:prstGeom>
-          <a:noFill/>
-        </p:spPr>
-        <p:txBody>
-          <a:bodyPr wrap="square" rtlCol="0">
-            <a:spAutoFit/>
-          </a:bodyPr>
-          <a:lstStyle/>
-          <a:p>
-            <a:r>
-              <a:rPr lang="en-US" dirty="0" smtClean="0"/>
-              <a:t>Do we need all of these parameters?</a:t>
-            </a:r>
-            <a:endParaRPr lang="en-US" dirty="0"/>
-          </a:p>
-        </p:txBody>
-      </p:sp>
-      <p:sp>
-        <p:nvSpPr>
-          <p:cNvPr id="5" name="TextBox 4"/>
-          <p:cNvSpPr txBox="1"/>
-          <p:nvPr/>
-        </p:nvSpPr>
-        <p:spPr>
-          <a:xfrm>
-            <a:off x="331972" y="990600"/>
-            <a:ext cx="8812028" cy="923330"/>
+            <a:off x="685800" y="228600"/>
+            <a:ext cx="7215437" cy="923330"/>
           </a:xfrm>
           <a:prstGeom prst="rect">
             <a:avLst/>
@@ -7643,170 +6618,24 @@
           <a:lstStyle/>
           <a:p>
             <a:r>
-              <a:rPr lang="en-US" dirty="0" err="1" smtClean="0"/>
-              <a:t>logBurk</a:t>
-            </a:r>
-            <a:r>
-              <a:rPr lang="en-US" dirty="0" smtClean="0"/>
-              <a:t> = B0 + B1 * </a:t>
-            </a:r>
-            <a:r>
-              <a:rPr lang="en-US" dirty="0" err="1" smtClean="0"/>
-              <a:t>sampleDays</a:t>
-            </a:r>
-            <a:r>
-              <a:rPr lang="en-US" dirty="0" smtClean="0"/>
-              <a:t> + B2 * “</a:t>
-            </a:r>
-            <a:r>
-              <a:rPr lang="en-US" dirty="0" err="1" smtClean="0"/>
-              <a:t>BeforeTreatment</a:t>
-            </a:r>
-            <a:r>
-              <a:rPr lang="en-US" dirty="0" smtClean="0"/>
-              <a:t>” + B3 * “Recovery” + B4 * “stable”</a:t>
-            </a:r>
-          </a:p>
-          <a:p>
-            <a:r>
-              <a:rPr lang="en-US" dirty="0" smtClean="0"/>
-              <a:t>		+ B5 * “</a:t>
-            </a:r>
-            <a:r>
-              <a:rPr lang="en-US" dirty="0" err="1" smtClean="0"/>
-              <a:t>BeforeTreatment</a:t>
-            </a:r>
-            <a:r>
-              <a:rPr lang="en-US" dirty="0" smtClean="0"/>
-              <a:t>*</a:t>
-            </a:r>
-            <a:r>
-              <a:rPr lang="en-US" dirty="0" err="1" smtClean="0"/>
-              <a:t>sampleDays</a:t>
-            </a:r>
-            <a:r>
-              <a:rPr lang="en-US" dirty="0" smtClean="0"/>
-              <a:t>” + B6 * “Recovery*</a:t>
-            </a:r>
-            <a:r>
-              <a:rPr lang="en-US" dirty="0" err="1" smtClean="0"/>
-              <a:t>sampleDays</a:t>
-            </a:r>
-            <a:r>
-              <a:rPr lang="en-US" dirty="0" smtClean="0"/>
-              <a:t>” </a:t>
-            </a:r>
-          </a:p>
-          <a:p>
-            <a:r>
-              <a:rPr lang="en-US" dirty="0" smtClean="0"/>
-              <a:t>			+ B7 * “stable*</a:t>
-            </a:r>
-            <a:r>
-              <a:rPr lang="en-US" dirty="0" err="1" smtClean="0"/>
-              <a:t>sampleDays</a:t>
-            </a:r>
-            <a:r>
-              <a:rPr lang="en-US" dirty="0" smtClean="0"/>
-              <a:t>”</a:t>
-            </a:r>
-            <a:endParaRPr lang="en-US" dirty="0"/>
-          </a:p>
-        </p:txBody>
-      </p:sp>
-      <p:sp>
-        <p:nvSpPr>
-          <p:cNvPr id="6" name="TextBox 5"/>
-          <p:cNvSpPr txBox="1"/>
-          <p:nvPr/>
-        </p:nvSpPr>
-        <p:spPr>
-          <a:xfrm>
-            <a:off x="609600" y="2209800"/>
-            <a:ext cx="3920240" cy="369332"/>
-          </a:xfrm>
-          <a:prstGeom prst="rect">
-            <a:avLst/>
-          </a:prstGeom>
-          <a:noFill/>
-        </p:spPr>
-        <p:txBody>
-          <a:bodyPr wrap="none" rtlCol="0">
-            <a:spAutoFit/>
-          </a:bodyPr>
-          <a:lstStyle/>
-          <a:p>
-            <a:r>
-              <a:rPr lang="en-US" dirty="0" smtClean="0"/>
-              <a:t>Can we get rid of the interaction terms?</a:t>
-            </a:r>
-            <a:endParaRPr lang="en-US" dirty="0"/>
-          </a:p>
-        </p:txBody>
-      </p:sp>
-      <p:sp>
-        <p:nvSpPr>
-          <p:cNvPr id="7" name="TextBox 6"/>
-          <p:cNvSpPr txBox="1"/>
-          <p:nvPr/>
-        </p:nvSpPr>
-        <p:spPr>
-          <a:xfrm>
-            <a:off x="457200" y="3124200"/>
-            <a:ext cx="3505200" cy="646331"/>
-          </a:xfrm>
-          <a:prstGeom prst="rect">
-            <a:avLst/>
-          </a:prstGeom>
-          <a:noFill/>
-        </p:spPr>
-        <p:txBody>
-          <a:bodyPr wrap="square" rtlCol="0">
-            <a:spAutoFit/>
-          </a:bodyPr>
-          <a:lstStyle/>
-          <a:p>
-            <a:r>
-              <a:rPr lang="en-US" dirty="0" smtClean="0"/>
-              <a:t>Full model (allows slopes to vary with antibiotic treatments)</a:t>
-            </a:r>
-            <a:endParaRPr lang="en-US" dirty="0"/>
-          </a:p>
-        </p:txBody>
-      </p:sp>
-      <p:sp>
-        <p:nvSpPr>
-          <p:cNvPr id="8" name="TextBox 7"/>
-          <p:cNvSpPr txBox="1"/>
-          <p:nvPr/>
-        </p:nvSpPr>
-        <p:spPr>
-          <a:xfrm>
-            <a:off x="5029200" y="3200400"/>
-            <a:ext cx="4114800" cy="369332"/>
-          </a:xfrm>
-          <a:prstGeom prst="rect">
-            <a:avLst/>
-          </a:prstGeom>
-          <a:noFill/>
-        </p:spPr>
-        <p:txBody>
-          <a:bodyPr wrap="square" rtlCol="0">
-            <a:spAutoFit/>
-          </a:bodyPr>
-          <a:lstStyle/>
-          <a:p>
-            <a:r>
-              <a:rPr lang="en-US" dirty="0" smtClean="0"/>
-              <a:t>Reduced model (one slope for all data)</a:t>
-            </a:r>
-            <a:endParaRPr lang="en-US" dirty="0"/>
+              <a:rPr lang="en-US" dirty="0" smtClean="0"/>
+              <a:t>We start with the full model (including interaction terms!)</a:t>
+            </a:r>
+          </a:p>
+          <a:p>
+            <a:endParaRPr lang="en-US" dirty="0" smtClean="0"/>
+          </a:p>
+          <a:p>
+            <a:r>
+              <a:rPr lang="en-US" dirty="0" smtClean="0"/>
+              <a:t>This is a small amount of typing in R but produces a highly complex model. </a:t>
+            </a:r>
           </a:p>
         </p:txBody>
       </p:sp>
       <p:pic>
         <p:nvPicPr>
-          <p:cNvPr id="23555" name="Picture 3"/>
+          <p:cNvPr id="23554" name="Picture 2"/>
           <p:cNvPicPr>
             <a:picLocks noChangeAspect="1" noChangeArrowheads="1"/>
           </p:cNvPicPr>
@@ -7821,8 +6650,8 @@
         </p:blipFill>
         <p:spPr bwMode="auto">
           <a:xfrm>
-            <a:off x="685800" y="3810000"/>
-            <a:ext cx="2781300" cy="2095500"/>
+            <a:off x="1295400" y="1333500"/>
+            <a:ext cx="6562725" cy="3086100"/>
           </a:xfrm>
           <a:prstGeom prst="rect">
             <a:avLst/>
@@ -7836,38 +6665,133 @@
           </a:ln>
         </p:spPr>
       </p:pic>
-      <p:pic>
-        <p:nvPicPr>
-          <p:cNvPr id="23556" name="Picture 4"/>
-          <p:cNvPicPr>
-            <a:picLocks noChangeAspect="1" noChangeArrowheads="1"/>
-          </p:cNvPicPr>
-          <p:nvPr/>
-        </p:nvPicPr>
-        <p:blipFill>
-          <a:blip r:embed="rId3" cstate="print"/>
-          <a:srcRect/>
-          <a:stretch>
-            <a:fillRect/>
-          </a:stretch>
-        </p:blipFill>
-        <p:spPr bwMode="auto">
-          <a:xfrm>
-            <a:off x="4876800" y="3733800"/>
-            <a:ext cx="3038475" cy="2057400"/>
-          </a:xfrm>
-          <a:prstGeom prst="rect">
-            <a:avLst/>
-          </a:prstGeom>
-          <a:noFill/>
-          <a:ln w="9525">
-            <a:noFill/>
-            <a:miter lim="800000"/>
-            <a:headEnd/>
-            <a:tailEnd/>
+      <p:sp>
+        <p:nvSpPr>
+          <p:cNvPr id="6" name="TextBox 5"/>
+          <p:cNvSpPr txBox="1"/>
+          <p:nvPr/>
+        </p:nvSpPr>
+        <p:spPr>
+          <a:xfrm>
+            <a:off x="304800" y="4724400"/>
+            <a:ext cx="8812028" cy="923330"/>
+          </a:xfrm>
+          <a:prstGeom prst="rect">
+            <a:avLst/>
+          </a:prstGeom>
+          <a:noFill/>
+        </p:spPr>
+        <p:txBody>
+          <a:bodyPr wrap="none" rtlCol="0">
+            <a:spAutoFit/>
+          </a:bodyPr>
+          <a:lstStyle/>
+          <a:p>
+            <a:r>
+              <a:rPr lang="en-US" dirty="0" err="1" smtClean="0"/>
+              <a:t>logBurk</a:t>
+            </a:r>
+            <a:r>
+              <a:rPr lang="en-US" dirty="0" smtClean="0"/>
+              <a:t> = B0 + B1 * </a:t>
+            </a:r>
+            <a:r>
+              <a:rPr lang="en-US" dirty="0" err="1" smtClean="0"/>
+              <a:t>sampleDays</a:t>
+            </a:r>
+            <a:r>
+              <a:rPr lang="en-US" dirty="0" smtClean="0"/>
+              <a:t> + B2 * “</a:t>
+            </a:r>
+            <a:r>
+              <a:rPr lang="en-US" dirty="0" err="1" smtClean="0"/>
+              <a:t>BeforeTreatment</a:t>
+            </a:r>
+            <a:r>
+              <a:rPr lang="en-US" dirty="0" smtClean="0"/>
+              <a:t>” + B3 * “Recovery” + B4 * “stable”</a:t>
+            </a:r>
+          </a:p>
+          <a:p>
+            <a:r>
+              <a:rPr lang="en-US" dirty="0" smtClean="0"/>
+              <a:t>		+ B5 * “</a:t>
+            </a:r>
+            <a:r>
+              <a:rPr lang="en-US" dirty="0" err="1" smtClean="0"/>
+              <a:t>BeforeTreatment</a:t>
+            </a:r>
+            <a:r>
+              <a:rPr lang="en-US" dirty="0" smtClean="0"/>
+              <a:t>*</a:t>
+            </a:r>
+            <a:r>
+              <a:rPr lang="en-US" dirty="0" err="1" smtClean="0"/>
+              <a:t>sampleDays</a:t>
+            </a:r>
+            <a:r>
+              <a:rPr lang="en-US" dirty="0" smtClean="0"/>
+              <a:t>” + B6 * “Recovery*</a:t>
+            </a:r>
+            <a:r>
+              <a:rPr lang="en-US" dirty="0" err="1" smtClean="0"/>
+              <a:t>sampleDays</a:t>
+            </a:r>
+            <a:r>
+              <a:rPr lang="en-US" dirty="0" smtClean="0"/>
+              <a:t>” </a:t>
+            </a:r>
+          </a:p>
+          <a:p>
+            <a:r>
+              <a:rPr lang="en-US" dirty="0" smtClean="0"/>
+              <a:t>			+ B7 * “stable*</a:t>
+            </a:r>
+            <a:r>
+              <a:rPr lang="en-US" dirty="0" err="1" smtClean="0"/>
+              <a:t>sampleDays</a:t>
+            </a:r>
+            <a:r>
+              <a:rPr lang="en-US" dirty="0" smtClean="0"/>
+              <a:t>”</a:t>
+            </a:r>
+            <a:endParaRPr lang="en-US" dirty="0"/>
+          </a:p>
+        </p:txBody>
+      </p:sp>
+      <p:cxnSp>
+        <p:nvCxnSpPr>
+          <p:cNvPr id="9" name="Straight Arrow Connector 8"/>
+          <p:cNvCxnSpPr/>
+          <p:nvPr/>
+        </p:nvCxnSpPr>
+        <p:spPr>
+          <a:xfrm rot="10800000">
+            <a:off x="6324600" y="2438400"/>
+            <a:ext cx="609600" cy="1588"/>
+          </a:xfrm>
+          <a:prstGeom prst="straightConnector1">
+            <a:avLst/>
+          </a:prstGeom>
+          <a:ln>
+            <a:tailEnd type="arrow"/>
           </a:ln>
         </p:spPr>
-      </p:pic>
+        <p:style>
+          <a:lnRef idx="1">
+            <a:schemeClr val="accent1"/>
+          </a:lnRef>
+          <a:fillRef idx="0">
+            <a:schemeClr val="accent1"/>
+          </a:fillRef>
+          <a:effectRef idx="0">
+            <a:schemeClr val="accent1"/>
+          </a:effectRef>
+          <a:fontRef idx="minor">
+            <a:schemeClr val="tx1"/>
+          </a:fontRef>
+        </p:style>
+      </p:cxnSp>
     </p:spTree>
   </p:cSld>
   <p:clrMapOvr>
@@ -7901,8 +6825,70 @@
         </p:nvSpPr>
         <p:spPr>
           <a:xfrm>
-            <a:off x="990600" y="304800"/>
-            <a:ext cx="2821157" cy="1200329"/>
+            <a:off x="152400" y="0"/>
+            <a:ext cx="2514600" cy="369332"/>
+          </a:xfrm>
+          <a:prstGeom prst="rect">
+            <a:avLst/>
+          </a:prstGeom>
+          <a:noFill/>
+        </p:spPr>
+        <p:txBody>
+          <a:bodyPr wrap="square" rtlCol="0">
+            <a:spAutoFit/>
+          </a:bodyPr>
+          <a:lstStyle/>
+          <a:p>
+            <a:r>
+              <a:rPr lang="en-US" dirty="0" smtClean="0"/>
+              <a:t>At the matrix level… </a:t>
+            </a:r>
+            <a:endParaRPr lang="en-US" dirty="0"/>
+          </a:p>
+        </p:txBody>
+      </p:sp>
+      <p:pic>
+        <p:nvPicPr>
+          <p:cNvPr id="19462" name="Picture 6"/>
+          <p:cNvPicPr>
+            <a:picLocks noChangeAspect="1" noChangeArrowheads="1"/>
+          </p:cNvPicPr>
+          <p:nvPr/>
+        </p:nvPicPr>
+        <p:blipFill>
+          <a:blip r:embed="rId2" cstate="print"/>
+          <a:srcRect/>
+          <a:stretch>
+            <a:fillRect/>
+          </a:stretch>
+        </p:blipFill>
+        <p:spPr bwMode="auto">
+          <a:xfrm>
+            <a:off x="137950" y="985839"/>
+            <a:ext cx="8777450" cy="3814761"/>
+          </a:xfrm>
+          <a:prstGeom prst="rect">
+            <a:avLst/>
+          </a:prstGeom>
+          <a:noFill/>
+          <a:ln w="9525">
+            <a:noFill/>
+            <a:miter lim="800000"/>
+            <a:headEnd/>
+            <a:tailEnd/>
+          </a:ln>
+        </p:spPr>
+      </p:pic>
+      <p:sp>
+        <p:nvSpPr>
+          <p:cNvPr id="15" name="TextBox 14"/>
+          <p:cNvSpPr txBox="1"/>
+          <p:nvPr/>
+        </p:nvSpPr>
+        <p:spPr>
+          <a:xfrm>
+            <a:off x="84583" y="4800600"/>
+            <a:ext cx="906017" cy="415498"/>
           </a:xfrm>
           <a:prstGeom prst="rect">
             <a:avLst/>
@@ -7916,49 +6902,186 @@
           <a:lstStyle/>
           <a:p>
             <a:r>
-              <a:rPr lang="en-US" dirty="0" smtClean="0"/>
-              <a:t>Our first model comparison:</a:t>
-            </a:r>
-          </a:p>
-          <a:p>
-            <a:endParaRPr lang="en-US" dirty="0" smtClean="0"/>
-          </a:p>
-          <a:p>
-            <a:r>
-              <a:rPr lang="en-US" dirty="0" smtClean="0"/>
-              <a:t>The full model:</a:t>
-            </a:r>
-          </a:p>
-          <a:p>
-            <a:r>
-              <a:rPr lang="en-US" dirty="0" smtClean="0"/>
-              <a:t>	</a:t>
-            </a:r>
-            <a:endParaRPr lang="en-US" dirty="0"/>
-          </a:p>
-        </p:txBody>
-      </p:sp>
-      <p:sp>
-        <p:nvSpPr>
-          <p:cNvPr id="5" name="Rectangle 4"/>
+              <a:rPr lang="en-US" sz="1050" dirty="0" smtClean="0">
+                <a:latin typeface="Courier" pitchFamily="49" charset="0"/>
+              </a:rPr>
+              <a:t>B0</a:t>
+            </a:r>
+          </a:p>
+          <a:p>
+            <a:r>
+              <a:rPr lang="en-US" sz="1050" dirty="0" smtClean="0">
+                <a:latin typeface="Courier" pitchFamily="49" charset="0"/>
+              </a:rPr>
+              <a:t>Intercept</a:t>
+            </a:r>
+            <a:endParaRPr lang="en-US" sz="1050" dirty="0">
+              <a:latin typeface="Courier" pitchFamily="49" charset="0"/>
+            </a:endParaRPr>
+          </a:p>
+        </p:txBody>
+      </p:sp>
+      <p:sp>
+        <p:nvSpPr>
+          <p:cNvPr id="16" name="TextBox 15"/>
+          <p:cNvSpPr txBox="1"/>
+          <p:nvPr/>
+        </p:nvSpPr>
+        <p:spPr>
+          <a:xfrm>
+            <a:off x="866333" y="5105400"/>
+            <a:ext cx="505267" cy="415498"/>
+          </a:xfrm>
+          <a:prstGeom prst="rect">
+            <a:avLst/>
+          </a:prstGeom>
+          <a:noFill/>
+        </p:spPr>
+        <p:txBody>
+          <a:bodyPr wrap="none" rtlCol="0">
+            <a:spAutoFit/>
+          </a:bodyPr>
+          <a:lstStyle/>
+          <a:p>
+            <a:r>
+              <a:rPr lang="en-US" sz="1050" dirty="0" smtClean="0">
+                <a:latin typeface="Courier" pitchFamily="49" charset="0"/>
+              </a:rPr>
+              <a:t>B1</a:t>
+            </a:r>
+          </a:p>
+          <a:p>
+            <a:r>
+              <a:rPr lang="en-US" sz="1050" dirty="0" smtClean="0">
+                <a:latin typeface="Courier" pitchFamily="49" charset="0"/>
+              </a:rPr>
+              <a:t>Time</a:t>
+            </a:r>
+            <a:endParaRPr lang="en-US" sz="1050" dirty="0">
+              <a:latin typeface="Courier" pitchFamily="49" charset="0"/>
+            </a:endParaRPr>
+          </a:p>
+        </p:txBody>
+      </p:sp>
+      <p:cxnSp>
+        <p:nvCxnSpPr>
+          <p:cNvPr id="18" name="Straight Connector 17"/>
+          <p:cNvCxnSpPr/>
+          <p:nvPr/>
+        </p:nvCxnSpPr>
+        <p:spPr>
+          <a:xfrm rot="5400000">
+            <a:off x="1371600" y="5181600"/>
+            <a:ext cx="609600" cy="0"/>
+          </a:xfrm>
+          <a:prstGeom prst="line">
+            <a:avLst/>
+          </a:prstGeom>
+        </p:spPr>
+        <p:style>
+          <a:lnRef idx="1">
+            <a:schemeClr val="accent1"/>
+          </a:lnRef>
+          <a:fillRef idx="0">
+            <a:schemeClr val="accent1"/>
+          </a:fillRef>
+          <a:effectRef idx="0">
+            <a:schemeClr val="accent1"/>
+          </a:effectRef>
+          <a:fontRef idx="minor">
+            <a:schemeClr val="tx1"/>
+          </a:fontRef>
+        </p:style>
+      </p:cxnSp>
+      <p:cxnSp>
+        <p:nvCxnSpPr>
+          <p:cNvPr id="20" name="Straight Connector 19"/>
+          <p:cNvCxnSpPr/>
+          <p:nvPr/>
+        </p:nvCxnSpPr>
+        <p:spPr>
+          <a:xfrm>
+            <a:off x="1676400" y="5486400"/>
+            <a:ext cx="3505200" cy="0"/>
+          </a:xfrm>
+          <a:prstGeom prst="line">
+            <a:avLst/>
+          </a:prstGeom>
+        </p:spPr>
+        <p:style>
+          <a:lnRef idx="1">
+            <a:schemeClr val="accent1"/>
+          </a:lnRef>
+          <a:fillRef idx="0">
+            <a:schemeClr val="accent1"/>
+          </a:fillRef>
+          <a:effectRef idx="0">
+            <a:schemeClr val="accent1"/>
+          </a:effectRef>
+          <a:fontRef idx="minor">
+            <a:schemeClr val="tx1"/>
+          </a:fontRef>
+        </p:style>
+      </p:cxnSp>
+      <p:cxnSp>
+        <p:nvCxnSpPr>
+          <p:cNvPr id="22" name="Straight Connector 21"/>
+          <p:cNvCxnSpPr/>
+          <p:nvPr/>
+        </p:nvCxnSpPr>
+        <p:spPr>
+          <a:xfrm rot="5400000" flipH="1" flipV="1">
+            <a:off x="4800600" y="5181600"/>
+            <a:ext cx="609600" cy="0"/>
+          </a:xfrm>
+          <a:prstGeom prst="line">
+            <a:avLst/>
+          </a:prstGeom>
+        </p:spPr>
+        <p:style>
+          <a:lnRef idx="1">
+            <a:schemeClr val="accent1"/>
+          </a:lnRef>
+          <a:fillRef idx="0">
+            <a:schemeClr val="accent1"/>
+          </a:fillRef>
+          <a:effectRef idx="0">
+            <a:schemeClr val="accent1"/>
+          </a:effectRef>
+          <a:fontRef idx="minor">
+            <a:schemeClr val="tx1"/>
+          </a:fontRef>
+        </p:style>
+      </p:cxnSp>
+      <p:sp>
+        <p:nvSpPr>
+          <p:cNvPr id="23" name="Rectangle 22"/>
           <p:cNvSpPr/>
           <p:nvPr/>
         </p:nvSpPr>
         <p:spPr>
           <a:xfrm>
-            <a:off x="2211125" y="1295400"/>
-            <a:ext cx="4570675" cy="369332"/>
-          </a:xfrm>
-          <a:prstGeom prst="rect">
-            <a:avLst/>
-          </a:prstGeom>
-        </p:spPr>
-        <p:txBody>
-          <a:bodyPr wrap="none">
-            <a:spAutoFit/>
-          </a:bodyPr>
-          <a:lstStyle/>
-          <a:p>
+            <a:off x="1143000" y="344269"/>
+            <a:ext cx="6705600" cy="646331"/>
+          </a:xfrm>
+          <a:prstGeom prst="rect">
+            <a:avLst/>
+          </a:prstGeom>
+        </p:spPr>
+        <p:txBody>
+          <a:bodyPr wrap="square">
+            <a:spAutoFit/>
+          </a:bodyPr>
+          <a:lstStyle/>
+          <a:p>
+            <a:r>
+              <a:rPr lang="en-US" dirty="0" err="1" smtClean="0"/>
+              <a:t>myLm</a:t>
+            </a:r>
+            <a:r>
+              <a:rPr lang="en-US" dirty="0" smtClean="0"/>
+              <a:t> &lt;- lm ( </a:t>
+            </a:r>
             <a:r>
               <a:rPr lang="en-US" dirty="0" err="1" smtClean="0"/>
               <a:t>myT$LogBurk</a:t>
@@ -7973,7 +7096,21 @@
             </a:r>
             <a:r>
               <a:rPr lang="en-US" dirty="0" smtClean="0"/>
-              <a:t> * treatments</a:t>
+              <a:t> * treatments, x=TRUE)</a:t>
+            </a:r>
+          </a:p>
+          <a:p>
+            <a:r>
+              <a:rPr lang="en-US" dirty="0" smtClean="0"/>
+              <a:t>edit(</a:t>
+            </a:r>
+            <a:r>
+              <a:rPr lang="en-US" dirty="0" err="1" smtClean="0"/>
+              <a:t>myLm$x</a:t>
+            </a:r>
+            <a:r>
+              <a:rPr lang="en-US" dirty="0" smtClean="0"/>
+              <a:t>)</a:t>
             </a:r>
             <a:endParaRPr lang="en-US" dirty="0"/>
           </a:p>
@@ -7981,28 +7118,196 @@
       </p:sp>
       <p:sp>
         <p:nvSpPr>
-          <p:cNvPr id="6" name="Rectangle 5"/>
-          <p:cNvSpPr/>
-          <p:nvPr/>
-        </p:nvSpPr>
-        <p:spPr>
-          <a:xfrm>
-            <a:off x="990600" y="2069068"/>
-            <a:ext cx="2069990" cy="369332"/>
-          </a:xfrm>
-          <a:prstGeom prst="rect">
-            <a:avLst/>
-          </a:prstGeom>
-        </p:spPr>
-        <p:txBody>
-          <a:bodyPr wrap="none">
-            <a:spAutoFit/>
-          </a:bodyPr>
-          <a:lstStyle/>
-          <a:p>
-            <a:r>
-              <a:rPr lang="en-US" dirty="0" smtClean="0"/>
-              <a:t>The reduced model:</a:t>
+          <p:cNvPr id="24" name="TextBox 23"/>
+          <p:cNvSpPr txBox="1"/>
+          <p:nvPr/>
+        </p:nvSpPr>
+        <p:spPr>
+          <a:xfrm>
+            <a:off x="1676400" y="5486400"/>
+            <a:ext cx="5257800" cy="307777"/>
+          </a:xfrm>
+          <a:prstGeom prst="rect">
+            <a:avLst/>
+          </a:prstGeom>
+          <a:noFill/>
+        </p:spPr>
+        <p:txBody>
+          <a:bodyPr wrap="square" rtlCol="0">
+            <a:spAutoFit/>
+          </a:bodyPr>
+          <a:lstStyle/>
+          <a:p>
+            <a:r>
+              <a:rPr lang="en-US" sz="1400" dirty="0" smtClean="0"/>
+              <a:t>“Dummy variables” controlling intercept values</a:t>
+            </a:r>
+            <a:endParaRPr lang="en-US" sz="1400" dirty="0"/>
+          </a:p>
+        </p:txBody>
+      </p:sp>
+      <p:sp>
+        <p:nvSpPr>
+          <p:cNvPr id="25" name="TextBox 24"/>
+          <p:cNvSpPr txBox="1"/>
+          <p:nvPr/>
+        </p:nvSpPr>
+        <p:spPr>
+          <a:xfrm>
+            <a:off x="1859280" y="4724400"/>
+            <a:ext cx="344966" cy="253916"/>
+          </a:xfrm>
+          <a:prstGeom prst="rect">
+            <a:avLst/>
+          </a:prstGeom>
+          <a:noFill/>
+        </p:spPr>
+        <p:txBody>
+          <a:bodyPr wrap="none" rtlCol="0">
+            <a:spAutoFit/>
+          </a:bodyPr>
+          <a:lstStyle/>
+          <a:p>
+            <a:r>
+              <a:rPr lang="en-US" sz="1050" dirty="0" smtClean="0">
+                <a:latin typeface="Courier" pitchFamily="49" charset="0"/>
+              </a:rPr>
+              <a:t>B2</a:t>
+            </a:r>
+            <a:endParaRPr lang="en-US" sz="1050" dirty="0">
+              <a:latin typeface="Courier" pitchFamily="49" charset="0"/>
+            </a:endParaRPr>
+          </a:p>
+        </p:txBody>
+      </p:sp>
+      <p:sp>
+        <p:nvSpPr>
+          <p:cNvPr id="26" name="TextBox 25"/>
+          <p:cNvSpPr txBox="1"/>
+          <p:nvPr/>
+        </p:nvSpPr>
+        <p:spPr>
+          <a:xfrm>
+            <a:off x="3383280" y="4724400"/>
+            <a:ext cx="344966" cy="253916"/>
+          </a:xfrm>
+          <a:prstGeom prst="rect">
+            <a:avLst/>
+          </a:prstGeom>
+          <a:noFill/>
+        </p:spPr>
+        <p:txBody>
+          <a:bodyPr wrap="none" rtlCol="0">
+            <a:spAutoFit/>
+          </a:bodyPr>
+          <a:lstStyle/>
+          <a:p>
+            <a:r>
+              <a:rPr lang="en-US" sz="1050" dirty="0" smtClean="0">
+                <a:latin typeface="Courier" pitchFamily="49" charset="0"/>
+              </a:rPr>
+              <a:t>B3</a:t>
+            </a:r>
+            <a:endParaRPr lang="en-US" sz="1050" dirty="0">
+              <a:latin typeface="Courier" pitchFamily="49" charset="0"/>
+            </a:endParaRPr>
+          </a:p>
+        </p:txBody>
+      </p:sp>
+      <p:sp>
+        <p:nvSpPr>
+          <p:cNvPr id="27" name="TextBox 26"/>
+          <p:cNvSpPr txBox="1"/>
+          <p:nvPr/>
+        </p:nvSpPr>
+        <p:spPr>
+          <a:xfrm>
+            <a:off x="4373880" y="4724400"/>
+            <a:ext cx="344966" cy="253916"/>
+          </a:xfrm>
+          <a:prstGeom prst="rect">
+            <a:avLst/>
+          </a:prstGeom>
+          <a:noFill/>
+        </p:spPr>
+        <p:txBody>
+          <a:bodyPr wrap="none" rtlCol="0">
+            <a:spAutoFit/>
+          </a:bodyPr>
+          <a:lstStyle/>
+          <a:p>
+            <a:r>
+              <a:rPr lang="en-US" sz="1050" dirty="0" smtClean="0">
+                <a:latin typeface="Courier" pitchFamily="49" charset="0"/>
+              </a:rPr>
+              <a:t>B4</a:t>
+            </a:r>
+            <a:endParaRPr lang="en-US" sz="1050" dirty="0">
+              <a:latin typeface="Courier" pitchFamily="49" charset="0"/>
+            </a:endParaRPr>
+          </a:p>
+        </p:txBody>
+      </p:sp>
+      <p:sp>
+        <p:nvSpPr>
+          <p:cNvPr id="28" name="TextBox 27"/>
+          <p:cNvSpPr txBox="1"/>
+          <p:nvPr/>
+        </p:nvSpPr>
+        <p:spPr>
+          <a:xfrm>
+            <a:off x="1600200" y="4978442"/>
+            <a:ext cx="1386918" cy="253916"/>
+          </a:xfrm>
+          <a:prstGeom prst="rect">
+            <a:avLst/>
+          </a:prstGeom>
+          <a:noFill/>
+        </p:spPr>
+        <p:txBody>
+          <a:bodyPr wrap="none" rtlCol="0">
+            <a:spAutoFit/>
+          </a:bodyPr>
+          <a:lstStyle/>
+          <a:p>
+            <a:pPr algn="ctr"/>
+            <a:r>
+              <a:rPr lang="en-US" sz="1050" dirty="0" err="1" smtClean="0">
+                <a:latin typeface="Courier" pitchFamily="49" charset="0"/>
+              </a:rPr>
+              <a:t>beforeTreatment</a:t>
+            </a:r>
+            <a:endParaRPr lang="en-US" sz="1050" dirty="0">
+              <a:latin typeface="Courier" pitchFamily="49" charset="0"/>
+            </a:endParaRPr>
+          </a:p>
+        </p:txBody>
+      </p:sp>
+      <p:sp>
+        <p:nvSpPr>
+          <p:cNvPr id="29" name="TextBox 28"/>
+          <p:cNvSpPr txBox="1"/>
+          <p:nvPr/>
+        </p:nvSpPr>
+        <p:spPr>
+          <a:xfrm>
+            <a:off x="1034214" y="6031468"/>
+            <a:ext cx="5595186" cy="369332"/>
+          </a:xfrm>
+          <a:prstGeom prst="rect">
+            <a:avLst/>
+          </a:prstGeom>
+          <a:noFill/>
+        </p:spPr>
+        <p:txBody>
+          <a:bodyPr wrap="none" rtlCol="0">
+            <a:spAutoFit/>
+          </a:bodyPr>
+          <a:lstStyle/>
+          <a:p>
+            <a:r>
+              <a:rPr lang="en-US" dirty="0" smtClean="0"/>
+              <a:t>Dummy variables have no two rows with a non-zero value</a:t>
             </a:r>
             <a:endParaRPr lang="en-US" dirty="0"/>
           </a:p>
@@ -8010,55 +7315,174 @@
       </p:sp>
       <p:sp>
         <p:nvSpPr>
-          <p:cNvPr id="7" name="Rectangle 6"/>
-          <p:cNvSpPr/>
-          <p:nvPr/>
-        </p:nvSpPr>
-        <p:spPr>
-          <a:xfrm>
-            <a:off x="2133600" y="2602468"/>
-            <a:ext cx="4570675" cy="369332"/>
-          </a:xfrm>
-          <a:prstGeom prst="rect">
-            <a:avLst/>
-          </a:prstGeom>
-        </p:spPr>
-        <p:txBody>
-          <a:bodyPr wrap="none">
-            <a:spAutoFit/>
-          </a:bodyPr>
-          <a:lstStyle/>
-          <a:p>
-            <a:r>
-              <a:rPr lang="en-US" dirty="0" err="1" smtClean="0"/>
-              <a:t>myT$LogBurk</a:t>
-            </a:r>
-            <a:r>
-              <a:rPr lang="en-US" dirty="0" smtClean="0"/>
-              <a:t> ~ </a:t>
-            </a:r>
-            <a:r>
-              <a:rPr lang="en-US" dirty="0" err="1" smtClean="0"/>
-              <a:t>myT$sampleDays</a:t>
-            </a:r>
-            <a:r>
-              <a:rPr lang="en-US" dirty="0" smtClean="0"/>
-              <a:t> + treatments</a:t>
-            </a:r>
-            <a:endParaRPr lang="en-US" dirty="0"/>
-          </a:p>
-        </p:txBody>
-      </p:sp>
-      <p:sp>
-        <p:nvSpPr>
-          <p:cNvPr id="8" name="TextBox 7"/>
+          <p:cNvPr id="30" name="TextBox 29"/>
           <p:cNvSpPr txBox="1"/>
           <p:nvPr/>
         </p:nvSpPr>
         <p:spPr>
           <a:xfrm>
-            <a:off x="685800" y="3505200"/>
-            <a:ext cx="6477000" cy="923330"/>
+            <a:off x="3136533" y="4978442"/>
+            <a:ext cx="825867" cy="253916"/>
+          </a:xfrm>
+          <a:prstGeom prst="rect">
+            <a:avLst/>
+          </a:prstGeom>
+          <a:noFill/>
+        </p:spPr>
+        <p:txBody>
+          <a:bodyPr wrap="none" rtlCol="0">
+            <a:spAutoFit/>
+          </a:bodyPr>
+          <a:lstStyle/>
+          <a:p>
+            <a:pPr algn="ctr"/>
+            <a:r>
+              <a:rPr lang="en-US" sz="1050" dirty="0" smtClean="0">
+                <a:latin typeface="Courier" pitchFamily="49" charset="0"/>
+              </a:rPr>
+              <a:t>Recovery</a:t>
+            </a:r>
+            <a:endParaRPr lang="en-US" sz="1050" dirty="0">
+              <a:latin typeface="Courier" pitchFamily="49" charset="0"/>
+            </a:endParaRPr>
+          </a:p>
+        </p:txBody>
+      </p:sp>
+      <p:sp>
+        <p:nvSpPr>
+          <p:cNvPr id="31" name="TextBox 30"/>
+          <p:cNvSpPr txBox="1"/>
+          <p:nvPr/>
+        </p:nvSpPr>
+        <p:spPr>
+          <a:xfrm>
+            <a:off x="4127133" y="4978442"/>
+            <a:ext cx="906017" cy="253916"/>
+          </a:xfrm>
+          <a:prstGeom prst="rect">
+            <a:avLst/>
+          </a:prstGeom>
+          <a:noFill/>
+        </p:spPr>
+        <p:txBody>
+          <a:bodyPr wrap="none" rtlCol="0">
+            <a:spAutoFit/>
+          </a:bodyPr>
+          <a:lstStyle/>
+          <a:p>
+            <a:pPr algn="ctr"/>
+            <a:r>
+              <a:rPr lang="en-US" sz="1050" dirty="0" smtClean="0">
+                <a:latin typeface="Courier" pitchFamily="49" charset="0"/>
+              </a:rPr>
+              <a:t>Treatment</a:t>
+            </a:r>
+            <a:endParaRPr lang="en-US" sz="1050" dirty="0">
+              <a:latin typeface="Courier" pitchFamily="49" charset="0"/>
+            </a:endParaRPr>
+          </a:p>
+        </p:txBody>
+      </p:sp>
+      <p:cxnSp>
+        <p:nvCxnSpPr>
+          <p:cNvPr id="32" name="Straight Connector 31"/>
+          <p:cNvCxnSpPr/>
+          <p:nvPr/>
+        </p:nvCxnSpPr>
+        <p:spPr>
+          <a:xfrm rot="5400000">
+            <a:off x="5181600" y="5178623"/>
+            <a:ext cx="609600" cy="0"/>
+          </a:xfrm>
+          <a:prstGeom prst="line">
+            <a:avLst/>
+          </a:prstGeom>
+        </p:spPr>
+        <p:style>
+          <a:lnRef idx="1">
+            <a:schemeClr val="accent1"/>
+          </a:lnRef>
+          <a:fillRef idx="0">
+            <a:schemeClr val="accent1"/>
+          </a:fillRef>
+          <a:effectRef idx="0">
+            <a:schemeClr val="accent1"/>
+          </a:effectRef>
+          <a:fontRef idx="minor">
+            <a:schemeClr val="tx1"/>
+          </a:fontRef>
+        </p:style>
+      </p:cxnSp>
+      <p:cxnSp>
+        <p:nvCxnSpPr>
+          <p:cNvPr id="33" name="Straight Connector 32"/>
+          <p:cNvCxnSpPr/>
+          <p:nvPr/>
+        </p:nvCxnSpPr>
+        <p:spPr>
+          <a:xfrm>
+            <a:off x="5486400" y="5483423"/>
+            <a:ext cx="3505200" cy="0"/>
+          </a:xfrm>
+          <a:prstGeom prst="line">
+            <a:avLst/>
+          </a:prstGeom>
+        </p:spPr>
+        <p:style>
+          <a:lnRef idx="1">
+            <a:schemeClr val="accent1"/>
+          </a:lnRef>
+          <a:fillRef idx="0">
+            <a:schemeClr val="accent1"/>
+          </a:fillRef>
+          <a:effectRef idx="0">
+            <a:schemeClr val="accent1"/>
+          </a:effectRef>
+          <a:fontRef idx="minor">
+            <a:schemeClr val="tx1"/>
+          </a:fontRef>
+        </p:style>
+      </p:cxnSp>
+      <p:cxnSp>
+        <p:nvCxnSpPr>
+          <p:cNvPr id="34" name="Straight Connector 33"/>
+          <p:cNvCxnSpPr/>
+          <p:nvPr/>
+        </p:nvCxnSpPr>
+        <p:spPr>
+          <a:xfrm rot="5400000" flipH="1" flipV="1">
+            <a:off x="8610600" y="5178623"/>
+            <a:ext cx="609600" cy="0"/>
+          </a:xfrm>
+          <a:prstGeom prst="line">
+            <a:avLst/>
+          </a:prstGeom>
+        </p:spPr>
+        <p:style>
+          <a:lnRef idx="1">
+            <a:schemeClr val="accent1"/>
+          </a:lnRef>
+          <a:fillRef idx="0">
+            <a:schemeClr val="accent1"/>
+          </a:fillRef>
+          <a:effectRef idx="0">
+            <a:schemeClr val="accent1"/>
+          </a:effectRef>
+          <a:fontRef idx="minor">
+            <a:schemeClr val="tx1"/>
+          </a:fontRef>
+        </p:style>
+      </p:cxnSp>
+      <p:sp>
+        <p:nvSpPr>
+          <p:cNvPr id="35" name="TextBox 34"/>
+          <p:cNvSpPr txBox="1"/>
+          <p:nvPr/>
+        </p:nvSpPr>
+        <p:spPr>
+          <a:xfrm>
+            <a:off x="5486400" y="5483423"/>
+            <a:ext cx="5257800" cy="307777"/>
           </a:xfrm>
           <a:prstGeom prst="rect">
             <a:avLst/>
@@ -8072,22 +7496,247 @@
           <a:lstStyle/>
           <a:p>
             <a:r>
-              <a:rPr lang="en-US" dirty="0" smtClean="0"/>
-              <a:t>In the reduced model, B5-B7 are set to zero.</a:t>
-            </a:r>
-          </a:p>
-          <a:p>
-            <a:r>
-              <a:rPr lang="en-US" dirty="0" smtClean="0"/>
-              <a:t>That is, there is no interaction between treatment and time.</a:t>
-            </a:r>
-          </a:p>
-          <a:p>
-            <a:r>
-              <a:rPr lang="en-US" dirty="0" smtClean="0"/>
-              <a:t>That is, all the data can be fit with a single slope. </a:t>
-            </a:r>
-            <a:endParaRPr lang="en-US" dirty="0"/>
+              <a:rPr lang="en-US" sz="1400" dirty="0" smtClean="0"/>
+              <a:t>“Dummy variables” controlling slope values</a:t>
+            </a:r>
+            <a:endParaRPr lang="en-US" sz="1400" dirty="0"/>
+          </a:p>
+        </p:txBody>
+      </p:sp>
+      <p:sp>
+        <p:nvSpPr>
+          <p:cNvPr id="36" name="TextBox 35"/>
+          <p:cNvSpPr txBox="1"/>
+          <p:nvPr/>
+        </p:nvSpPr>
+        <p:spPr>
+          <a:xfrm>
+            <a:off x="5669280" y="4721423"/>
+            <a:ext cx="344966" cy="253916"/>
+          </a:xfrm>
+          <a:prstGeom prst="rect">
+            <a:avLst/>
+          </a:prstGeom>
+          <a:noFill/>
+        </p:spPr>
+        <p:txBody>
+          <a:bodyPr wrap="none" rtlCol="0">
+            <a:spAutoFit/>
+          </a:bodyPr>
+          <a:lstStyle/>
+          <a:p>
+            <a:r>
+              <a:rPr lang="en-US" sz="1050" dirty="0" smtClean="0">
+                <a:latin typeface="Courier" pitchFamily="49" charset="0"/>
+              </a:rPr>
+              <a:t>B5</a:t>
+            </a:r>
+            <a:endParaRPr lang="en-US" sz="1050" dirty="0">
+              <a:latin typeface="Courier" pitchFamily="49" charset="0"/>
+            </a:endParaRPr>
+          </a:p>
+        </p:txBody>
+      </p:sp>
+      <p:sp>
+        <p:nvSpPr>
+          <p:cNvPr id="37" name="TextBox 36"/>
+          <p:cNvSpPr txBox="1"/>
+          <p:nvPr/>
+        </p:nvSpPr>
+        <p:spPr>
+          <a:xfrm>
+            <a:off x="7574280" y="4721423"/>
+            <a:ext cx="344966" cy="253916"/>
+          </a:xfrm>
+          <a:prstGeom prst="rect">
+            <a:avLst/>
+          </a:prstGeom>
+          <a:noFill/>
+        </p:spPr>
+        <p:txBody>
+          <a:bodyPr wrap="none" rtlCol="0">
+            <a:spAutoFit/>
+          </a:bodyPr>
+          <a:lstStyle/>
+          <a:p>
+            <a:r>
+              <a:rPr lang="en-US" sz="1050" dirty="0" smtClean="0">
+                <a:latin typeface="Courier" pitchFamily="49" charset="0"/>
+              </a:rPr>
+              <a:t>B6</a:t>
+            </a:r>
+            <a:endParaRPr lang="en-US" sz="1050" dirty="0">
+              <a:latin typeface="Courier" pitchFamily="49" charset="0"/>
+            </a:endParaRPr>
+          </a:p>
+        </p:txBody>
+      </p:sp>
+      <p:sp>
+        <p:nvSpPr>
+          <p:cNvPr id="38" name="TextBox 37"/>
+          <p:cNvSpPr txBox="1"/>
+          <p:nvPr/>
+        </p:nvSpPr>
+        <p:spPr>
+          <a:xfrm>
+            <a:off x="8323947" y="4721423"/>
+            <a:ext cx="344966" cy="253916"/>
+          </a:xfrm>
+          <a:prstGeom prst="rect">
+            <a:avLst/>
+          </a:prstGeom>
+          <a:noFill/>
+        </p:spPr>
+        <p:txBody>
+          <a:bodyPr wrap="none" rtlCol="0">
+            <a:spAutoFit/>
+          </a:bodyPr>
+          <a:lstStyle/>
+          <a:p>
+            <a:r>
+              <a:rPr lang="en-US" sz="1050" dirty="0" smtClean="0">
+                <a:latin typeface="Courier" pitchFamily="49" charset="0"/>
+              </a:rPr>
+              <a:t>B7</a:t>
+            </a:r>
+            <a:endParaRPr lang="en-US" sz="1050" dirty="0">
+              <a:latin typeface="Courier" pitchFamily="49" charset="0"/>
+            </a:endParaRPr>
+          </a:p>
+        </p:txBody>
+      </p:sp>
+      <p:sp>
+        <p:nvSpPr>
+          <p:cNvPr id="39" name="TextBox 38"/>
+          <p:cNvSpPr txBox="1"/>
+          <p:nvPr/>
+        </p:nvSpPr>
+        <p:spPr>
+          <a:xfrm>
+            <a:off x="5410200" y="4975465"/>
+            <a:ext cx="1386918" cy="415498"/>
+          </a:xfrm>
+          <a:prstGeom prst="rect">
+            <a:avLst/>
+          </a:prstGeom>
+          <a:noFill/>
+        </p:spPr>
+        <p:txBody>
+          <a:bodyPr wrap="none" rtlCol="0">
+            <a:spAutoFit/>
+          </a:bodyPr>
+          <a:lstStyle/>
+          <a:p>
+            <a:pPr algn="ctr"/>
+            <a:r>
+              <a:rPr lang="en-US" sz="1050" dirty="0" err="1" smtClean="0">
+                <a:latin typeface="Courier" pitchFamily="49" charset="0"/>
+              </a:rPr>
+              <a:t>beforeTreatment</a:t>
+            </a:r>
+            <a:endParaRPr lang="en-US" sz="1050" dirty="0" smtClean="0">
+              <a:latin typeface="Courier" pitchFamily="49" charset="0"/>
+            </a:endParaRPr>
+          </a:p>
+          <a:p>
+            <a:pPr algn="ctr"/>
+            <a:r>
+              <a:rPr lang="en-US" sz="1050" dirty="0" smtClean="0">
+                <a:latin typeface="Courier" pitchFamily="49" charset="0"/>
+              </a:rPr>
+              <a:t>*study days</a:t>
+            </a:r>
+            <a:endParaRPr lang="en-US" sz="1050" dirty="0">
+              <a:latin typeface="Courier" pitchFamily="49" charset="0"/>
+            </a:endParaRPr>
+          </a:p>
+        </p:txBody>
+      </p:sp>
+      <p:sp>
+        <p:nvSpPr>
+          <p:cNvPr id="40" name="TextBox 39"/>
+          <p:cNvSpPr txBox="1"/>
+          <p:nvPr/>
+        </p:nvSpPr>
+        <p:spPr>
+          <a:xfrm>
+            <a:off x="7087082" y="4975465"/>
+            <a:ext cx="1066318" cy="415498"/>
+          </a:xfrm>
+          <a:prstGeom prst="rect">
+            <a:avLst/>
+          </a:prstGeom>
+          <a:noFill/>
+        </p:spPr>
+        <p:txBody>
+          <a:bodyPr wrap="none" rtlCol="0">
+            <a:spAutoFit/>
+          </a:bodyPr>
+          <a:lstStyle/>
+          <a:p>
+            <a:pPr algn="ctr"/>
+            <a:r>
+              <a:rPr lang="en-US" sz="1050" dirty="0" smtClean="0">
+                <a:latin typeface="Courier" pitchFamily="49" charset="0"/>
+              </a:rPr>
+              <a:t>Recovery</a:t>
+            </a:r>
+          </a:p>
+          <a:p>
+            <a:pPr algn="ctr"/>
+            <a:r>
+              <a:rPr lang="en-US" sz="1050" dirty="0" smtClean="0">
+                <a:latin typeface="Courier" pitchFamily="49" charset="0"/>
+              </a:rPr>
+              <a:t>*study days</a:t>
+            </a:r>
+            <a:endParaRPr lang="en-US" sz="1050" dirty="0">
+              <a:latin typeface="Courier" pitchFamily="49" charset="0"/>
+            </a:endParaRPr>
+          </a:p>
+        </p:txBody>
+      </p:sp>
+      <p:sp>
+        <p:nvSpPr>
+          <p:cNvPr id="41" name="TextBox 40"/>
+          <p:cNvSpPr txBox="1"/>
+          <p:nvPr/>
+        </p:nvSpPr>
+        <p:spPr>
+          <a:xfrm>
+            <a:off x="8077681" y="4975465"/>
+            <a:ext cx="1066319" cy="415498"/>
+          </a:xfrm>
+          <a:prstGeom prst="rect">
+            <a:avLst/>
+          </a:prstGeom>
+          <a:noFill/>
+        </p:spPr>
+        <p:txBody>
+          <a:bodyPr wrap="none" rtlCol="0">
+            <a:spAutoFit/>
+          </a:bodyPr>
+          <a:lstStyle/>
+          <a:p>
+            <a:pPr algn="ctr"/>
+            <a:r>
+              <a:rPr lang="en-US" sz="1050" dirty="0" smtClean="0">
+                <a:latin typeface="Courier" pitchFamily="49" charset="0"/>
+              </a:rPr>
+              <a:t>Treatment</a:t>
+            </a:r>
+          </a:p>
+          <a:p>
+            <a:pPr algn="ctr"/>
+            <a:r>
+              <a:rPr lang="en-US" sz="1050" dirty="0" smtClean="0">
+                <a:latin typeface="Courier" pitchFamily="49" charset="0"/>
+              </a:rPr>
+              <a:t>*study days</a:t>
+            </a:r>
+            <a:endParaRPr lang="en-US" sz="1050" dirty="0">
+              <a:latin typeface="Courier" pitchFamily="49" charset="0"/>
+            </a:endParaRPr>
           </a:p>
         </p:txBody>
       </p:sp>
@@ -8124,8 +7773,8 @@
         </p:nvSpPr>
         <p:spPr>
           <a:xfrm>
-            <a:off x="152400" y="0"/>
-            <a:ext cx="4800600" cy="369332"/>
+            <a:off x="381000" y="457200"/>
+            <a:ext cx="7086600" cy="369332"/>
           </a:xfrm>
           <a:prstGeom prst="rect">
             <a:avLst/>
@@ -8140,19 +7789,191 @@
           <a:p>
             <a:r>
               <a:rPr lang="en-US" dirty="0" smtClean="0"/>
-              <a:t>At the matrix level…  </a:t>
-            </a:r>
-            <a:r>
-              <a:rPr lang="en-US" dirty="0" smtClean="0">
-                <a:solidFill>
-                  <a:srgbClr val="FF0000"/>
-                </a:solidFill>
-              </a:rPr>
-              <a:t>the full model</a:t>
-            </a:r>
-            <a:r>
-              <a:rPr lang="en-US" dirty="0" smtClean="0"/>
-              <a:t> </a:t>
+              <a:t>Do we need all of these parameters?</a:t>
+            </a:r>
+            <a:endParaRPr lang="en-US" dirty="0"/>
+          </a:p>
+        </p:txBody>
+      </p:sp>
+      <p:sp>
+        <p:nvSpPr>
+          <p:cNvPr id="5" name="TextBox 4"/>
+          <p:cNvSpPr txBox="1"/>
+          <p:nvPr/>
+        </p:nvSpPr>
+        <p:spPr>
+          <a:xfrm>
+            <a:off x="331972" y="990600"/>
+            <a:ext cx="8812028" cy="923330"/>
+          </a:xfrm>
+          <a:prstGeom prst="rect">
+            <a:avLst/>
+          </a:prstGeom>
+          <a:noFill/>
+        </p:spPr>
+        <p:txBody>
+          <a:bodyPr wrap="none" rtlCol="0">
+            <a:spAutoFit/>
+          </a:bodyPr>
+          <a:lstStyle/>
+          <a:p>
+            <a:r>
+              <a:rPr lang="en-US" dirty="0" err="1" smtClean="0"/>
+              <a:t>logBurk</a:t>
+            </a:r>
+            <a:r>
+              <a:rPr lang="en-US" dirty="0" smtClean="0"/>
+              <a:t> = B0 + B1 * </a:t>
+            </a:r>
+            <a:r>
+              <a:rPr lang="en-US" dirty="0" err="1" smtClean="0"/>
+              <a:t>sampleDays</a:t>
+            </a:r>
+            <a:r>
+              <a:rPr lang="en-US" dirty="0" smtClean="0"/>
+              <a:t> + B2 * “</a:t>
+            </a:r>
+            <a:r>
+              <a:rPr lang="en-US" dirty="0" err="1" smtClean="0"/>
+              <a:t>BeforeTreatment</a:t>
+            </a:r>
+            <a:r>
+              <a:rPr lang="en-US" dirty="0" smtClean="0"/>
+              <a:t>” + B3 * “Recovery” + B4 * “stable”</a:t>
+            </a:r>
+          </a:p>
+          <a:p>
+            <a:r>
+              <a:rPr lang="en-US" dirty="0" smtClean="0"/>
+              <a:t>		+ B5 * “</a:t>
+            </a:r>
+            <a:r>
+              <a:rPr lang="en-US" dirty="0" err="1" smtClean="0"/>
+              <a:t>BeforeTreatment</a:t>
+            </a:r>
+            <a:r>
+              <a:rPr lang="en-US" dirty="0" smtClean="0"/>
+              <a:t>*</a:t>
+            </a:r>
+            <a:r>
+              <a:rPr lang="en-US" dirty="0" err="1" smtClean="0"/>
+              <a:t>sampleDays</a:t>
+            </a:r>
+            <a:r>
+              <a:rPr lang="en-US" dirty="0" smtClean="0"/>
+              <a:t>” + B6 * “Recovery*</a:t>
+            </a:r>
+            <a:r>
+              <a:rPr lang="en-US" dirty="0" err="1" smtClean="0"/>
+              <a:t>sampleDays</a:t>
+            </a:r>
+            <a:r>
+              <a:rPr lang="en-US" dirty="0" smtClean="0"/>
+              <a:t>” </a:t>
+            </a:r>
+          </a:p>
+          <a:p>
+            <a:r>
+              <a:rPr lang="en-US" dirty="0" smtClean="0"/>
+              <a:t>			+ B7 * “stable*</a:t>
+            </a:r>
+            <a:r>
+              <a:rPr lang="en-US" dirty="0" err="1" smtClean="0"/>
+              <a:t>sampleDays</a:t>
+            </a:r>
+            <a:r>
+              <a:rPr lang="en-US" dirty="0" smtClean="0"/>
+              <a:t>”</a:t>
+            </a:r>
+            <a:endParaRPr lang="en-US" dirty="0"/>
+          </a:p>
+        </p:txBody>
+      </p:sp>
+      <p:sp>
+        <p:nvSpPr>
+          <p:cNvPr id="6" name="TextBox 5"/>
+          <p:cNvSpPr txBox="1"/>
+          <p:nvPr/>
+        </p:nvSpPr>
+        <p:spPr>
+          <a:xfrm>
+            <a:off x="609600" y="2209800"/>
+            <a:ext cx="3920240" cy="369332"/>
+          </a:xfrm>
+          <a:prstGeom prst="rect">
+            <a:avLst/>
+          </a:prstGeom>
+          <a:noFill/>
+        </p:spPr>
+        <p:txBody>
+          <a:bodyPr wrap="none" rtlCol="0">
+            <a:spAutoFit/>
+          </a:bodyPr>
+          <a:lstStyle/>
+          <a:p>
+            <a:r>
+              <a:rPr lang="en-US" dirty="0" smtClean="0"/>
+              <a:t>Can we get rid of the interaction terms?</a:t>
+            </a:r>
+            <a:endParaRPr lang="en-US" dirty="0"/>
+          </a:p>
+        </p:txBody>
+      </p:sp>
+      <p:sp>
+        <p:nvSpPr>
+          <p:cNvPr id="7" name="TextBox 6"/>
+          <p:cNvSpPr txBox="1"/>
+          <p:nvPr/>
+        </p:nvSpPr>
+        <p:spPr>
+          <a:xfrm>
+            <a:off x="457200" y="3124200"/>
+            <a:ext cx="3505200" cy="646331"/>
+          </a:xfrm>
+          <a:prstGeom prst="rect">
+            <a:avLst/>
+          </a:prstGeom>
+          <a:noFill/>
+        </p:spPr>
+        <p:txBody>
+          <a:bodyPr wrap="square" rtlCol="0">
+            <a:spAutoFit/>
+          </a:bodyPr>
+          <a:lstStyle/>
+          <a:p>
+            <a:r>
+              <a:rPr lang="en-US" dirty="0" smtClean="0"/>
+              <a:t>Full model (allows slopes to vary with antibiotic treatments)</a:t>
+            </a:r>
+            <a:endParaRPr lang="en-US" dirty="0"/>
+          </a:p>
+        </p:txBody>
+      </p:sp>
+      <p:sp>
+        <p:nvSpPr>
+          <p:cNvPr id="8" name="TextBox 7"/>
+          <p:cNvSpPr txBox="1"/>
+          <p:nvPr/>
+        </p:nvSpPr>
+        <p:spPr>
+          <a:xfrm>
+            <a:off x="5029200" y="3200400"/>
+            <a:ext cx="4114800" cy="369332"/>
+          </a:xfrm>
+          <a:prstGeom prst="rect">
+            <a:avLst/>
+          </a:prstGeom>
+          <a:noFill/>
+        </p:spPr>
+        <p:txBody>
+          <a:bodyPr wrap="square" rtlCol="0">
+            <a:spAutoFit/>
+          </a:bodyPr>
+          <a:lstStyle/>
+          <a:p>
+            <a:r>
+              <a:rPr lang="en-US" dirty="0" smtClean="0"/>
+              <a:t>Reduced model (one slope for all data)</a:t>
             </a:r>
             <a:endParaRPr lang="en-US" dirty="0"/>
           </a:p>
@@ -8160,7 +7981,7 @@
       </p:sp>
       <p:pic>
         <p:nvPicPr>
-          <p:cNvPr id="19462" name="Picture 6"/>
+          <p:cNvPr id="23555" name="Picture 3"/>
           <p:cNvPicPr>
             <a:picLocks noChangeAspect="1" noChangeArrowheads="1"/>
           </p:cNvPicPr>
@@ -8175,8 +7996,8 @@
         </p:blipFill>
         <p:spPr bwMode="auto">
           <a:xfrm>
-            <a:off x="137950" y="985839"/>
-            <a:ext cx="8777450" cy="3814761"/>
+            <a:off x="685800" y="3810000"/>
+            <a:ext cx="2781300" cy="2095500"/>
           </a:xfrm>
           <a:prstGeom prst="rect">
             <a:avLst/>
@@ -8190,840 +8011,9 @@
           </a:ln>
         </p:spPr>
       </p:pic>
-      <p:sp>
-        <p:nvSpPr>
-          <p:cNvPr id="15" name="TextBox 14"/>
-          <p:cNvSpPr txBox="1"/>
-          <p:nvPr/>
-        </p:nvSpPr>
-        <p:spPr>
-          <a:xfrm>
-            <a:off x="84583" y="4800600"/>
-            <a:ext cx="906017" cy="415498"/>
-          </a:xfrm>
-          <a:prstGeom prst="rect">
-            <a:avLst/>
-          </a:prstGeom>
-          <a:noFill/>
-        </p:spPr>
-        <p:txBody>
-          <a:bodyPr wrap="none" rtlCol="0">
-            <a:spAutoFit/>
-          </a:bodyPr>
-          <a:lstStyle/>
-          <a:p>
-            <a:r>
-              <a:rPr lang="en-US" sz="1050" dirty="0" smtClean="0">
-                <a:latin typeface="Courier" pitchFamily="49" charset="0"/>
-              </a:rPr>
-              <a:t>B0</a:t>
-            </a:r>
-          </a:p>
-          <a:p>
-            <a:r>
-              <a:rPr lang="en-US" sz="1050" dirty="0" smtClean="0">
-                <a:latin typeface="Courier" pitchFamily="49" charset="0"/>
-              </a:rPr>
-              <a:t>Intercept</a:t>
-            </a:r>
-            <a:endParaRPr lang="en-US" sz="1050" dirty="0">
-              <a:latin typeface="Courier" pitchFamily="49" charset="0"/>
-            </a:endParaRPr>
-          </a:p>
-        </p:txBody>
-      </p:sp>
-      <p:sp>
-        <p:nvSpPr>
-          <p:cNvPr id="16" name="TextBox 15"/>
-          <p:cNvSpPr txBox="1"/>
-          <p:nvPr/>
-        </p:nvSpPr>
-        <p:spPr>
-          <a:xfrm>
-            <a:off x="866333" y="5105400"/>
-            <a:ext cx="505267" cy="415498"/>
-          </a:xfrm>
-          <a:prstGeom prst="rect">
-            <a:avLst/>
-          </a:prstGeom>
-          <a:noFill/>
-        </p:spPr>
-        <p:txBody>
-          <a:bodyPr wrap="none" rtlCol="0">
-            <a:spAutoFit/>
-          </a:bodyPr>
-          <a:lstStyle/>
-          <a:p>
-            <a:r>
-              <a:rPr lang="en-US" sz="1050" dirty="0" smtClean="0">
-                <a:latin typeface="Courier" pitchFamily="49" charset="0"/>
-              </a:rPr>
-              <a:t>B1</a:t>
-            </a:r>
-          </a:p>
-          <a:p>
-            <a:r>
-              <a:rPr lang="en-US" sz="1050" dirty="0" smtClean="0">
-                <a:latin typeface="Courier" pitchFamily="49" charset="0"/>
-              </a:rPr>
-              <a:t>Time</a:t>
-            </a:r>
-            <a:endParaRPr lang="en-US" sz="1050" dirty="0">
-              <a:latin typeface="Courier" pitchFamily="49" charset="0"/>
-            </a:endParaRPr>
-          </a:p>
-        </p:txBody>
-      </p:sp>
-      <p:cxnSp>
-        <p:nvCxnSpPr>
-          <p:cNvPr id="18" name="Straight Connector 17"/>
-          <p:cNvCxnSpPr/>
-          <p:nvPr/>
-        </p:nvCxnSpPr>
-        <p:spPr>
-          <a:xfrm rot="5400000">
-            <a:off x="1371600" y="5181600"/>
-            <a:ext cx="609600" cy="0"/>
-          </a:xfrm>
-          <a:prstGeom prst="line">
-            <a:avLst/>
-          </a:prstGeom>
-        </p:spPr>
-        <p:style>
-          <a:lnRef idx="1">
-            <a:schemeClr val="accent1"/>
-          </a:lnRef>
-          <a:fillRef idx="0">
-            <a:schemeClr val="accent1"/>
-          </a:fillRef>
-          <a:effectRef idx="0">
-            <a:schemeClr val="accent1"/>
-          </a:effectRef>
-          <a:fontRef idx="minor">
-            <a:schemeClr val="tx1"/>
-          </a:fontRef>
-        </p:style>
-      </p:cxnSp>
-      <p:cxnSp>
-        <p:nvCxnSpPr>
-          <p:cNvPr id="20" name="Straight Connector 19"/>
-          <p:cNvCxnSpPr/>
-          <p:nvPr/>
-        </p:nvCxnSpPr>
-        <p:spPr>
-          <a:xfrm>
-            <a:off x="1676400" y="5486400"/>
-            <a:ext cx="3505200" cy="0"/>
-          </a:xfrm>
-          <a:prstGeom prst="line">
-            <a:avLst/>
-          </a:prstGeom>
-        </p:spPr>
-        <p:style>
-          <a:lnRef idx="1">
-            <a:schemeClr val="accent1"/>
-          </a:lnRef>
-          <a:fillRef idx="0">
-            <a:schemeClr val="accent1"/>
-          </a:fillRef>
-          <a:effectRef idx="0">
-            <a:schemeClr val="accent1"/>
-          </a:effectRef>
-          <a:fontRef idx="minor">
-            <a:schemeClr val="tx1"/>
-          </a:fontRef>
-        </p:style>
-      </p:cxnSp>
-      <p:cxnSp>
-        <p:nvCxnSpPr>
-          <p:cNvPr id="22" name="Straight Connector 21"/>
-          <p:cNvCxnSpPr/>
-          <p:nvPr/>
-        </p:nvCxnSpPr>
-        <p:spPr>
-          <a:xfrm rot="5400000" flipH="1" flipV="1">
-            <a:off x="4800600" y="5181600"/>
-            <a:ext cx="609600" cy="0"/>
-          </a:xfrm>
-          <a:prstGeom prst="line">
-            <a:avLst/>
-          </a:prstGeom>
-        </p:spPr>
-        <p:style>
-          <a:lnRef idx="1">
-            <a:schemeClr val="accent1"/>
-          </a:lnRef>
-          <a:fillRef idx="0">
-            <a:schemeClr val="accent1"/>
-          </a:fillRef>
-          <a:effectRef idx="0">
-            <a:schemeClr val="accent1"/>
-          </a:effectRef>
-          <a:fontRef idx="minor">
-            <a:schemeClr val="tx1"/>
-          </a:fontRef>
-        </p:style>
-      </p:cxnSp>
-      <p:sp>
-        <p:nvSpPr>
-          <p:cNvPr id="23" name="Rectangle 22"/>
-          <p:cNvSpPr/>
-          <p:nvPr/>
-        </p:nvSpPr>
-        <p:spPr>
-          <a:xfrm>
-            <a:off x="1143000" y="344269"/>
-            <a:ext cx="6705600" cy="646331"/>
-          </a:xfrm>
-          <a:prstGeom prst="rect">
-            <a:avLst/>
-          </a:prstGeom>
-        </p:spPr>
-        <p:txBody>
-          <a:bodyPr wrap="square">
-            <a:spAutoFit/>
-          </a:bodyPr>
-          <a:lstStyle/>
-          <a:p>
-            <a:r>
-              <a:rPr lang="en-US" dirty="0" err="1" smtClean="0"/>
-              <a:t>myLm</a:t>
-            </a:r>
-            <a:r>
-              <a:rPr lang="en-US" dirty="0" smtClean="0"/>
-              <a:t> &lt;- lm ( </a:t>
-            </a:r>
-            <a:r>
-              <a:rPr lang="en-US" dirty="0" err="1" smtClean="0"/>
-              <a:t>myT$LogBurk</a:t>
-            </a:r>
-            <a:r>
-              <a:rPr lang="en-US" dirty="0" smtClean="0"/>
-              <a:t> ~ </a:t>
-            </a:r>
-            <a:r>
-              <a:rPr lang="en-US" dirty="0" err="1" smtClean="0"/>
-              <a:t>myT$sampleDays</a:t>
-            </a:r>
-            <a:r>
-              <a:rPr lang="en-US" dirty="0" smtClean="0"/>
-              <a:t> * treatments, x=TRUE)</a:t>
-            </a:r>
-          </a:p>
-          <a:p>
-            <a:r>
-              <a:rPr lang="en-US" dirty="0" smtClean="0"/>
-              <a:t>edit(</a:t>
-            </a:r>
-            <a:r>
-              <a:rPr lang="en-US" dirty="0" err="1" smtClean="0"/>
-              <a:t>myLm$x</a:t>
-            </a:r>
-            <a:r>
-              <a:rPr lang="en-US" dirty="0" smtClean="0"/>
-              <a:t>)</a:t>
-            </a:r>
-            <a:endParaRPr lang="en-US" dirty="0"/>
-          </a:p>
-        </p:txBody>
-      </p:sp>
-      <p:sp>
-        <p:nvSpPr>
-          <p:cNvPr id="24" name="TextBox 23"/>
-          <p:cNvSpPr txBox="1"/>
-          <p:nvPr/>
-        </p:nvSpPr>
-        <p:spPr>
-          <a:xfrm>
-            <a:off x="1676400" y="5486400"/>
-            <a:ext cx="5257800" cy="307777"/>
-          </a:xfrm>
-          <a:prstGeom prst="rect">
-            <a:avLst/>
-          </a:prstGeom>
-          <a:noFill/>
-        </p:spPr>
-        <p:txBody>
-          <a:bodyPr wrap="square" rtlCol="0">
-            <a:spAutoFit/>
-          </a:bodyPr>
-          <a:lstStyle/>
-          <a:p>
-            <a:r>
-              <a:rPr lang="en-US" sz="1400" dirty="0" smtClean="0"/>
-              <a:t>“Dummy variables” controlling intercept values</a:t>
-            </a:r>
-            <a:endParaRPr lang="en-US" sz="1400" dirty="0"/>
-          </a:p>
-        </p:txBody>
-      </p:sp>
-      <p:sp>
-        <p:nvSpPr>
-          <p:cNvPr id="25" name="TextBox 24"/>
-          <p:cNvSpPr txBox="1"/>
-          <p:nvPr/>
-        </p:nvSpPr>
-        <p:spPr>
-          <a:xfrm>
-            <a:off x="1859280" y="4724400"/>
-            <a:ext cx="344966" cy="253916"/>
-          </a:xfrm>
-          <a:prstGeom prst="rect">
-            <a:avLst/>
-          </a:prstGeom>
-          <a:noFill/>
-        </p:spPr>
-        <p:txBody>
-          <a:bodyPr wrap="none" rtlCol="0">
-            <a:spAutoFit/>
-          </a:bodyPr>
-          <a:lstStyle/>
-          <a:p>
-            <a:r>
-              <a:rPr lang="en-US" sz="1050" dirty="0" smtClean="0">
-                <a:latin typeface="Courier" pitchFamily="49" charset="0"/>
-              </a:rPr>
-              <a:t>B2</a:t>
-            </a:r>
-            <a:endParaRPr lang="en-US" sz="1050" dirty="0">
-              <a:latin typeface="Courier" pitchFamily="49" charset="0"/>
-            </a:endParaRPr>
-          </a:p>
-        </p:txBody>
-      </p:sp>
-      <p:sp>
-        <p:nvSpPr>
-          <p:cNvPr id="26" name="TextBox 25"/>
-          <p:cNvSpPr txBox="1"/>
-          <p:nvPr/>
-        </p:nvSpPr>
-        <p:spPr>
-          <a:xfrm>
-            <a:off x="3383280" y="4724400"/>
-            <a:ext cx="344966" cy="253916"/>
-          </a:xfrm>
-          <a:prstGeom prst="rect">
-            <a:avLst/>
-          </a:prstGeom>
-          <a:noFill/>
-        </p:spPr>
-        <p:txBody>
-          <a:bodyPr wrap="none" rtlCol="0">
-            <a:spAutoFit/>
-          </a:bodyPr>
-          <a:lstStyle/>
-          <a:p>
-            <a:r>
-              <a:rPr lang="en-US" sz="1050" dirty="0" smtClean="0">
-                <a:latin typeface="Courier" pitchFamily="49" charset="0"/>
-              </a:rPr>
-              <a:t>B3</a:t>
-            </a:r>
-            <a:endParaRPr lang="en-US" sz="1050" dirty="0">
-              <a:latin typeface="Courier" pitchFamily="49" charset="0"/>
-            </a:endParaRPr>
-          </a:p>
-        </p:txBody>
-      </p:sp>
-      <p:sp>
-        <p:nvSpPr>
-          <p:cNvPr id="27" name="TextBox 26"/>
-          <p:cNvSpPr txBox="1"/>
-          <p:nvPr/>
-        </p:nvSpPr>
-        <p:spPr>
-          <a:xfrm>
-            <a:off x="4373880" y="4724400"/>
-            <a:ext cx="344966" cy="253916"/>
-          </a:xfrm>
-          <a:prstGeom prst="rect">
-            <a:avLst/>
-          </a:prstGeom>
-          <a:noFill/>
-        </p:spPr>
-        <p:txBody>
-          <a:bodyPr wrap="none" rtlCol="0">
-            <a:spAutoFit/>
-          </a:bodyPr>
-          <a:lstStyle/>
-          <a:p>
-            <a:r>
-              <a:rPr lang="en-US" sz="1050" dirty="0" smtClean="0">
-                <a:latin typeface="Courier" pitchFamily="49" charset="0"/>
-              </a:rPr>
-              <a:t>B4</a:t>
-            </a:r>
-            <a:endParaRPr lang="en-US" sz="1050" dirty="0">
-              <a:latin typeface="Courier" pitchFamily="49" charset="0"/>
-            </a:endParaRPr>
-          </a:p>
-        </p:txBody>
-      </p:sp>
-      <p:sp>
-        <p:nvSpPr>
-          <p:cNvPr id="28" name="TextBox 27"/>
-          <p:cNvSpPr txBox="1"/>
-          <p:nvPr/>
-        </p:nvSpPr>
-        <p:spPr>
-          <a:xfrm>
-            <a:off x="1600200" y="4978442"/>
-            <a:ext cx="1386918" cy="253916"/>
-          </a:xfrm>
-          <a:prstGeom prst="rect">
-            <a:avLst/>
-          </a:prstGeom>
-          <a:noFill/>
-        </p:spPr>
-        <p:txBody>
-          <a:bodyPr wrap="none" rtlCol="0">
-            <a:spAutoFit/>
-          </a:bodyPr>
-          <a:lstStyle/>
-          <a:p>
-            <a:pPr algn="ctr"/>
-            <a:r>
-              <a:rPr lang="en-US" sz="1050" dirty="0" err="1" smtClean="0">
-                <a:latin typeface="Courier" pitchFamily="49" charset="0"/>
-              </a:rPr>
-              <a:t>beforeTreatment</a:t>
-            </a:r>
-            <a:endParaRPr lang="en-US" sz="1050" dirty="0">
-              <a:latin typeface="Courier" pitchFamily="49" charset="0"/>
-            </a:endParaRPr>
-          </a:p>
-        </p:txBody>
-      </p:sp>
-      <p:sp>
-        <p:nvSpPr>
-          <p:cNvPr id="30" name="TextBox 29"/>
-          <p:cNvSpPr txBox="1"/>
-          <p:nvPr/>
-        </p:nvSpPr>
-        <p:spPr>
-          <a:xfrm>
-            <a:off x="3136533" y="4978442"/>
-            <a:ext cx="825867" cy="253916"/>
-          </a:xfrm>
-          <a:prstGeom prst="rect">
-            <a:avLst/>
-          </a:prstGeom>
-          <a:noFill/>
-        </p:spPr>
-        <p:txBody>
-          <a:bodyPr wrap="none" rtlCol="0">
-            <a:spAutoFit/>
-          </a:bodyPr>
-          <a:lstStyle/>
-          <a:p>
-            <a:pPr algn="ctr"/>
-            <a:r>
-              <a:rPr lang="en-US" sz="1050" dirty="0" smtClean="0">
-                <a:latin typeface="Courier" pitchFamily="49" charset="0"/>
-              </a:rPr>
-              <a:t>Recovery</a:t>
-            </a:r>
-            <a:endParaRPr lang="en-US" sz="1050" dirty="0">
-              <a:latin typeface="Courier" pitchFamily="49" charset="0"/>
-            </a:endParaRPr>
-          </a:p>
-        </p:txBody>
-      </p:sp>
-      <p:sp>
-        <p:nvSpPr>
-          <p:cNvPr id="31" name="TextBox 30"/>
-          <p:cNvSpPr txBox="1"/>
-          <p:nvPr/>
-        </p:nvSpPr>
-        <p:spPr>
-          <a:xfrm>
-            <a:off x="4127133" y="4978442"/>
-            <a:ext cx="906017" cy="253916"/>
-          </a:xfrm>
-          <a:prstGeom prst="rect">
-            <a:avLst/>
-          </a:prstGeom>
-          <a:noFill/>
-        </p:spPr>
-        <p:txBody>
-          <a:bodyPr wrap="none" rtlCol="0">
-            <a:spAutoFit/>
-          </a:bodyPr>
-          <a:lstStyle/>
-          <a:p>
-            <a:pPr algn="ctr"/>
-            <a:r>
-              <a:rPr lang="en-US" sz="1050" dirty="0" smtClean="0">
-                <a:latin typeface="Courier" pitchFamily="49" charset="0"/>
-              </a:rPr>
-              <a:t>Treatment</a:t>
-            </a:r>
-            <a:endParaRPr lang="en-US" sz="1050" dirty="0">
-              <a:latin typeface="Courier" pitchFamily="49" charset="0"/>
-            </a:endParaRPr>
-          </a:p>
-        </p:txBody>
-      </p:sp>
-      <p:cxnSp>
-        <p:nvCxnSpPr>
-          <p:cNvPr id="32" name="Straight Connector 31"/>
-          <p:cNvCxnSpPr/>
-          <p:nvPr/>
-        </p:nvCxnSpPr>
-        <p:spPr>
-          <a:xfrm rot="5400000">
-            <a:off x="5181600" y="5178623"/>
-            <a:ext cx="609600" cy="0"/>
-          </a:xfrm>
-          <a:prstGeom prst="line">
-            <a:avLst/>
-          </a:prstGeom>
-        </p:spPr>
-        <p:style>
-          <a:lnRef idx="1">
-            <a:schemeClr val="accent1"/>
-          </a:lnRef>
-          <a:fillRef idx="0">
-            <a:schemeClr val="accent1"/>
-          </a:fillRef>
-          <a:effectRef idx="0">
-            <a:schemeClr val="accent1"/>
-          </a:effectRef>
-          <a:fontRef idx="minor">
-            <a:schemeClr val="tx1"/>
-          </a:fontRef>
-        </p:style>
-      </p:cxnSp>
-      <p:cxnSp>
-        <p:nvCxnSpPr>
-          <p:cNvPr id="33" name="Straight Connector 32"/>
-          <p:cNvCxnSpPr/>
-          <p:nvPr/>
-        </p:nvCxnSpPr>
-        <p:spPr>
-          <a:xfrm>
-            <a:off x="5486400" y="5483423"/>
-            <a:ext cx="3505200" cy="0"/>
-          </a:xfrm>
-          <a:prstGeom prst="line">
-            <a:avLst/>
-          </a:prstGeom>
-        </p:spPr>
-        <p:style>
-          <a:lnRef idx="1">
-            <a:schemeClr val="accent1"/>
-          </a:lnRef>
-          <a:fillRef idx="0">
-            <a:schemeClr val="accent1"/>
-          </a:fillRef>
-          <a:effectRef idx="0">
-            <a:schemeClr val="accent1"/>
-          </a:effectRef>
-          <a:fontRef idx="minor">
-            <a:schemeClr val="tx1"/>
-          </a:fontRef>
-        </p:style>
-      </p:cxnSp>
-      <p:cxnSp>
-        <p:nvCxnSpPr>
-          <p:cNvPr id="34" name="Straight Connector 33"/>
-          <p:cNvCxnSpPr/>
-          <p:nvPr/>
-        </p:nvCxnSpPr>
-        <p:spPr>
-          <a:xfrm rot="5400000" flipH="1" flipV="1">
-            <a:off x="8610600" y="5178623"/>
-            <a:ext cx="609600" cy="0"/>
-          </a:xfrm>
-          <a:prstGeom prst="line">
-            <a:avLst/>
-          </a:prstGeom>
-        </p:spPr>
-        <p:style>
-          <a:lnRef idx="1">
-            <a:schemeClr val="accent1"/>
-          </a:lnRef>
-          <a:fillRef idx="0">
-            <a:schemeClr val="accent1"/>
-          </a:fillRef>
-          <a:effectRef idx="0">
-            <a:schemeClr val="accent1"/>
-          </a:effectRef>
-          <a:fontRef idx="minor">
-            <a:schemeClr val="tx1"/>
-          </a:fontRef>
-        </p:style>
-      </p:cxnSp>
-      <p:sp>
-        <p:nvSpPr>
-          <p:cNvPr id="35" name="TextBox 34"/>
-          <p:cNvSpPr txBox="1"/>
-          <p:nvPr/>
-        </p:nvSpPr>
-        <p:spPr>
-          <a:xfrm>
-            <a:off x="5486400" y="5483423"/>
-            <a:ext cx="5257800" cy="307777"/>
-          </a:xfrm>
-          <a:prstGeom prst="rect">
-            <a:avLst/>
-          </a:prstGeom>
-          <a:noFill/>
-        </p:spPr>
-        <p:txBody>
-          <a:bodyPr wrap="square" rtlCol="0">
-            <a:spAutoFit/>
-          </a:bodyPr>
-          <a:lstStyle/>
-          <a:p>
-            <a:r>
-              <a:rPr lang="en-US" sz="1400" dirty="0" smtClean="0"/>
-              <a:t>“Dummy variables” controlling slope values</a:t>
-            </a:r>
-            <a:endParaRPr lang="en-US" sz="1400" dirty="0"/>
-          </a:p>
-        </p:txBody>
-      </p:sp>
-      <p:sp>
-        <p:nvSpPr>
-          <p:cNvPr id="36" name="TextBox 35"/>
-          <p:cNvSpPr txBox="1"/>
-          <p:nvPr/>
-        </p:nvSpPr>
-        <p:spPr>
-          <a:xfrm>
-            <a:off x="5669280" y="4721423"/>
-            <a:ext cx="344966" cy="253916"/>
-          </a:xfrm>
-          <a:prstGeom prst="rect">
-            <a:avLst/>
-          </a:prstGeom>
-          <a:noFill/>
-        </p:spPr>
-        <p:txBody>
-          <a:bodyPr wrap="none" rtlCol="0">
-            <a:spAutoFit/>
-          </a:bodyPr>
-          <a:lstStyle/>
-          <a:p>
-            <a:r>
-              <a:rPr lang="en-US" sz="1050" dirty="0" smtClean="0">
-                <a:latin typeface="Courier" pitchFamily="49" charset="0"/>
-              </a:rPr>
-              <a:t>B5</a:t>
-            </a:r>
-            <a:endParaRPr lang="en-US" sz="1050" dirty="0">
-              <a:latin typeface="Courier" pitchFamily="49" charset="0"/>
-            </a:endParaRPr>
-          </a:p>
-        </p:txBody>
-      </p:sp>
-      <p:sp>
-        <p:nvSpPr>
-          <p:cNvPr id="37" name="TextBox 36"/>
-          <p:cNvSpPr txBox="1"/>
-          <p:nvPr/>
-        </p:nvSpPr>
-        <p:spPr>
-          <a:xfrm>
-            <a:off x="7574280" y="4721423"/>
-            <a:ext cx="344966" cy="253916"/>
-          </a:xfrm>
-          <a:prstGeom prst="rect">
-            <a:avLst/>
-          </a:prstGeom>
-          <a:noFill/>
-        </p:spPr>
-        <p:txBody>
-          <a:bodyPr wrap="none" rtlCol="0">
-            <a:spAutoFit/>
-          </a:bodyPr>
-          <a:lstStyle/>
-          <a:p>
-            <a:r>
-              <a:rPr lang="en-US" sz="1050" dirty="0" smtClean="0">
-                <a:latin typeface="Courier" pitchFamily="49" charset="0"/>
-              </a:rPr>
-              <a:t>B6</a:t>
-            </a:r>
-            <a:endParaRPr lang="en-US" sz="1050" dirty="0">
-              <a:latin typeface="Courier" pitchFamily="49" charset="0"/>
-            </a:endParaRPr>
-          </a:p>
-        </p:txBody>
-      </p:sp>
-      <p:sp>
-        <p:nvSpPr>
-          <p:cNvPr id="38" name="TextBox 37"/>
-          <p:cNvSpPr txBox="1"/>
-          <p:nvPr/>
-        </p:nvSpPr>
-        <p:spPr>
-          <a:xfrm>
-            <a:off x="8323947" y="4721423"/>
-            <a:ext cx="344966" cy="253916"/>
-          </a:xfrm>
-          <a:prstGeom prst="rect">
-            <a:avLst/>
-          </a:prstGeom>
-          <a:noFill/>
-        </p:spPr>
-        <p:txBody>
-          <a:bodyPr wrap="none" rtlCol="0">
-            <a:spAutoFit/>
-          </a:bodyPr>
-          <a:lstStyle/>
-          <a:p>
-            <a:r>
-              <a:rPr lang="en-US" sz="1050" dirty="0" smtClean="0">
-                <a:latin typeface="Courier" pitchFamily="49" charset="0"/>
-              </a:rPr>
-              <a:t>B7</a:t>
-            </a:r>
-            <a:endParaRPr lang="en-US" sz="1050" dirty="0">
-              <a:latin typeface="Courier" pitchFamily="49" charset="0"/>
-            </a:endParaRPr>
-          </a:p>
-        </p:txBody>
-      </p:sp>
-      <p:sp>
-        <p:nvSpPr>
-          <p:cNvPr id="39" name="TextBox 38"/>
-          <p:cNvSpPr txBox="1"/>
-          <p:nvPr/>
-        </p:nvSpPr>
-        <p:spPr>
-          <a:xfrm>
-            <a:off x="5410200" y="4975465"/>
-            <a:ext cx="1386918" cy="415498"/>
-          </a:xfrm>
-          <a:prstGeom prst="rect">
-            <a:avLst/>
-          </a:prstGeom>
-          <a:noFill/>
-        </p:spPr>
-        <p:txBody>
-          <a:bodyPr wrap="none" rtlCol="0">
-            <a:spAutoFit/>
-          </a:bodyPr>
-          <a:lstStyle/>
-          <a:p>
-            <a:pPr algn="ctr"/>
-            <a:r>
-              <a:rPr lang="en-US" sz="1050" dirty="0" err="1" smtClean="0">
-                <a:latin typeface="Courier" pitchFamily="49" charset="0"/>
-              </a:rPr>
-              <a:t>beforeTreatment</a:t>
-            </a:r>
-            <a:endParaRPr lang="en-US" sz="1050" dirty="0" smtClean="0">
-              <a:latin typeface="Courier" pitchFamily="49" charset="0"/>
-            </a:endParaRPr>
-          </a:p>
-          <a:p>
-            <a:pPr algn="ctr"/>
-            <a:r>
-              <a:rPr lang="en-US" sz="1050" dirty="0" smtClean="0">
-                <a:latin typeface="Courier" pitchFamily="49" charset="0"/>
-              </a:rPr>
-              <a:t>*study days</a:t>
-            </a:r>
-            <a:endParaRPr lang="en-US" sz="1050" dirty="0">
-              <a:latin typeface="Courier" pitchFamily="49" charset="0"/>
-            </a:endParaRPr>
-          </a:p>
-        </p:txBody>
-      </p:sp>
-      <p:sp>
-        <p:nvSpPr>
-          <p:cNvPr id="40" name="TextBox 39"/>
-          <p:cNvSpPr txBox="1"/>
-          <p:nvPr/>
-        </p:nvSpPr>
-        <p:spPr>
-          <a:xfrm>
-            <a:off x="7087082" y="4975465"/>
-            <a:ext cx="1066318" cy="415498"/>
-          </a:xfrm>
-          <a:prstGeom prst="rect">
-            <a:avLst/>
-          </a:prstGeom>
-          <a:noFill/>
-        </p:spPr>
-        <p:txBody>
-          <a:bodyPr wrap="none" rtlCol="0">
-            <a:spAutoFit/>
-          </a:bodyPr>
-          <a:lstStyle/>
-          <a:p>
-            <a:pPr algn="ctr"/>
-            <a:r>
-              <a:rPr lang="en-US" sz="1050" dirty="0" smtClean="0">
-                <a:latin typeface="Courier" pitchFamily="49" charset="0"/>
-              </a:rPr>
-              <a:t>Recovery</a:t>
-            </a:r>
-          </a:p>
-          <a:p>
-            <a:pPr algn="ctr"/>
-            <a:r>
-              <a:rPr lang="en-US" sz="1050" dirty="0" smtClean="0">
-                <a:latin typeface="Courier" pitchFamily="49" charset="0"/>
-              </a:rPr>
-              <a:t>*study days</a:t>
-            </a:r>
-            <a:endParaRPr lang="en-US" sz="1050" dirty="0">
-              <a:latin typeface="Courier" pitchFamily="49" charset="0"/>
-            </a:endParaRPr>
-          </a:p>
-        </p:txBody>
-      </p:sp>
-      <p:sp>
-        <p:nvSpPr>
-          <p:cNvPr id="41" name="TextBox 40"/>
-          <p:cNvSpPr txBox="1"/>
-          <p:nvPr/>
-        </p:nvSpPr>
-        <p:spPr>
-          <a:xfrm>
-            <a:off x="8077681" y="4975465"/>
-            <a:ext cx="1066319" cy="415498"/>
-          </a:xfrm>
-          <a:prstGeom prst="rect">
-            <a:avLst/>
-          </a:prstGeom>
-          <a:noFill/>
-        </p:spPr>
-        <p:txBody>
-          <a:bodyPr wrap="none" rtlCol="0">
-            <a:spAutoFit/>
-          </a:bodyPr>
-          <a:lstStyle/>
-          <a:p>
-            <a:pPr algn="ctr"/>
-            <a:r>
-              <a:rPr lang="en-US" sz="1050" dirty="0" smtClean="0">
-                <a:latin typeface="Courier" pitchFamily="49" charset="0"/>
-              </a:rPr>
-              <a:t>Treatment</a:t>
-            </a:r>
-          </a:p>
-          <a:p>
-            <a:pPr algn="ctr"/>
-            <a:r>
-              <a:rPr lang="en-US" sz="1050" dirty="0" smtClean="0">
-                <a:latin typeface="Courier" pitchFamily="49" charset="0"/>
-              </a:rPr>
-              <a:t>*study days</a:t>
-            </a:r>
-            <a:endParaRPr lang="en-US" sz="1050" dirty="0">
-              <a:latin typeface="Courier" pitchFamily="49" charset="0"/>
-            </a:endParaRPr>
-          </a:p>
-        </p:txBody>
-      </p:sp>
       <p:pic>
         <p:nvPicPr>
-          <p:cNvPr id="42" name="Picture 2"/>
+          <p:cNvPr id="23556" name="Picture 4"/>
           <p:cNvPicPr>
             <a:picLocks noChangeAspect="1" noChangeArrowheads="1"/>
           </p:cNvPicPr>
@@ -9038,8 +8028,8 @@
         </p:blipFill>
         <p:spPr bwMode="auto">
           <a:xfrm>
-            <a:off x="457200" y="6296025"/>
-            <a:ext cx="2009775" cy="485775"/>
+            <a:off x="4876800" y="3733800"/>
+            <a:ext cx="3038475" cy="2057400"/>
           </a:xfrm>
           <a:prstGeom prst="rect">
             <a:avLst/>
@@ -9053,42 +8043,6 @@
           </a:ln>
         </p:spPr>
       </p:pic>
-      <p:sp>
-        <p:nvSpPr>
-          <p:cNvPr id="43" name="TextBox 42"/>
-          <p:cNvSpPr txBox="1"/>
-          <p:nvPr/>
-        </p:nvSpPr>
-        <p:spPr>
-          <a:xfrm>
-            <a:off x="3354217" y="6135469"/>
-            <a:ext cx="4265783" cy="646331"/>
-          </a:xfrm>
-          <a:prstGeom prst="rect">
-            <a:avLst/>
-          </a:prstGeom>
-          <a:noFill/>
-        </p:spPr>
-        <p:txBody>
-          <a:bodyPr wrap="none" rtlCol="0">
-            <a:spAutoFit/>
-          </a:bodyPr>
-          <a:lstStyle/>
-          <a:p>
-            <a:r>
-              <a:rPr lang="en-US" dirty="0" smtClean="0"/>
-              <a:t>Error is 33.8603 on 122 degrees of freedom</a:t>
-            </a:r>
-          </a:p>
-          <a:p>
-            <a:r>
-              <a:rPr lang="en-US" dirty="0" smtClean="0"/>
-              <a:t>(n=130 – 8 parameters)</a:t>
-            </a:r>
-            <a:endParaRPr lang="en-US" dirty="0"/>
-          </a:p>
-        </p:txBody>
-      </p:sp>
     </p:spTree>
   </p:cSld>
   <p:clrMapOvr>
@@ -9122,8 +8076,8 @@
         </p:nvSpPr>
         <p:spPr>
           <a:xfrm>
-            <a:off x="609600" y="533400"/>
-            <a:ext cx="2069990" cy="1477328"/>
+            <a:off x="990600" y="304800"/>
+            <a:ext cx="2821157" cy="1200329"/>
           </a:xfrm>
           <a:prstGeom prst="rect">
             <a:avLst/>
@@ -9138,19 +8092,7 @@
           <a:p>
             <a:r>
               <a:rPr lang="en-US" dirty="0" smtClean="0"/>
-              <a:t>The </a:t>
-            </a:r>
-            <a:r>
-              <a:rPr lang="en-US" dirty="0" smtClean="0">
-                <a:solidFill>
-                  <a:srgbClr val="FF0000"/>
-                </a:solidFill>
-              </a:rPr>
-              <a:t>reduced</a:t>
-            </a:r>
-            <a:r>
-              <a:rPr lang="en-US" dirty="0" smtClean="0"/>
-              <a:t> model:</a:t>
+              <a:t>Our first model comparison:</a:t>
             </a:r>
           </a:p>
           <a:p>
@@ -9159,531 +8101,166 @@
           <a:p>
             <a:r>
               <a:rPr lang="en-US" dirty="0" smtClean="0"/>
+              <a:t>The full model:</a:t>
+            </a:r>
+          </a:p>
+          <a:p>
+            <a:r>
+              <a:rPr lang="en-US" dirty="0" smtClean="0"/>
               <a:t>	</a:t>
             </a:r>
-          </a:p>
-          <a:p>
-            <a:endParaRPr lang="en-US" dirty="0" smtClean="0"/>
-          </a:p>
-          <a:p>
-            <a:r>
-              <a:rPr lang="en-US" dirty="0" smtClean="0"/>
-              <a:t>	</a:t>
-            </a:r>
             <a:endParaRPr lang="en-US" dirty="0"/>
           </a:p>
         </p:txBody>
       </p:sp>
-      <p:pic>
-        <p:nvPicPr>
-          <p:cNvPr id="20482" name="Picture 2"/>
-          <p:cNvPicPr>
-            <a:picLocks noChangeAspect="1" noChangeArrowheads="1"/>
-          </p:cNvPicPr>
-          <p:nvPr/>
-        </p:nvPicPr>
-        <p:blipFill>
-          <a:blip r:embed="rId2" cstate="print"/>
-          <a:srcRect/>
-          <a:stretch>
-            <a:fillRect/>
-          </a:stretch>
-        </p:blipFill>
-        <p:spPr bwMode="auto">
-          <a:xfrm>
-            <a:off x="304800" y="990600"/>
-            <a:ext cx="8514393" cy="4176712"/>
-          </a:xfrm>
-          <a:prstGeom prst="rect">
-            <a:avLst/>
-          </a:prstGeom>
-          <a:noFill/>
-          <a:ln w="9525">
-            <a:noFill/>
-            <a:miter lim="800000"/>
-            <a:headEnd/>
-            <a:tailEnd/>
-          </a:ln>
-        </p:spPr>
-      </p:pic>
-      <p:sp>
-        <p:nvSpPr>
-          <p:cNvPr id="6" name="TextBox 5"/>
+      <p:sp>
+        <p:nvSpPr>
+          <p:cNvPr id="5" name="Rectangle 4"/>
+          <p:cNvSpPr/>
+          <p:nvPr/>
+        </p:nvSpPr>
+        <p:spPr>
+          <a:xfrm>
+            <a:off x="2211125" y="1295400"/>
+            <a:ext cx="4570675" cy="369332"/>
+          </a:xfrm>
+          <a:prstGeom prst="rect">
+            <a:avLst/>
+          </a:prstGeom>
+        </p:spPr>
+        <p:txBody>
+          <a:bodyPr wrap="none">
+            <a:spAutoFit/>
+          </a:bodyPr>
+          <a:lstStyle/>
+          <a:p>
+            <a:r>
+              <a:rPr lang="en-US" dirty="0" err="1" smtClean="0"/>
+              <a:t>myT$LogBurk</a:t>
+            </a:r>
+            <a:r>
+              <a:rPr lang="en-US" dirty="0" smtClean="0"/>
+              <a:t> ~ </a:t>
+            </a:r>
+            <a:r>
+              <a:rPr lang="en-US" dirty="0" err="1" smtClean="0"/>
+              <a:t>myT$sampleDays</a:t>
+            </a:r>
+            <a:r>
+              <a:rPr lang="en-US" dirty="0" smtClean="0"/>
+              <a:t> * treatments</a:t>
+            </a:r>
+            <a:endParaRPr lang="en-US" dirty="0"/>
+          </a:p>
+        </p:txBody>
+      </p:sp>
+      <p:sp>
+        <p:nvSpPr>
+          <p:cNvPr id="6" name="Rectangle 5"/>
+          <p:cNvSpPr/>
+          <p:nvPr/>
+        </p:nvSpPr>
+        <p:spPr>
+          <a:xfrm>
+            <a:off x="990600" y="2069068"/>
+            <a:ext cx="2069990" cy="369332"/>
+          </a:xfrm>
+          <a:prstGeom prst="rect">
+            <a:avLst/>
+          </a:prstGeom>
+        </p:spPr>
+        <p:txBody>
+          <a:bodyPr wrap="none">
+            <a:spAutoFit/>
+          </a:bodyPr>
+          <a:lstStyle/>
+          <a:p>
+            <a:r>
+              <a:rPr lang="en-US" dirty="0" smtClean="0"/>
+              <a:t>The reduced model:</a:t>
+            </a:r>
+            <a:endParaRPr lang="en-US" dirty="0"/>
+          </a:p>
+        </p:txBody>
+      </p:sp>
+      <p:sp>
+        <p:nvSpPr>
+          <p:cNvPr id="7" name="Rectangle 6"/>
+          <p:cNvSpPr/>
+          <p:nvPr/>
+        </p:nvSpPr>
+        <p:spPr>
+          <a:xfrm>
+            <a:off x="2133600" y="2602468"/>
+            <a:ext cx="4570675" cy="369332"/>
+          </a:xfrm>
+          <a:prstGeom prst="rect">
+            <a:avLst/>
+          </a:prstGeom>
+        </p:spPr>
+        <p:txBody>
+          <a:bodyPr wrap="none">
+            <a:spAutoFit/>
+          </a:bodyPr>
+          <a:lstStyle/>
+          <a:p>
+            <a:r>
+              <a:rPr lang="en-US" dirty="0" err="1" smtClean="0"/>
+              <a:t>myT$LogBurk</a:t>
+            </a:r>
+            <a:r>
+              <a:rPr lang="en-US" dirty="0" smtClean="0"/>
+              <a:t> ~ </a:t>
+            </a:r>
+            <a:r>
+              <a:rPr lang="en-US" dirty="0" err="1" smtClean="0"/>
+              <a:t>myT$sampleDays</a:t>
+            </a:r>
+            <a:r>
+              <a:rPr lang="en-US" dirty="0" smtClean="0"/>
+              <a:t> + treatments</a:t>
+            </a:r>
+            <a:endParaRPr lang="en-US" dirty="0"/>
+          </a:p>
+        </p:txBody>
+      </p:sp>
+      <p:sp>
+        <p:nvSpPr>
+          <p:cNvPr id="8" name="TextBox 7"/>
           <p:cNvSpPr txBox="1"/>
           <p:nvPr/>
         </p:nvSpPr>
         <p:spPr>
           <a:xfrm>
-            <a:off x="1379983" y="5181600"/>
-            <a:ext cx="906017" cy="415498"/>
-          </a:xfrm>
-          <a:prstGeom prst="rect">
-            <a:avLst/>
-          </a:prstGeom>
-          <a:noFill/>
-        </p:spPr>
-        <p:txBody>
-          <a:bodyPr wrap="none" rtlCol="0">
-            <a:spAutoFit/>
-          </a:bodyPr>
-          <a:lstStyle/>
-          <a:p>
-            <a:r>
-              <a:rPr lang="en-US" sz="1050" dirty="0" smtClean="0">
-                <a:latin typeface="Courier" pitchFamily="49" charset="0"/>
-              </a:rPr>
-              <a:t>B0</a:t>
-            </a:r>
-          </a:p>
-          <a:p>
-            <a:r>
-              <a:rPr lang="en-US" sz="1050" dirty="0" smtClean="0">
-                <a:latin typeface="Courier" pitchFamily="49" charset="0"/>
-              </a:rPr>
-              <a:t>Intercept</a:t>
-            </a:r>
-            <a:endParaRPr lang="en-US" sz="1050" dirty="0">
-              <a:latin typeface="Courier" pitchFamily="49" charset="0"/>
-            </a:endParaRPr>
-          </a:p>
-        </p:txBody>
-      </p:sp>
-      <p:sp>
-        <p:nvSpPr>
-          <p:cNvPr id="7" name="TextBox 6"/>
-          <p:cNvSpPr txBox="1"/>
-          <p:nvPr/>
-        </p:nvSpPr>
-        <p:spPr>
-          <a:xfrm>
-            <a:off x="2161733" y="5486400"/>
-            <a:ext cx="505267" cy="415498"/>
-          </a:xfrm>
-          <a:prstGeom prst="rect">
-            <a:avLst/>
-          </a:prstGeom>
-          <a:noFill/>
-        </p:spPr>
-        <p:txBody>
-          <a:bodyPr wrap="none" rtlCol="0">
-            <a:spAutoFit/>
-          </a:bodyPr>
-          <a:lstStyle/>
-          <a:p>
-            <a:r>
-              <a:rPr lang="en-US" sz="1050" dirty="0" smtClean="0">
-                <a:latin typeface="Courier" pitchFamily="49" charset="0"/>
-              </a:rPr>
-              <a:t>B1</a:t>
-            </a:r>
-          </a:p>
-          <a:p>
-            <a:r>
-              <a:rPr lang="en-US" sz="1050" dirty="0" smtClean="0">
-                <a:latin typeface="Courier" pitchFamily="49" charset="0"/>
-              </a:rPr>
-              <a:t>Time</a:t>
-            </a:r>
-            <a:endParaRPr lang="en-US" sz="1050" dirty="0">
-              <a:latin typeface="Courier" pitchFamily="49" charset="0"/>
-            </a:endParaRPr>
-          </a:p>
-        </p:txBody>
-      </p:sp>
-      <p:cxnSp>
-        <p:nvCxnSpPr>
-          <p:cNvPr id="8" name="Straight Connector 7"/>
-          <p:cNvCxnSpPr/>
-          <p:nvPr/>
-        </p:nvCxnSpPr>
-        <p:spPr>
-          <a:xfrm rot="5400000">
-            <a:off x="2667000" y="5562600"/>
-            <a:ext cx="609600" cy="0"/>
-          </a:xfrm>
-          <a:prstGeom prst="line">
-            <a:avLst/>
-          </a:prstGeom>
-        </p:spPr>
-        <p:style>
-          <a:lnRef idx="1">
-            <a:schemeClr val="accent1"/>
-          </a:lnRef>
-          <a:fillRef idx="0">
-            <a:schemeClr val="accent1"/>
-          </a:fillRef>
-          <a:effectRef idx="0">
-            <a:schemeClr val="accent1"/>
-          </a:effectRef>
-          <a:fontRef idx="minor">
-            <a:schemeClr val="tx1"/>
-          </a:fontRef>
-        </p:style>
-      </p:cxnSp>
-      <p:cxnSp>
-        <p:nvCxnSpPr>
-          <p:cNvPr id="9" name="Straight Connector 8"/>
-          <p:cNvCxnSpPr/>
-          <p:nvPr/>
-        </p:nvCxnSpPr>
-        <p:spPr>
-          <a:xfrm>
-            <a:off x="2971800" y="5867400"/>
-            <a:ext cx="5181600" cy="0"/>
-          </a:xfrm>
-          <a:prstGeom prst="line">
-            <a:avLst/>
-          </a:prstGeom>
-        </p:spPr>
-        <p:style>
-          <a:lnRef idx="1">
-            <a:schemeClr val="accent1"/>
-          </a:lnRef>
-          <a:fillRef idx="0">
-            <a:schemeClr val="accent1"/>
-          </a:fillRef>
-          <a:effectRef idx="0">
-            <a:schemeClr val="accent1"/>
-          </a:effectRef>
-          <a:fontRef idx="minor">
-            <a:schemeClr val="tx1"/>
-          </a:fontRef>
-        </p:style>
-      </p:cxnSp>
-      <p:cxnSp>
-        <p:nvCxnSpPr>
-          <p:cNvPr id="10" name="Straight Connector 9"/>
-          <p:cNvCxnSpPr/>
-          <p:nvPr/>
-        </p:nvCxnSpPr>
-        <p:spPr>
-          <a:xfrm rot="5400000" flipH="1" flipV="1">
-            <a:off x="7848599" y="5562600"/>
-            <a:ext cx="609600" cy="0"/>
-          </a:xfrm>
-          <a:prstGeom prst="line">
-            <a:avLst/>
-          </a:prstGeom>
-        </p:spPr>
-        <p:style>
-          <a:lnRef idx="1">
-            <a:schemeClr val="accent1"/>
-          </a:lnRef>
-          <a:fillRef idx="0">
-            <a:schemeClr val="accent1"/>
-          </a:fillRef>
-          <a:effectRef idx="0">
-            <a:schemeClr val="accent1"/>
-          </a:effectRef>
-          <a:fontRef idx="minor">
-            <a:schemeClr val="tx1"/>
-          </a:fontRef>
-        </p:style>
-      </p:cxnSp>
-      <p:sp>
-        <p:nvSpPr>
-          <p:cNvPr id="11" name="TextBox 10"/>
-          <p:cNvSpPr txBox="1"/>
-          <p:nvPr/>
-        </p:nvSpPr>
-        <p:spPr>
-          <a:xfrm>
-            <a:off x="3154680" y="5105400"/>
-            <a:ext cx="344966" cy="253916"/>
-          </a:xfrm>
-          <a:prstGeom prst="rect">
-            <a:avLst/>
-          </a:prstGeom>
-          <a:noFill/>
-        </p:spPr>
-        <p:txBody>
-          <a:bodyPr wrap="none" rtlCol="0">
-            <a:spAutoFit/>
-          </a:bodyPr>
-          <a:lstStyle/>
-          <a:p>
-            <a:r>
-              <a:rPr lang="en-US" sz="1050" dirty="0" smtClean="0">
-                <a:latin typeface="Courier" pitchFamily="49" charset="0"/>
-              </a:rPr>
-              <a:t>B2</a:t>
-            </a:r>
-            <a:endParaRPr lang="en-US" sz="1050" dirty="0">
-              <a:latin typeface="Courier" pitchFamily="49" charset="0"/>
-            </a:endParaRPr>
-          </a:p>
-        </p:txBody>
-      </p:sp>
-      <p:sp>
-        <p:nvSpPr>
-          <p:cNvPr id="12" name="TextBox 11"/>
-          <p:cNvSpPr txBox="1"/>
-          <p:nvPr/>
-        </p:nvSpPr>
-        <p:spPr>
-          <a:xfrm>
-            <a:off x="5656947" y="5105400"/>
-            <a:ext cx="344966" cy="253916"/>
-          </a:xfrm>
-          <a:prstGeom prst="rect">
-            <a:avLst/>
-          </a:prstGeom>
-          <a:noFill/>
-        </p:spPr>
-        <p:txBody>
-          <a:bodyPr wrap="none" rtlCol="0">
-            <a:spAutoFit/>
-          </a:bodyPr>
-          <a:lstStyle/>
-          <a:p>
-            <a:r>
-              <a:rPr lang="en-US" sz="1050" dirty="0" smtClean="0">
-                <a:latin typeface="Courier" pitchFamily="49" charset="0"/>
-              </a:rPr>
-              <a:t>B3</a:t>
-            </a:r>
-            <a:endParaRPr lang="en-US" sz="1050" dirty="0">
-              <a:latin typeface="Courier" pitchFamily="49" charset="0"/>
-            </a:endParaRPr>
-          </a:p>
-        </p:txBody>
-      </p:sp>
-      <p:sp>
-        <p:nvSpPr>
-          <p:cNvPr id="13" name="TextBox 12"/>
-          <p:cNvSpPr txBox="1"/>
-          <p:nvPr/>
-        </p:nvSpPr>
-        <p:spPr>
-          <a:xfrm>
-            <a:off x="7265530" y="5105400"/>
-            <a:ext cx="344966" cy="253916"/>
-          </a:xfrm>
-          <a:prstGeom prst="rect">
-            <a:avLst/>
-          </a:prstGeom>
-          <a:noFill/>
-        </p:spPr>
-        <p:txBody>
-          <a:bodyPr wrap="none" rtlCol="0">
-            <a:spAutoFit/>
-          </a:bodyPr>
-          <a:lstStyle/>
-          <a:p>
-            <a:r>
-              <a:rPr lang="en-US" sz="1050" dirty="0" smtClean="0">
-                <a:latin typeface="Courier" pitchFamily="49" charset="0"/>
-              </a:rPr>
-              <a:t>B4</a:t>
-            </a:r>
-            <a:endParaRPr lang="en-US" sz="1050" dirty="0">
-              <a:latin typeface="Courier" pitchFamily="49" charset="0"/>
-            </a:endParaRPr>
-          </a:p>
-        </p:txBody>
-      </p:sp>
-      <p:sp>
-        <p:nvSpPr>
-          <p:cNvPr id="14" name="TextBox 13"/>
-          <p:cNvSpPr txBox="1"/>
-          <p:nvPr/>
-        </p:nvSpPr>
-        <p:spPr>
-          <a:xfrm>
-            <a:off x="2895600" y="5359442"/>
-            <a:ext cx="1386918" cy="253916"/>
-          </a:xfrm>
-          <a:prstGeom prst="rect">
-            <a:avLst/>
-          </a:prstGeom>
-          <a:noFill/>
-        </p:spPr>
-        <p:txBody>
-          <a:bodyPr wrap="none" rtlCol="0">
-            <a:spAutoFit/>
-          </a:bodyPr>
-          <a:lstStyle/>
-          <a:p>
-            <a:pPr algn="ctr"/>
-            <a:r>
-              <a:rPr lang="en-US" sz="1050" dirty="0" err="1" smtClean="0">
-                <a:latin typeface="Courier" pitchFamily="49" charset="0"/>
-              </a:rPr>
-              <a:t>beforeTreatment</a:t>
-            </a:r>
-            <a:endParaRPr lang="en-US" sz="1050" dirty="0">
-              <a:latin typeface="Courier" pitchFamily="49" charset="0"/>
-            </a:endParaRPr>
-          </a:p>
-        </p:txBody>
-      </p:sp>
-      <p:sp>
-        <p:nvSpPr>
-          <p:cNvPr id="15" name="TextBox 14"/>
-          <p:cNvSpPr txBox="1"/>
-          <p:nvPr/>
-        </p:nvSpPr>
-        <p:spPr>
-          <a:xfrm>
-            <a:off x="5410200" y="5359442"/>
-            <a:ext cx="825867" cy="253916"/>
-          </a:xfrm>
-          <a:prstGeom prst="rect">
-            <a:avLst/>
-          </a:prstGeom>
-          <a:noFill/>
-        </p:spPr>
-        <p:txBody>
-          <a:bodyPr wrap="none" rtlCol="0">
-            <a:spAutoFit/>
-          </a:bodyPr>
-          <a:lstStyle/>
-          <a:p>
-            <a:pPr algn="ctr"/>
-            <a:r>
-              <a:rPr lang="en-US" sz="1050" dirty="0" smtClean="0">
-                <a:latin typeface="Courier" pitchFamily="49" charset="0"/>
-              </a:rPr>
-              <a:t>Recovery</a:t>
-            </a:r>
-            <a:endParaRPr lang="en-US" sz="1050" dirty="0">
-              <a:latin typeface="Courier" pitchFamily="49" charset="0"/>
-            </a:endParaRPr>
-          </a:p>
-        </p:txBody>
-      </p:sp>
-      <p:sp>
-        <p:nvSpPr>
-          <p:cNvPr id="16" name="TextBox 15"/>
-          <p:cNvSpPr txBox="1"/>
-          <p:nvPr/>
-        </p:nvSpPr>
-        <p:spPr>
-          <a:xfrm>
-            <a:off x="7018783" y="5359442"/>
-            <a:ext cx="906017" cy="253916"/>
-          </a:xfrm>
-          <a:prstGeom prst="rect">
-            <a:avLst/>
-          </a:prstGeom>
-          <a:noFill/>
-        </p:spPr>
-        <p:txBody>
-          <a:bodyPr wrap="none" rtlCol="0">
-            <a:spAutoFit/>
-          </a:bodyPr>
-          <a:lstStyle/>
-          <a:p>
-            <a:pPr algn="ctr"/>
-            <a:r>
-              <a:rPr lang="en-US" sz="1050" dirty="0" smtClean="0">
-                <a:latin typeface="Courier" pitchFamily="49" charset="0"/>
-              </a:rPr>
-              <a:t>Treatment</a:t>
-            </a:r>
-            <a:endParaRPr lang="en-US" sz="1050" dirty="0">
-              <a:latin typeface="Courier" pitchFamily="49" charset="0"/>
-            </a:endParaRPr>
-          </a:p>
-        </p:txBody>
-      </p:sp>
-      <p:pic>
-        <p:nvPicPr>
-          <p:cNvPr id="20483" name="Picture 3"/>
-          <p:cNvPicPr>
-            <a:picLocks noChangeAspect="1" noChangeArrowheads="1"/>
-          </p:cNvPicPr>
-          <p:nvPr/>
-        </p:nvPicPr>
-        <p:blipFill>
-          <a:blip r:embed="rId3" cstate="print"/>
-          <a:srcRect/>
-          <a:stretch>
-            <a:fillRect/>
-          </a:stretch>
-        </p:blipFill>
-        <p:spPr bwMode="auto">
-          <a:xfrm>
-            <a:off x="2895600" y="381000"/>
-            <a:ext cx="5724525" cy="400050"/>
-          </a:xfrm>
-          <a:prstGeom prst="rect">
-            <a:avLst/>
-          </a:prstGeom>
-          <a:noFill/>
-          <a:ln w="9525">
-            <a:noFill/>
-            <a:miter lim="800000"/>
-            <a:headEnd/>
-            <a:tailEnd/>
-          </a:ln>
-        </p:spPr>
-      </p:pic>
-      <p:pic>
-        <p:nvPicPr>
-          <p:cNvPr id="20484" name="Picture 4"/>
-          <p:cNvPicPr>
-            <a:picLocks noChangeAspect="1" noChangeArrowheads="1"/>
-          </p:cNvPicPr>
-          <p:nvPr/>
-        </p:nvPicPr>
-        <p:blipFill>
-          <a:blip r:embed="rId4" cstate="print"/>
-          <a:srcRect/>
-          <a:stretch>
-            <a:fillRect/>
-          </a:stretch>
-        </p:blipFill>
-        <p:spPr bwMode="auto">
-          <a:xfrm>
-            <a:off x="228600" y="5895975"/>
-            <a:ext cx="5962650" cy="733425"/>
-          </a:xfrm>
-          <a:prstGeom prst="rect">
-            <a:avLst/>
-          </a:prstGeom>
-          <a:noFill/>
-          <a:ln w="9525">
-            <a:noFill/>
-            <a:miter lim="800000"/>
-            <a:headEnd/>
-            <a:tailEnd/>
-          </a:ln>
-        </p:spPr>
-      </p:pic>
-      <p:sp>
-        <p:nvSpPr>
-          <p:cNvPr id="20" name="TextBox 19"/>
-          <p:cNvSpPr txBox="1"/>
-          <p:nvPr/>
-        </p:nvSpPr>
-        <p:spPr>
-          <a:xfrm>
-            <a:off x="3657600" y="6400800"/>
-            <a:ext cx="5143652" cy="369332"/>
-          </a:xfrm>
-          <a:prstGeom prst="rect">
-            <a:avLst/>
-          </a:prstGeom>
-          <a:noFill/>
-        </p:spPr>
-        <p:txBody>
-          <a:bodyPr wrap="none" rtlCol="0">
-            <a:spAutoFit/>
-          </a:bodyPr>
-          <a:lstStyle/>
-          <a:p>
-            <a:r>
-              <a:rPr lang="en-US" dirty="0" smtClean="0"/>
-              <a:t>Error is 35.97212 with 125 </a:t>
-            </a:r>
-            <a:r>
-              <a:rPr lang="en-US" dirty="0" err="1" smtClean="0"/>
-              <a:t>d.f</a:t>
-            </a:r>
-            <a:r>
-              <a:rPr lang="en-US" dirty="0" smtClean="0"/>
-              <a:t>. (n=130 -5 parameters)</a:t>
+            <a:off x="685800" y="3505200"/>
+            <a:ext cx="6477000" cy="923330"/>
+          </a:xfrm>
+          <a:prstGeom prst="rect">
+            <a:avLst/>
+          </a:prstGeom>
+          <a:noFill/>
+        </p:spPr>
+        <p:txBody>
+          <a:bodyPr wrap="square" rtlCol="0">
+            <a:spAutoFit/>
+          </a:bodyPr>
+          <a:lstStyle/>
+          <a:p>
+            <a:r>
+              <a:rPr lang="en-US" dirty="0" smtClean="0"/>
+              <a:t>In the reduced model, B5-B7 are set to zero.</a:t>
+            </a:r>
+          </a:p>
+          <a:p>
+            <a:r>
+              <a:rPr lang="en-US" dirty="0" smtClean="0"/>
+              <a:t>That is, there is no interaction between treatment and time.</a:t>
+            </a:r>
+          </a:p>
+          <a:p>
+            <a:r>
+              <a:rPr lang="en-US" dirty="0" smtClean="0"/>
+              <a:t>That is, all the data can be fit with a single slope. </a:t>
             </a:r>
             <a:endParaRPr lang="en-US" dirty="0"/>
           </a:p>
@@ -9716,50 +8293,14 @@
       </p:grpSpPr>
       <p:sp>
         <p:nvSpPr>
-          <p:cNvPr id="5" name="TextBox 4"/>
+          <p:cNvPr id="4" name="TextBox 3"/>
           <p:cNvSpPr txBox="1"/>
           <p:nvPr/>
         </p:nvSpPr>
         <p:spPr>
           <a:xfrm>
-            <a:off x="1906417" y="801469"/>
-            <a:ext cx="4265783" cy="646331"/>
-          </a:xfrm>
-          <a:prstGeom prst="rect">
-            <a:avLst/>
-          </a:prstGeom>
-          <a:noFill/>
-        </p:spPr>
-        <p:txBody>
-          <a:bodyPr wrap="none" rtlCol="0">
-            <a:spAutoFit/>
-          </a:bodyPr>
-          <a:lstStyle/>
-          <a:p>
-            <a:r>
-              <a:rPr lang="en-US" dirty="0" smtClean="0"/>
-              <a:t>Error is 33.8603 on 122 degrees of freedom</a:t>
-            </a:r>
-          </a:p>
-          <a:p>
-            <a:r>
-              <a:rPr lang="en-US" dirty="0" smtClean="0"/>
-              <a:t>(n=130 – 8 parameters)</a:t>
-            </a:r>
-            <a:endParaRPr lang="en-US" dirty="0"/>
-          </a:p>
-        </p:txBody>
-      </p:sp>
-      <p:sp>
-        <p:nvSpPr>
-          <p:cNvPr id="6" name="TextBox 5"/>
-          <p:cNvSpPr txBox="1"/>
-          <p:nvPr/>
-        </p:nvSpPr>
-        <p:spPr>
-          <a:xfrm>
-            <a:off x="1066800" y="457200"/>
-            <a:ext cx="4191000" cy="369332"/>
+            <a:off x="152400" y="0"/>
+            <a:ext cx="4800600" cy="369332"/>
           </a:xfrm>
           <a:prstGeom prst="rect">
             <a:avLst/>
@@ -9774,105 +8315,19 @@
           <a:p>
             <a:r>
               <a:rPr lang="en-US" dirty="0" smtClean="0"/>
-              <a:t>Full model:</a:t>
-            </a:r>
-            <a:endParaRPr lang="en-US" dirty="0"/>
-          </a:p>
-        </p:txBody>
-      </p:sp>
-      <p:sp>
-        <p:nvSpPr>
-          <p:cNvPr id="7" name="TextBox 6"/>
-          <p:cNvSpPr txBox="1"/>
-          <p:nvPr/>
-        </p:nvSpPr>
-        <p:spPr>
-          <a:xfrm>
-            <a:off x="990600" y="1992868"/>
-            <a:ext cx="5143652" cy="369332"/>
-          </a:xfrm>
-          <a:prstGeom prst="rect">
-            <a:avLst/>
-          </a:prstGeom>
-          <a:noFill/>
-        </p:spPr>
-        <p:txBody>
-          <a:bodyPr wrap="none" rtlCol="0">
-            <a:spAutoFit/>
-          </a:bodyPr>
-          <a:lstStyle/>
-          <a:p>
-            <a:r>
-              <a:rPr lang="en-US" dirty="0" smtClean="0"/>
-              <a:t>Error is 35.97212 with 125 </a:t>
-            </a:r>
-            <a:r>
-              <a:rPr lang="en-US" dirty="0" err="1" smtClean="0"/>
-              <a:t>d.f</a:t>
-            </a:r>
-            <a:r>
-              <a:rPr lang="en-US" dirty="0" smtClean="0"/>
-              <a:t>. (n=130 -5 parameters)</a:t>
-            </a:r>
-            <a:endParaRPr lang="en-US" dirty="0"/>
-          </a:p>
-        </p:txBody>
-      </p:sp>
-      <p:sp>
-        <p:nvSpPr>
-          <p:cNvPr id="8" name="TextBox 7"/>
-          <p:cNvSpPr txBox="1"/>
-          <p:nvPr/>
-        </p:nvSpPr>
-        <p:spPr>
-          <a:xfrm>
-            <a:off x="1143000" y="1600200"/>
-            <a:ext cx="1724318" cy="369332"/>
-          </a:xfrm>
-          <a:prstGeom prst="rect">
-            <a:avLst/>
-          </a:prstGeom>
-          <a:noFill/>
-        </p:spPr>
-        <p:txBody>
-          <a:bodyPr wrap="none" rtlCol="0">
-            <a:spAutoFit/>
-          </a:bodyPr>
-          <a:lstStyle/>
-          <a:p>
-            <a:r>
-              <a:rPr lang="en-US" dirty="0" smtClean="0"/>
-              <a:t>Reduced Model:</a:t>
-            </a:r>
-            <a:endParaRPr lang="en-US" dirty="0"/>
-          </a:p>
-        </p:txBody>
-      </p:sp>
-      <p:sp>
-        <p:nvSpPr>
-          <p:cNvPr id="9" name="TextBox 8"/>
-          <p:cNvSpPr txBox="1"/>
-          <p:nvPr/>
-        </p:nvSpPr>
-        <p:spPr>
-          <a:xfrm>
-            <a:off x="1219200" y="2667000"/>
-            <a:ext cx="7010400" cy="369332"/>
-          </a:xfrm>
-          <a:prstGeom prst="rect">
-            <a:avLst/>
-          </a:prstGeom>
-          <a:noFill/>
-        </p:spPr>
-        <p:txBody>
-          <a:bodyPr wrap="square" rtlCol="0">
-            <a:spAutoFit/>
-          </a:bodyPr>
-          <a:lstStyle/>
-          <a:p>
-            <a:r>
-              <a:rPr lang="en-US" dirty="0" smtClean="0"/>
-              <a:t>F =  ( (35.97212 - 33.8603 ) / ( 125-122 )  )  /  (33.8603/122) = 2.536324</a:t>
+              <a:t>At the matrix level…  </a:t>
+            </a:r>
+            <a:r>
+              <a:rPr lang="en-US" dirty="0" smtClean="0">
+                <a:solidFill>
+                  <a:srgbClr val="FF0000"/>
+                </a:solidFill>
+              </a:rPr>
+              <a:t>the full model</a:t>
+            </a:r>
+            <a:r>
+              <a:rPr lang="en-US" dirty="0" smtClean="0"/>
+              <a:t> </a:t>
             </a:r>
             <a:endParaRPr lang="en-US" dirty="0"/>
           </a:p>
@@ -9880,7 +8335,7 @@
       </p:sp>
       <p:pic>
         <p:nvPicPr>
-          <p:cNvPr id="22530" name="Picture 2"/>
+          <p:cNvPr id="19462" name="Picture 6"/>
           <p:cNvPicPr>
             <a:picLocks noChangeAspect="1" noChangeArrowheads="1"/>
           </p:cNvPicPr>
@@ -9895,8 +8350,8 @@
         </p:blipFill>
         <p:spPr bwMode="auto">
           <a:xfrm>
-            <a:off x="561975" y="3581400"/>
-            <a:ext cx="6372225" cy="2409825"/>
+            <a:off x="137950" y="985839"/>
+            <a:ext cx="8777450" cy="3814761"/>
           </a:xfrm>
           <a:prstGeom prst="rect">
             <a:avLst/>
@@ -9910,6 +8365,905 @@
           </a:ln>
         </p:spPr>
       </p:pic>
+      <p:sp>
+        <p:nvSpPr>
+          <p:cNvPr id="15" name="TextBox 14"/>
+          <p:cNvSpPr txBox="1"/>
+          <p:nvPr/>
+        </p:nvSpPr>
+        <p:spPr>
+          <a:xfrm>
+            <a:off x="84583" y="4800600"/>
+            <a:ext cx="906017" cy="415498"/>
+          </a:xfrm>
+          <a:prstGeom prst="rect">
+            <a:avLst/>
+          </a:prstGeom>
+          <a:noFill/>
+        </p:spPr>
+        <p:txBody>
+          <a:bodyPr wrap="none" rtlCol="0">
+            <a:spAutoFit/>
+          </a:bodyPr>
+          <a:lstStyle/>
+          <a:p>
+            <a:r>
+              <a:rPr lang="en-US" sz="1050" dirty="0" smtClean="0">
+                <a:latin typeface="Courier" pitchFamily="49" charset="0"/>
+              </a:rPr>
+              <a:t>B0</a:t>
+            </a:r>
+          </a:p>
+          <a:p>
+            <a:r>
+              <a:rPr lang="en-US" sz="1050" dirty="0" smtClean="0">
+                <a:latin typeface="Courier" pitchFamily="49" charset="0"/>
+              </a:rPr>
+              <a:t>Intercept</a:t>
+            </a:r>
+            <a:endParaRPr lang="en-US" sz="1050" dirty="0">
+              <a:latin typeface="Courier" pitchFamily="49" charset="0"/>
+            </a:endParaRPr>
+          </a:p>
+        </p:txBody>
+      </p:sp>
+      <p:sp>
+        <p:nvSpPr>
+          <p:cNvPr id="16" name="TextBox 15"/>
+          <p:cNvSpPr txBox="1"/>
+          <p:nvPr/>
+        </p:nvSpPr>
+        <p:spPr>
+          <a:xfrm>
+            <a:off x="866333" y="5105400"/>
+            <a:ext cx="505267" cy="415498"/>
+          </a:xfrm>
+          <a:prstGeom prst="rect">
+            <a:avLst/>
+          </a:prstGeom>
+          <a:noFill/>
+        </p:spPr>
+        <p:txBody>
+          <a:bodyPr wrap="none" rtlCol="0">
+            <a:spAutoFit/>
+          </a:bodyPr>
+          <a:lstStyle/>
+          <a:p>
+            <a:r>
+              <a:rPr lang="en-US" sz="1050" dirty="0" smtClean="0">
+                <a:latin typeface="Courier" pitchFamily="49" charset="0"/>
+              </a:rPr>
+              <a:t>B1</a:t>
+            </a:r>
+          </a:p>
+          <a:p>
+            <a:r>
+              <a:rPr lang="en-US" sz="1050" dirty="0" smtClean="0">
+                <a:latin typeface="Courier" pitchFamily="49" charset="0"/>
+              </a:rPr>
+              <a:t>Time</a:t>
+            </a:r>
+            <a:endParaRPr lang="en-US" sz="1050" dirty="0">
+              <a:latin typeface="Courier" pitchFamily="49" charset="0"/>
+            </a:endParaRPr>
+          </a:p>
+        </p:txBody>
+      </p:sp>
+      <p:cxnSp>
+        <p:nvCxnSpPr>
+          <p:cNvPr id="18" name="Straight Connector 17"/>
+          <p:cNvCxnSpPr/>
+          <p:nvPr/>
+        </p:nvCxnSpPr>
+        <p:spPr>
+          <a:xfrm rot="5400000">
+            <a:off x="1371600" y="5181600"/>
+            <a:ext cx="609600" cy="0"/>
+          </a:xfrm>
+          <a:prstGeom prst="line">
+            <a:avLst/>
+          </a:prstGeom>
+        </p:spPr>
+        <p:style>
+          <a:lnRef idx="1">
+            <a:schemeClr val="accent1"/>
+          </a:lnRef>
+          <a:fillRef idx="0">
+            <a:schemeClr val="accent1"/>
+          </a:fillRef>
+          <a:effectRef idx="0">
+            <a:schemeClr val="accent1"/>
+          </a:effectRef>
+          <a:fontRef idx="minor">
+            <a:schemeClr val="tx1"/>
+          </a:fontRef>
+        </p:style>
+      </p:cxnSp>
+      <p:cxnSp>
+        <p:nvCxnSpPr>
+          <p:cNvPr id="20" name="Straight Connector 19"/>
+          <p:cNvCxnSpPr/>
+          <p:nvPr/>
+        </p:nvCxnSpPr>
+        <p:spPr>
+          <a:xfrm>
+            <a:off x="1676400" y="5486400"/>
+            <a:ext cx="3505200" cy="0"/>
+          </a:xfrm>
+          <a:prstGeom prst="line">
+            <a:avLst/>
+          </a:prstGeom>
+        </p:spPr>
+        <p:style>
+          <a:lnRef idx="1">
+            <a:schemeClr val="accent1"/>
+          </a:lnRef>
+          <a:fillRef idx="0">
+            <a:schemeClr val="accent1"/>
+          </a:fillRef>
+          <a:effectRef idx="0">
+            <a:schemeClr val="accent1"/>
+          </a:effectRef>
+          <a:fontRef idx="minor">
+            <a:schemeClr val="tx1"/>
+          </a:fontRef>
+        </p:style>
+      </p:cxnSp>
+      <p:cxnSp>
+        <p:nvCxnSpPr>
+          <p:cNvPr id="22" name="Straight Connector 21"/>
+          <p:cNvCxnSpPr/>
+          <p:nvPr/>
+        </p:nvCxnSpPr>
+        <p:spPr>
+          <a:xfrm rot="5400000" flipH="1" flipV="1">
+            <a:off x="4800600" y="5181600"/>
+            <a:ext cx="609600" cy="0"/>
+          </a:xfrm>
+          <a:prstGeom prst="line">
+            <a:avLst/>
+          </a:prstGeom>
+        </p:spPr>
+        <p:style>
+          <a:lnRef idx="1">
+            <a:schemeClr val="accent1"/>
+          </a:lnRef>
+          <a:fillRef idx="0">
+            <a:schemeClr val="accent1"/>
+          </a:fillRef>
+          <a:effectRef idx="0">
+            <a:schemeClr val="accent1"/>
+          </a:effectRef>
+          <a:fontRef idx="minor">
+            <a:schemeClr val="tx1"/>
+          </a:fontRef>
+        </p:style>
+      </p:cxnSp>
+      <p:sp>
+        <p:nvSpPr>
+          <p:cNvPr id="23" name="Rectangle 22"/>
+          <p:cNvSpPr/>
+          <p:nvPr/>
+        </p:nvSpPr>
+        <p:spPr>
+          <a:xfrm>
+            <a:off x="1143000" y="344269"/>
+            <a:ext cx="6705600" cy="646331"/>
+          </a:xfrm>
+          <a:prstGeom prst="rect">
+            <a:avLst/>
+          </a:prstGeom>
+        </p:spPr>
+        <p:txBody>
+          <a:bodyPr wrap="square">
+            <a:spAutoFit/>
+          </a:bodyPr>
+          <a:lstStyle/>
+          <a:p>
+            <a:r>
+              <a:rPr lang="en-US" dirty="0" err="1" smtClean="0"/>
+              <a:t>myLm</a:t>
+            </a:r>
+            <a:r>
+              <a:rPr lang="en-US" dirty="0" smtClean="0"/>
+              <a:t> &lt;- lm ( </a:t>
+            </a:r>
+            <a:r>
+              <a:rPr lang="en-US" dirty="0" err="1" smtClean="0"/>
+              <a:t>myT$LogBurk</a:t>
+            </a:r>
+            <a:r>
+              <a:rPr lang="en-US" dirty="0" smtClean="0"/>
+              <a:t> ~ </a:t>
+            </a:r>
+            <a:r>
+              <a:rPr lang="en-US" dirty="0" err="1" smtClean="0"/>
+              <a:t>myT$sampleDays</a:t>
+            </a:r>
+            <a:r>
+              <a:rPr lang="en-US" dirty="0" smtClean="0"/>
+              <a:t> * treatments, x=TRUE)</a:t>
+            </a:r>
+          </a:p>
+          <a:p>
+            <a:r>
+              <a:rPr lang="en-US" dirty="0" smtClean="0"/>
+              <a:t>edit(</a:t>
+            </a:r>
+            <a:r>
+              <a:rPr lang="en-US" dirty="0" err="1" smtClean="0"/>
+              <a:t>myLm$x</a:t>
+            </a:r>
+            <a:r>
+              <a:rPr lang="en-US" dirty="0" smtClean="0"/>
+              <a:t>)</a:t>
+            </a:r>
+            <a:endParaRPr lang="en-US" dirty="0"/>
+          </a:p>
+        </p:txBody>
+      </p:sp>
+      <p:sp>
+        <p:nvSpPr>
+          <p:cNvPr id="24" name="TextBox 23"/>
+          <p:cNvSpPr txBox="1"/>
+          <p:nvPr/>
+        </p:nvSpPr>
+        <p:spPr>
+          <a:xfrm>
+            <a:off x="1676400" y="5486400"/>
+            <a:ext cx="5257800" cy="307777"/>
+          </a:xfrm>
+          <a:prstGeom prst="rect">
+            <a:avLst/>
+          </a:prstGeom>
+          <a:noFill/>
+        </p:spPr>
+        <p:txBody>
+          <a:bodyPr wrap="square" rtlCol="0">
+            <a:spAutoFit/>
+          </a:bodyPr>
+          <a:lstStyle/>
+          <a:p>
+            <a:r>
+              <a:rPr lang="en-US" sz="1400" dirty="0" smtClean="0"/>
+              <a:t>“Dummy variables” controlling intercept values</a:t>
+            </a:r>
+            <a:endParaRPr lang="en-US" sz="1400" dirty="0"/>
+          </a:p>
+        </p:txBody>
+      </p:sp>
+      <p:sp>
+        <p:nvSpPr>
+          <p:cNvPr id="25" name="TextBox 24"/>
+          <p:cNvSpPr txBox="1"/>
+          <p:nvPr/>
+        </p:nvSpPr>
+        <p:spPr>
+          <a:xfrm>
+            <a:off x="1859280" y="4724400"/>
+            <a:ext cx="344966" cy="253916"/>
+          </a:xfrm>
+          <a:prstGeom prst="rect">
+            <a:avLst/>
+          </a:prstGeom>
+          <a:noFill/>
+        </p:spPr>
+        <p:txBody>
+          <a:bodyPr wrap="none" rtlCol="0">
+            <a:spAutoFit/>
+          </a:bodyPr>
+          <a:lstStyle/>
+          <a:p>
+            <a:r>
+              <a:rPr lang="en-US" sz="1050" dirty="0" smtClean="0">
+                <a:latin typeface="Courier" pitchFamily="49" charset="0"/>
+              </a:rPr>
+              <a:t>B2</a:t>
+            </a:r>
+            <a:endParaRPr lang="en-US" sz="1050" dirty="0">
+              <a:latin typeface="Courier" pitchFamily="49" charset="0"/>
+            </a:endParaRPr>
+          </a:p>
+        </p:txBody>
+      </p:sp>
+      <p:sp>
+        <p:nvSpPr>
+          <p:cNvPr id="26" name="TextBox 25"/>
+          <p:cNvSpPr txBox="1"/>
+          <p:nvPr/>
+        </p:nvSpPr>
+        <p:spPr>
+          <a:xfrm>
+            <a:off x="3383280" y="4724400"/>
+            <a:ext cx="344966" cy="253916"/>
+          </a:xfrm>
+          <a:prstGeom prst="rect">
+            <a:avLst/>
+          </a:prstGeom>
+          <a:noFill/>
+        </p:spPr>
+        <p:txBody>
+          <a:bodyPr wrap="none" rtlCol="0">
+            <a:spAutoFit/>
+          </a:bodyPr>
+          <a:lstStyle/>
+          <a:p>
+            <a:r>
+              <a:rPr lang="en-US" sz="1050" dirty="0" smtClean="0">
+                <a:latin typeface="Courier" pitchFamily="49" charset="0"/>
+              </a:rPr>
+              <a:t>B3</a:t>
+            </a:r>
+            <a:endParaRPr lang="en-US" sz="1050" dirty="0">
+              <a:latin typeface="Courier" pitchFamily="49" charset="0"/>
+            </a:endParaRPr>
+          </a:p>
+        </p:txBody>
+      </p:sp>
+      <p:sp>
+        <p:nvSpPr>
+          <p:cNvPr id="27" name="TextBox 26"/>
+          <p:cNvSpPr txBox="1"/>
+          <p:nvPr/>
+        </p:nvSpPr>
+        <p:spPr>
+          <a:xfrm>
+            <a:off x="4373880" y="4724400"/>
+            <a:ext cx="344966" cy="253916"/>
+          </a:xfrm>
+          <a:prstGeom prst="rect">
+            <a:avLst/>
+          </a:prstGeom>
+          <a:noFill/>
+        </p:spPr>
+        <p:txBody>
+          <a:bodyPr wrap="none" rtlCol="0">
+            <a:spAutoFit/>
+          </a:bodyPr>
+          <a:lstStyle/>
+          <a:p>
+            <a:r>
+              <a:rPr lang="en-US" sz="1050" dirty="0" smtClean="0">
+                <a:latin typeface="Courier" pitchFamily="49" charset="0"/>
+              </a:rPr>
+              <a:t>B4</a:t>
+            </a:r>
+            <a:endParaRPr lang="en-US" sz="1050" dirty="0">
+              <a:latin typeface="Courier" pitchFamily="49" charset="0"/>
+            </a:endParaRPr>
+          </a:p>
+        </p:txBody>
+      </p:sp>
+      <p:sp>
+        <p:nvSpPr>
+          <p:cNvPr id="28" name="TextBox 27"/>
+          <p:cNvSpPr txBox="1"/>
+          <p:nvPr/>
+        </p:nvSpPr>
+        <p:spPr>
+          <a:xfrm>
+            <a:off x="1600200" y="4978442"/>
+            <a:ext cx="1386918" cy="253916"/>
+          </a:xfrm>
+          <a:prstGeom prst="rect">
+            <a:avLst/>
+          </a:prstGeom>
+          <a:noFill/>
+        </p:spPr>
+        <p:txBody>
+          <a:bodyPr wrap="none" rtlCol="0">
+            <a:spAutoFit/>
+          </a:bodyPr>
+          <a:lstStyle/>
+          <a:p>
+            <a:pPr algn="ctr"/>
+            <a:r>
+              <a:rPr lang="en-US" sz="1050" dirty="0" err="1" smtClean="0">
+                <a:latin typeface="Courier" pitchFamily="49" charset="0"/>
+              </a:rPr>
+              <a:t>beforeTreatment</a:t>
+            </a:r>
+            <a:endParaRPr lang="en-US" sz="1050" dirty="0">
+              <a:latin typeface="Courier" pitchFamily="49" charset="0"/>
+            </a:endParaRPr>
+          </a:p>
+        </p:txBody>
+      </p:sp>
+      <p:sp>
+        <p:nvSpPr>
+          <p:cNvPr id="30" name="TextBox 29"/>
+          <p:cNvSpPr txBox="1"/>
+          <p:nvPr/>
+        </p:nvSpPr>
+        <p:spPr>
+          <a:xfrm>
+            <a:off x="3136533" y="4978442"/>
+            <a:ext cx="825867" cy="253916"/>
+          </a:xfrm>
+          <a:prstGeom prst="rect">
+            <a:avLst/>
+          </a:prstGeom>
+          <a:noFill/>
+        </p:spPr>
+        <p:txBody>
+          <a:bodyPr wrap="none" rtlCol="0">
+            <a:spAutoFit/>
+          </a:bodyPr>
+          <a:lstStyle/>
+          <a:p>
+            <a:pPr algn="ctr"/>
+            <a:r>
+              <a:rPr lang="en-US" sz="1050" dirty="0" smtClean="0">
+                <a:latin typeface="Courier" pitchFamily="49" charset="0"/>
+              </a:rPr>
+              <a:t>Recovery</a:t>
+            </a:r>
+            <a:endParaRPr lang="en-US" sz="1050" dirty="0">
+              <a:latin typeface="Courier" pitchFamily="49" charset="0"/>
+            </a:endParaRPr>
+          </a:p>
+        </p:txBody>
+      </p:sp>
+      <p:sp>
+        <p:nvSpPr>
+          <p:cNvPr id="31" name="TextBox 30"/>
+          <p:cNvSpPr txBox="1"/>
+          <p:nvPr/>
+        </p:nvSpPr>
+        <p:spPr>
+          <a:xfrm>
+            <a:off x="4127133" y="4978442"/>
+            <a:ext cx="906017" cy="253916"/>
+          </a:xfrm>
+          <a:prstGeom prst="rect">
+            <a:avLst/>
+          </a:prstGeom>
+          <a:noFill/>
+        </p:spPr>
+        <p:txBody>
+          <a:bodyPr wrap="none" rtlCol="0">
+            <a:spAutoFit/>
+          </a:bodyPr>
+          <a:lstStyle/>
+          <a:p>
+            <a:pPr algn="ctr"/>
+            <a:r>
+              <a:rPr lang="en-US" sz="1050" dirty="0" smtClean="0">
+                <a:latin typeface="Courier" pitchFamily="49" charset="0"/>
+              </a:rPr>
+              <a:t>Treatment</a:t>
+            </a:r>
+            <a:endParaRPr lang="en-US" sz="1050" dirty="0">
+              <a:latin typeface="Courier" pitchFamily="49" charset="0"/>
+            </a:endParaRPr>
+          </a:p>
+        </p:txBody>
+      </p:sp>
+      <p:cxnSp>
+        <p:nvCxnSpPr>
+          <p:cNvPr id="32" name="Straight Connector 31"/>
+          <p:cNvCxnSpPr/>
+          <p:nvPr/>
+        </p:nvCxnSpPr>
+        <p:spPr>
+          <a:xfrm rot="5400000">
+            <a:off x="5181600" y="5178623"/>
+            <a:ext cx="609600" cy="0"/>
+          </a:xfrm>
+          <a:prstGeom prst="line">
+            <a:avLst/>
+          </a:prstGeom>
+        </p:spPr>
+        <p:style>
+          <a:lnRef idx="1">
+            <a:schemeClr val="accent1"/>
+          </a:lnRef>
+          <a:fillRef idx="0">
+            <a:schemeClr val="accent1"/>
+          </a:fillRef>
+          <a:effectRef idx="0">
+            <a:schemeClr val="accent1"/>
+          </a:effectRef>
+          <a:fontRef idx="minor">
+            <a:schemeClr val="tx1"/>
+          </a:fontRef>
+        </p:style>
+      </p:cxnSp>
+      <p:cxnSp>
+        <p:nvCxnSpPr>
+          <p:cNvPr id="33" name="Straight Connector 32"/>
+          <p:cNvCxnSpPr/>
+          <p:nvPr/>
+        </p:nvCxnSpPr>
+        <p:spPr>
+          <a:xfrm>
+            <a:off x="5486400" y="5483423"/>
+            <a:ext cx="3505200" cy="0"/>
+          </a:xfrm>
+          <a:prstGeom prst="line">
+            <a:avLst/>
+          </a:prstGeom>
+        </p:spPr>
+        <p:style>
+          <a:lnRef idx="1">
+            <a:schemeClr val="accent1"/>
+          </a:lnRef>
+          <a:fillRef idx="0">
+            <a:schemeClr val="accent1"/>
+          </a:fillRef>
+          <a:effectRef idx="0">
+            <a:schemeClr val="accent1"/>
+          </a:effectRef>
+          <a:fontRef idx="minor">
+            <a:schemeClr val="tx1"/>
+          </a:fontRef>
+        </p:style>
+      </p:cxnSp>
+      <p:cxnSp>
+        <p:nvCxnSpPr>
+          <p:cNvPr id="34" name="Straight Connector 33"/>
+          <p:cNvCxnSpPr/>
+          <p:nvPr/>
+        </p:nvCxnSpPr>
+        <p:spPr>
+          <a:xfrm rot="5400000" flipH="1" flipV="1">
+            <a:off x="8610600" y="5178623"/>
+            <a:ext cx="609600" cy="0"/>
+          </a:xfrm>
+          <a:prstGeom prst="line">
+            <a:avLst/>
+          </a:prstGeom>
+        </p:spPr>
+        <p:style>
+          <a:lnRef idx="1">
+            <a:schemeClr val="accent1"/>
+          </a:lnRef>
+          <a:fillRef idx="0">
+            <a:schemeClr val="accent1"/>
+          </a:fillRef>
+          <a:effectRef idx="0">
+            <a:schemeClr val="accent1"/>
+          </a:effectRef>
+          <a:fontRef idx="minor">
+            <a:schemeClr val="tx1"/>
+          </a:fontRef>
+        </p:style>
+      </p:cxnSp>
+      <p:sp>
+        <p:nvSpPr>
+          <p:cNvPr id="35" name="TextBox 34"/>
+          <p:cNvSpPr txBox="1"/>
+          <p:nvPr/>
+        </p:nvSpPr>
+        <p:spPr>
+          <a:xfrm>
+            <a:off x="5486400" y="5483423"/>
+            <a:ext cx="5257800" cy="307777"/>
+          </a:xfrm>
+          <a:prstGeom prst="rect">
+            <a:avLst/>
+          </a:prstGeom>
+          <a:noFill/>
+        </p:spPr>
+        <p:txBody>
+          <a:bodyPr wrap="square" rtlCol="0">
+            <a:spAutoFit/>
+          </a:bodyPr>
+          <a:lstStyle/>
+          <a:p>
+            <a:r>
+              <a:rPr lang="en-US" sz="1400" dirty="0" smtClean="0"/>
+              <a:t>“Dummy variables” controlling slope values</a:t>
+            </a:r>
+            <a:endParaRPr lang="en-US" sz="1400" dirty="0"/>
+          </a:p>
+        </p:txBody>
+      </p:sp>
+      <p:sp>
+        <p:nvSpPr>
+          <p:cNvPr id="36" name="TextBox 35"/>
+          <p:cNvSpPr txBox="1"/>
+          <p:nvPr/>
+        </p:nvSpPr>
+        <p:spPr>
+          <a:xfrm>
+            <a:off x="5669280" y="4721423"/>
+            <a:ext cx="344966" cy="253916"/>
+          </a:xfrm>
+          <a:prstGeom prst="rect">
+            <a:avLst/>
+          </a:prstGeom>
+          <a:noFill/>
+        </p:spPr>
+        <p:txBody>
+          <a:bodyPr wrap="none" rtlCol="0">
+            <a:spAutoFit/>
+          </a:bodyPr>
+          <a:lstStyle/>
+          <a:p>
+            <a:r>
+              <a:rPr lang="en-US" sz="1050" dirty="0" smtClean="0">
+                <a:latin typeface="Courier" pitchFamily="49" charset="0"/>
+              </a:rPr>
+              <a:t>B5</a:t>
+            </a:r>
+            <a:endParaRPr lang="en-US" sz="1050" dirty="0">
+              <a:latin typeface="Courier" pitchFamily="49" charset="0"/>
+            </a:endParaRPr>
+          </a:p>
+        </p:txBody>
+      </p:sp>
+      <p:sp>
+        <p:nvSpPr>
+          <p:cNvPr id="37" name="TextBox 36"/>
+          <p:cNvSpPr txBox="1"/>
+          <p:nvPr/>
+        </p:nvSpPr>
+        <p:spPr>
+          <a:xfrm>
+            <a:off x="7574280" y="4721423"/>
+            <a:ext cx="344966" cy="253916"/>
+          </a:xfrm>
+          <a:prstGeom prst="rect">
+            <a:avLst/>
+          </a:prstGeom>
+          <a:noFill/>
+        </p:spPr>
+        <p:txBody>
+          <a:bodyPr wrap="none" rtlCol="0">
+            <a:spAutoFit/>
+          </a:bodyPr>
+          <a:lstStyle/>
+          <a:p>
+            <a:r>
+              <a:rPr lang="en-US" sz="1050" dirty="0" smtClean="0">
+                <a:latin typeface="Courier" pitchFamily="49" charset="0"/>
+              </a:rPr>
+              <a:t>B6</a:t>
+            </a:r>
+            <a:endParaRPr lang="en-US" sz="1050" dirty="0">
+              <a:latin typeface="Courier" pitchFamily="49" charset="0"/>
+            </a:endParaRPr>
+          </a:p>
+        </p:txBody>
+      </p:sp>
+      <p:sp>
+        <p:nvSpPr>
+          <p:cNvPr id="38" name="TextBox 37"/>
+          <p:cNvSpPr txBox="1"/>
+          <p:nvPr/>
+        </p:nvSpPr>
+        <p:spPr>
+          <a:xfrm>
+            <a:off x="8323947" y="4721423"/>
+            <a:ext cx="344966" cy="253916"/>
+          </a:xfrm>
+          <a:prstGeom prst="rect">
+            <a:avLst/>
+          </a:prstGeom>
+          <a:noFill/>
+        </p:spPr>
+        <p:txBody>
+          <a:bodyPr wrap="none" rtlCol="0">
+            <a:spAutoFit/>
+          </a:bodyPr>
+          <a:lstStyle/>
+          <a:p>
+            <a:r>
+              <a:rPr lang="en-US" sz="1050" dirty="0" smtClean="0">
+                <a:latin typeface="Courier" pitchFamily="49" charset="0"/>
+              </a:rPr>
+              <a:t>B7</a:t>
+            </a:r>
+            <a:endParaRPr lang="en-US" sz="1050" dirty="0">
+              <a:latin typeface="Courier" pitchFamily="49" charset="0"/>
+            </a:endParaRPr>
+          </a:p>
+        </p:txBody>
+      </p:sp>
+      <p:sp>
+        <p:nvSpPr>
+          <p:cNvPr id="39" name="TextBox 38"/>
+          <p:cNvSpPr txBox="1"/>
+          <p:nvPr/>
+        </p:nvSpPr>
+        <p:spPr>
+          <a:xfrm>
+            <a:off x="5410200" y="4975465"/>
+            <a:ext cx="1386918" cy="415498"/>
+          </a:xfrm>
+          <a:prstGeom prst="rect">
+            <a:avLst/>
+          </a:prstGeom>
+          <a:noFill/>
+        </p:spPr>
+        <p:txBody>
+          <a:bodyPr wrap="none" rtlCol="0">
+            <a:spAutoFit/>
+          </a:bodyPr>
+          <a:lstStyle/>
+          <a:p>
+            <a:pPr algn="ctr"/>
+            <a:r>
+              <a:rPr lang="en-US" sz="1050" dirty="0" err="1" smtClean="0">
+                <a:latin typeface="Courier" pitchFamily="49" charset="0"/>
+              </a:rPr>
+              <a:t>beforeTreatment</a:t>
+            </a:r>
+            <a:endParaRPr lang="en-US" sz="1050" dirty="0" smtClean="0">
+              <a:latin typeface="Courier" pitchFamily="49" charset="0"/>
+            </a:endParaRPr>
+          </a:p>
+          <a:p>
+            <a:pPr algn="ctr"/>
+            <a:r>
+              <a:rPr lang="en-US" sz="1050" dirty="0" smtClean="0">
+                <a:latin typeface="Courier" pitchFamily="49" charset="0"/>
+              </a:rPr>
+              <a:t>*study days</a:t>
+            </a:r>
+            <a:endParaRPr lang="en-US" sz="1050" dirty="0">
+              <a:latin typeface="Courier" pitchFamily="49" charset="0"/>
+            </a:endParaRPr>
+          </a:p>
+        </p:txBody>
+      </p:sp>
+      <p:sp>
+        <p:nvSpPr>
+          <p:cNvPr id="40" name="TextBox 39"/>
+          <p:cNvSpPr txBox="1"/>
+          <p:nvPr/>
+        </p:nvSpPr>
+        <p:spPr>
+          <a:xfrm>
+            <a:off x="7087082" y="4975465"/>
+            <a:ext cx="1066318" cy="415498"/>
+          </a:xfrm>
+          <a:prstGeom prst="rect">
+            <a:avLst/>
+          </a:prstGeom>
+          <a:noFill/>
+        </p:spPr>
+        <p:txBody>
+          <a:bodyPr wrap="none" rtlCol="0">
+            <a:spAutoFit/>
+          </a:bodyPr>
+          <a:lstStyle/>
+          <a:p>
+            <a:pPr algn="ctr"/>
+            <a:r>
+              <a:rPr lang="en-US" sz="1050" dirty="0" smtClean="0">
+                <a:latin typeface="Courier" pitchFamily="49" charset="0"/>
+              </a:rPr>
+              <a:t>Recovery</a:t>
+            </a:r>
+          </a:p>
+          <a:p>
+            <a:pPr algn="ctr"/>
+            <a:r>
+              <a:rPr lang="en-US" sz="1050" dirty="0" smtClean="0">
+                <a:latin typeface="Courier" pitchFamily="49" charset="0"/>
+              </a:rPr>
+              <a:t>*study days</a:t>
+            </a:r>
+            <a:endParaRPr lang="en-US" sz="1050" dirty="0">
+              <a:latin typeface="Courier" pitchFamily="49" charset="0"/>
+            </a:endParaRPr>
+          </a:p>
+        </p:txBody>
+      </p:sp>
+      <p:sp>
+        <p:nvSpPr>
+          <p:cNvPr id="41" name="TextBox 40"/>
+          <p:cNvSpPr txBox="1"/>
+          <p:nvPr/>
+        </p:nvSpPr>
+        <p:spPr>
+          <a:xfrm>
+            <a:off x="8077681" y="4975465"/>
+            <a:ext cx="1066319" cy="415498"/>
+          </a:xfrm>
+          <a:prstGeom prst="rect">
+            <a:avLst/>
+          </a:prstGeom>
+          <a:noFill/>
+        </p:spPr>
+        <p:txBody>
+          <a:bodyPr wrap="none" rtlCol="0">
+            <a:spAutoFit/>
+          </a:bodyPr>
+          <a:lstStyle/>
+          <a:p>
+            <a:pPr algn="ctr"/>
+            <a:r>
+              <a:rPr lang="en-US" sz="1050" dirty="0" smtClean="0">
+                <a:latin typeface="Courier" pitchFamily="49" charset="0"/>
+              </a:rPr>
+              <a:t>Treatment</a:t>
+            </a:r>
+          </a:p>
+          <a:p>
+            <a:pPr algn="ctr"/>
+            <a:r>
+              <a:rPr lang="en-US" sz="1050" dirty="0" smtClean="0">
+                <a:latin typeface="Courier" pitchFamily="49" charset="0"/>
+              </a:rPr>
+              <a:t>*study days</a:t>
+            </a:r>
+            <a:endParaRPr lang="en-US" sz="1050" dirty="0">
+              <a:latin typeface="Courier" pitchFamily="49" charset="0"/>
+            </a:endParaRPr>
+          </a:p>
+        </p:txBody>
+      </p:sp>
+      <p:pic>
+        <p:nvPicPr>
+          <p:cNvPr id="42" name="Picture 2"/>
+          <p:cNvPicPr>
+            <a:picLocks noChangeAspect="1" noChangeArrowheads="1"/>
+          </p:cNvPicPr>
+          <p:nvPr/>
+        </p:nvPicPr>
+        <p:blipFill>
+          <a:blip r:embed="rId3" cstate="print"/>
+          <a:srcRect/>
+          <a:stretch>
+            <a:fillRect/>
+          </a:stretch>
+        </p:blipFill>
+        <p:spPr bwMode="auto">
+          <a:xfrm>
+            <a:off x="457200" y="6296025"/>
+            <a:ext cx="2009775" cy="485775"/>
+          </a:xfrm>
+          <a:prstGeom prst="rect">
+            <a:avLst/>
+          </a:prstGeom>
+          <a:noFill/>
+          <a:ln w="9525">
+            <a:noFill/>
+            <a:miter lim="800000"/>
+            <a:headEnd/>
+            <a:tailEnd/>
+          </a:ln>
+        </p:spPr>
+      </p:pic>
+      <p:sp>
+        <p:nvSpPr>
+          <p:cNvPr id="43" name="TextBox 42"/>
+          <p:cNvSpPr txBox="1"/>
+          <p:nvPr/>
+        </p:nvSpPr>
+        <p:spPr>
+          <a:xfrm>
+            <a:off x="3354217" y="6135469"/>
+            <a:ext cx="4265783" cy="646331"/>
+          </a:xfrm>
+          <a:prstGeom prst="rect">
+            <a:avLst/>
+          </a:prstGeom>
+          <a:noFill/>
+        </p:spPr>
+        <p:txBody>
+          <a:bodyPr wrap="none" rtlCol="0">
+            <a:spAutoFit/>
+          </a:bodyPr>
+          <a:lstStyle/>
+          <a:p>
+            <a:r>
+              <a:rPr lang="en-US" dirty="0" smtClean="0"/>
+              <a:t>Error is 33.8603 on 122 degrees of freedom</a:t>
+            </a:r>
+          </a:p>
+          <a:p>
+            <a:r>
+              <a:rPr lang="en-US" dirty="0" smtClean="0"/>
+              <a:t>(n=130 – 8 parameters)</a:t>
+            </a:r>
+            <a:endParaRPr lang="en-US" dirty="0"/>
+          </a:p>
+        </p:txBody>
+      </p:sp>
     </p:spTree>
   </p:cSld>
   <p:clrMapOvr>
@@ -9935,9 +9289,69 @@
           <a:chExt cx="0" cy="0"/>
         </a:xfrm>
       </p:grpSpPr>
+      <p:sp>
+        <p:nvSpPr>
+          <p:cNvPr id="4" name="TextBox 3"/>
+          <p:cNvSpPr txBox="1"/>
+          <p:nvPr/>
+        </p:nvSpPr>
+        <p:spPr>
+          <a:xfrm>
+            <a:off x="609600" y="533400"/>
+            <a:ext cx="2069990" cy="1477328"/>
+          </a:xfrm>
+          <a:prstGeom prst="rect">
+            <a:avLst/>
+          </a:prstGeom>
+          <a:noFill/>
+        </p:spPr>
+        <p:txBody>
+          <a:bodyPr wrap="none" rtlCol="0">
+            <a:spAutoFit/>
+          </a:bodyPr>
+          <a:lstStyle/>
+          <a:p>
+            <a:r>
+              <a:rPr lang="en-US" dirty="0" smtClean="0"/>
+              <a:t>The </a:t>
+            </a:r>
+            <a:r>
+              <a:rPr lang="en-US" dirty="0" smtClean="0">
+                <a:solidFill>
+                  <a:srgbClr val="FF0000"/>
+                </a:solidFill>
+              </a:rPr>
+              <a:t>reduced</a:t>
+            </a:r>
+            <a:r>
+              <a:rPr lang="en-US" dirty="0" smtClean="0"/>
+              <a:t> model:</a:t>
+            </a:r>
+          </a:p>
+          <a:p>
+            <a:endParaRPr lang="en-US" dirty="0" smtClean="0"/>
+          </a:p>
+          <a:p>
+            <a:r>
+              <a:rPr lang="en-US" dirty="0" smtClean="0"/>
+              <a:t>	</a:t>
+            </a:r>
+          </a:p>
+          <a:p>
+            <a:endParaRPr lang="en-US" dirty="0" smtClean="0"/>
+          </a:p>
+          <a:p>
+            <a:r>
+              <a:rPr lang="en-US" dirty="0" smtClean="0"/>
+              <a:t>	</a:t>
+            </a:r>
+            <a:endParaRPr lang="en-US" dirty="0"/>
+          </a:p>
+        </p:txBody>
+      </p:sp>
       <p:pic>
         <p:nvPicPr>
-          <p:cNvPr id="4" name="Picture 2"/>
+          <p:cNvPr id="20482" name="Picture 2"/>
           <p:cNvPicPr>
             <a:picLocks noChangeAspect="1" noChangeArrowheads="1"/>
           </p:cNvPicPr>
@@ -9952,8 +9366,8 @@
         </p:blipFill>
         <p:spPr bwMode="auto">
           <a:xfrm>
-            <a:off x="714375" y="762000"/>
-            <a:ext cx="6372225" cy="2409825"/>
+            <a:off x="304800" y="990600"/>
+            <a:ext cx="8514393" cy="4176712"/>
           </a:xfrm>
           <a:prstGeom prst="rect">
             <a:avLst/>
@@ -9969,37 +9383,388 @@
       </p:pic>
       <p:sp>
         <p:nvSpPr>
-          <p:cNvPr id="5" name="TextBox 4"/>
+          <p:cNvPr id="6" name="TextBox 5"/>
           <p:cNvSpPr txBox="1"/>
           <p:nvPr/>
         </p:nvSpPr>
         <p:spPr>
           <a:xfrm>
-            <a:off x="533400" y="76200"/>
-            <a:ext cx="7315200" cy="646331"/>
-          </a:xfrm>
-          <a:prstGeom prst="rect">
-            <a:avLst/>
-          </a:prstGeom>
-          <a:noFill/>
-        </p:spPr>
-        <p:txBody>
-          <a:bodyPr wrap="square" rtlCol="0">
-            <a:spAutoFit/>
-          </a:bodyPr>
-          <a:lstStyle/>
-          <a:p>
-            <a:r>
-              <a:rPr lang="en-US" dirty="0" smtClean="0"/>
-              <a:t>At a p=0.05 threshold, the extra parameters for slope don’t reduce a significant amount of variance…</a:t>
-            </a:r>
-            <a:endParaRPr lang="en-US" dirty="0"/>
+            <a:off x="1379983" y="5181600"/>
+            <a:ext cx="906017" cy="415498"/>
+          </a:xfrm>
+          <a:prstGeom prst="rect">
+            <a:avLst/>
+          </a:prstGeom>
+          <a:noFill/>
+        </p:spPr>
+        <p:txBody>
+          <a:bodyPr wrap="none" rtlCol="0">
+            <a:spAutoFit/>
+          </a:bodyPr>
+          <a:lstStyle/>
+          <a:p>
+            <a:r>
+              <a:rPr lang="en-US" sz="1050" dirty="0" smtClean="0">
+                <a:latin typeface="Courier" pitchFamily="49" charset="0"/>
+              </a:rPr>
+              <a:t>B0</a:t>
+            </a:r>
+          </a:p>
+          <a:p>
+            <a:r>
+              <a:rPr lang="en-US" sz="1050" dirty="0" smtClean="0">
+                <a:latin typeface="Courier" pitchFamily="49" charset="0"/>
+              </a:rPr>
+              <a:t>Intercept</a:t>
+            </a:r>
+            <a:endParaRPr lang="en-US" sz="1050" dirty="0">
+              <a:latin typeface="Courier" pitchFamily="49" charset="0"/>
+            </a:endParaRPr>
+          </a:p>
+        </p:txBody>
+      </p:sp>
+      <p:sp>
+        <p:nvSpPr>
+          <p:cNvPr id="7" name="TextBox 6"/>
+          <p:cNvSpPr txBox="1"/>
+          <p:nvPr/>
+        </p:nvSpPr>
+        <p:spPr>
+          <a:xfrm>
+            <a:off x="2161733" y="5486400"/>
+            <a:ext cx="505267" cy="415498"/>
+          </a:xfrm>
+          <a:prstGeom prst="rect">
+            <a:avLst/>
+          </a:prstGeom>
+          <a:noFill/>
+        </p:spPr>
+        <p:txBody>
+          <a:bodyPr wrap="none" rtlCol="0">
+            <a:spAutoFit/>
+          </a:bodyPr>
+          <a:lstStyle/>
+          <a:p>
+            <a:r>
+              <a:rPr lang="en-US" sz="1050" dirty="0" smtClean="0">
+                <a:latin typeface="Courier" pitchFamily="49" charset="0"/>
+              </a:rPr>
+              <a:t>B1</a:t>
+            </a:r>
+          </a:p>
+          <a:p>
+            <a:r>
+              <a:rPr lang="en-US" sz="1050" dirty="0" smtClean="0">
+                <a:latin typeface="Courier" pitchFamily="49" charset="0"/>
+              </a:rPr>
+              <a:t>Time</a:t>
+            </a:r>
+            <a:endParaRPr lang="en-US" sz="1050" dirty="0">
+              <a:latin typeface="Courier" pitchFamily="49" charset="0"/>
+            </a:endParaRPr>
+          </a:p>
+        </p:txBody>
+      </p:sp>
+      <p:cxnSp>
+        <p:nvCxnSpPr>
+          <p:cNvPr id="8" name="Straight Connector 7"/>
+          <p:cNvCxnSpPr/>
+          <p:nvPr/>
+        </p:nvCxnSpPr>
+        <p:spPr>
+          <a:xfrm rot="5400000">
+            <a:off x="2667000" y="5562600"/>
+            <a:ext cx="609600" cy="0"/>
+          </a:xfrm>
+          <a:prstGeom prst="line">
+            <a:avLst/>
+          </a:prstGeom>
+        </p:spPr>
+        <p:style>
+          <a:lnRef idx="1">
+            <a:schemeClr val="accent1"/>
+          </a:lnRef>
+          <a:fillRef idx="0">
+            <a:schemeClr val="accent1"/>
+          </a:fillRef>
+          <a:effectRef idx="0">
+            <a:schemeClr val="accent1"/>
+          </a:effectRef>
+          <a:fontRef idx="minor">
+            <a:schemeClr val="tx1"/>
+          </a:fontRef>
+        </p:style>
+      </p:cxnSp>
+      <p:cxnSp>
+        <p:nvCxnSpPr>
+          <p:cNvPr id="9" name="Straight Connector 8"/>
+          <p:cNvCxnSpPr/>
+          <p:nvPr/>
+        </p:nvCxnSpPr>
+        <p:spPr>
+          <a:xfrm>
+            <a:off x="2971800" y="5867400"/>
+            <a:ext cx="5181600" cy="0"/>
+          </a:xfrm>
+          <a:prstGeom prst="line">
+            <a:avLst/>
+          </a:prstGeom>
+        </p:spPr>
+        <p:style>
+          <a:lnRef idx="1">
+            <a:schemeClr val="accent1"/>
+          </a:lnRef>
+          <a:fillRef idx="0">
+            <a:schemeClr val="accent1"/>
+          </a:fillRef>
+          <a:effectRef idx="0">
+            <a:schemeClr val="accent1"/>
+          </a:effectRef>
+          <a:fontRef idx="minor">
+            <a:schemeClr val="tx1"/>
+          </a:fontRef>
+        </p:style>
+      </p:cxnSp>
+      <p:cxnSp>
+        <p:nvCxnSpPr>
+          <p:cNvPr id="10" name="Straight Connector 9"/>
+          <p:cNvCxnSpPr/>
+          <p:nvPr/>
+        </p:nvCxnSpPr>
+        <p:spPr>
+          <a:xfrm rot="5400000" flipH="1" flipV="1">
+            <a:off x="7848599" y="5562600"/>
+            <a:ext cx="609600" cy="0"/>
+          </a:xfrm>
+          <a:prstGeom prst="line">
+            <a:avLst/>
+          </a:prstGeom>
+        </p:spPr>
+        <p:style>
+          <a:lnRef idx="1">
+            <a:schemeClr val="accent1"/>
+          </a:lnRef>
+          <a:fillRef idx="0">
+            <a:schemeClr val="accent1"/>
+          </a:fillRef>
+          <a:effectRef idx="0">
+            <a:schemeClr val="accent1"/>
+          </a:effectRef>
+          <a:fontRef idx="minor">
+            <a:schemeClr val="tx1"/>
+          </a:fontRef>
+        </p:style>
+      </p:cxnSp>
+      <p:sp>
+        <p:nvSpPr>
+          <p:cNvPr id="11" name="TextBox 10"/>
+          <p:cNvSpPr txBox="1"/>
+          <p:nvPr/>
+        </p:nvSpPr>
+        <p:spPr>
+          <a:xfrm>
+            <a:off x="3154680" y="5105400"/>
+            <a:ext cx="344966" cy="253916"/>
+          </a:xfrm>
+          <a:prstGeom prst="rect">
+            <a:avLst/>
+          </a:prstGeom>
+          <a:noFill/>
+        </p:spPr>
+        <p:txBody>
+          <a:bodyPr wrap="none" rtlCol="0">
+            <a:spAutoFit/>
+          </a:bodyPr>
+          <a:lstStyle/>
+          <a:p>
+            <a:r>
+              <a:rPr lang="en-US" sz="1050" dirty="0" smtClean="0">
+                <a:latin typeface="Courier" pitchFamily="49" charset="0"/>
+              </a:rPr>
+              <a:t>B2</a:t>
+            </a:r>
+            <a:endParaRPr lang="en-US" sz="1050" dirty="0">
+              <a:latin typeface="Courier" pitchFamily="49" charset="0"/>
+            </a:endParaRPr>
+          </a:p>
+        </p:txBody>
+      </p:sp>
+      <p:sp>
+        <p:nvSpPr>
+          <p:cNvPr id="12" name="TextBox 11"/>
+          <p:cNvSpPr txBox="1"/>
+          <p:nvPr/>
+        </p:nvSpPr>
+        <p:spPr>
+          <a:xfrm>
+            <a:off x="5656947" y="5105400"/>
+            <a:ext cx="344966" cy="253916"/>
+          </a:xfrm>
+          <a:prstGeom prst="rect">
+            <a:avLst/>
+          </a:prstGeom>
+          <a:noFill/>
+        </p:spPr>
+        <p:txBody>
+          <a:bodyPr wrap="none" rtlCol="0">
+            <a:spAutoFit/>
+          </a:bodyPr>
+          <a:lstStyle/>
+          <a:p>
+            <a:r>
+              <a:rPr lang="en-US" sz="1050" dirty="0" smtClean="0">
+                <a:latin typeface="Courier" pitchFamily="49" charset="0"/>
+              </a:rPr>
+              <a:t>B3</a:t>
+            </a:r>
+            <a:endParaRPr lang="en-US" sz="1050" dirty="0">
+              <a:latin typeface="Courier" pitchFamily="49" charset="0"/>
+            </a:endParaRPr>
+          </a:p>
+        </p:txBody>
+      </p:sp>
+      <p:sp>
+        <p:nvSpPr>
+          <p:cNvPr id="13" name="TextBox 12"/>
+          <p:cNvSpPr txBox="1"/>
+          <p:nvPr/>
+        </p:nvSpPr>
+        <p:spPr>
+          <a:xfrm>
+            <a:off x="7265530" y="5105400"/>
+            <a:ext cx="344966" cy="253916"/>
+          </a:xfrm>
+          <a:prstGeom prst="rect">
+            <a:avLst/>
+          </a:prstGeom>
+          <a:noFill/>
+        </p:spPr>
+        <p:txBody>
+          <a:bodyPr wrap="none" rtlCol="0">
+            <a:spAutoFit/>
+          </a:bodyPr>
+          <a:lstStyle/>
+          <a:p>
+            <a:r>
+              <a:rPr lang="en-US" sz="1050" dirty="0" smtClean="0">
+                <a:latin typeface="Courier" pitchFamily="49" charset="0"/>
+              </a:rPr>
+              <a:t>B4</a:t>
+            </a:r>
+            <a:endParaRPr lang="en-US" sz="1050" dirty="0">
+              <a:latin typeface="Courier" pitchFamily="49" charset="0"/>
+            </a:endParaRPr>
+          </a:p>
+        </p:txBody>
+      </p:sp>
+      <p:sp>
+        <p:nvSpPr>
+          <p:cNvPr id="14" name="TextBox 13"/>
+          <p:cNvSpPr txBox="1"/>
+          <p:nvPr/>
+        </p:nvSpPr>
+        <p:spPr>
+          <a:xfrm>
+            <a:off x="2895600" y="5359442"/>
+            <a:ext cx="1386918" cy="253916"/>
+          </a:xfrm>
+          <a:prstGeom prst="rect">
+            <a:avLst/>
+          </a:prstGeom>
+          <a:noFill/>
+        </p:spPr>
+        <p:txBody>
+          <a:bodyPr wrap="none" rtlCol="0">
+            <a:spAutoFit/>
+          </a:bodyPr>
+          <a:lstStyle/>
+          <a:p>
+            <a:pPr algn="ctr"/>
+            <a:r>
+              <a:rPr lang="en-US" sz="1050" dirty="0" err="1" smtClean="0">
+                <a:latin typeface="Courier" pitchFamily="49" charset="0"/>
+              </a:rPr>
+              <a:t>beforeTreatment</a:t>
+            </a:r>
+            <a:endParaRPr lang="en-US" sz="1050" dirty="0">
+              <a:latin typeface="Courier" pitchFamily="49" charset="0"/>
+            </a:endParaRPr>
+          </a:p>
+        </p:txBody>
+      </p:sp>
+      <p:sp>
+        <p:nvSpPr>
+          <p:cNvPr id="15" name="TextBox 14"/>
+          <p:cNvSpPr txBox="1"/>
+          <p:nvPr/>
+        </p:nvSpPr>
+        <p:spPr>
+          <a:xfrm>
+            <a:off x="5410200" y="5359442"/>
+            <a:ext cx="825867" cy="253916"/>
+          </a:xfrm>
+          <a:prstGeom prst="rect">
+            <a:avLst/>
+          </a:prstGeom>
+          <a:noFill/>
+        </p:spPr>
+        <p:txBody>
+          <a:bodyPr wrap="none" rtlCol="0">
+            <a:spAutoFit/>
+          </a:bodyPr>
+          <a:lstStyle/>
+          <a:p>
+            <a:pPr algn="ctr"/>
+            <a:r>
+              <a:rPr lang="en-US" sz="1050" dirty="0" smtClean="0">
+                <a:latin typeface="Courier" pitchFamily="49" charset="0"/>
+              </a:rPr>
+              <a:t>Recovery</a:t>
+            </a:r>
+            <a:endParaRPr lang="en-US" sz="1050" dirty="0">
+              <a:latin typeface="Courier" pitchFamily="49" charset="0"/>
+            </a:endParaRPr>
+          </a:p>
+        </p:txBody>
+      </p:sp>
+      <p:sp>
+        <p:nvSpPr>
+          <p:cNvPr id="16" name="TextBox 15"/>
+          <p:cNvSpPr txBox="1"/>
+          <p:nvPr/>
+        </p:nvSpPr>
+        <p:spPr>
+          <a:xfrm>
+            <a:off x="7018783" y="5359442"/>
+            <a:ext cx="906017" cy="253916"/>
+          </a:xfrm>
+          <a:prstGeom prst="rect">
+            <a:avLst/>
+          </a:prstGeom>
+          <a:noFill/>
+        </p:spPr>
+        <p:txBody>
+          <a:bodyPr wrap="none" rtlCol="0">
+            <a:spAutoFit/>
+          </a:bodyPr>
+          <a:lstStyle/>
+          <a:p>
+            <a:pPr algn="ctr"/>
+            <a:r>
+              <a:rPr lang="en-US" sz="1050" dirty="0" smtClean="0">
+                <a:latin typeface="Courier" pitchFamily="49" charset="0"/>
+              </a:rPr>
+              <a:t>Treatment</a:t>
+            </a:r>
+            <a:endParaRPr lang="en-US" sz="1050" dirty="0">
+              <a:latin typeface="Courier" pitchFamily="49" charset="0"/>
+            </a:endParaRPr>
           </a:p>
         </p:txBody>
       </p:sp>
       <p:pic>
         <p:nvPicPr>
-          <p:cNvPr id="6" name="Picture 5"/>
+          <p:cNvPr id="20483" name="Picture 3"/>
           <p:cNvPicPr>
             <a:picLocks noChangeAspect="1" noChangeArrowheads="1"/>
           </p:cNvPicPr>
@@ -10014,8 +9779,8 @@
         </p:blipFill>
         <p:spPr bwMode="auto">
           <a:xfrm>
-            <a:off x="2971800" y="3200400"/>
-            <a:ext cx="5257800" cy="3461017"/>
+            <a:off x="2895600" y="381000"/>
+            <a:ext cx="5724525" cy="400050"/>
           </a:xfrm>
           <a:prstGeom prst="rect">
             <a:avLst/>
@@ -10029,16 +9794,48 @@
           </a:ln>
         </p:spPr>
       </p:pic>
-      <p:sp>
-        <p:nvSpPr>
-          <p:cNvPr id="8" name="TextBox 7"/>
+      <p:pic>
+        <p:nvPicPr>
+          <p:cNvPr id="20484" name="Picture 4"/>
+          <p:cNvPicPr>
+            <a:picLocks noChangeAspect="1" noChangeArrowheads="1"/>
+          </p:cNvPicPr>
+          <p:nvPr/>
+        </p:nvPicPr>
+        <p:blipFill>
+          <a:blip r:embed="rId4" cstate="print"/>
+          <a:srcRect/>
+          <a:stretch>
+            <a:fillRect/>
+          </a:stretch>
+        </p:blipFill>
+        <p:spPr bwMode="auto">
+          <a:xfrm>
+            <a:off x="228600" y="5895975"/>
+            <a:ext cx="5962650" cy="733425"/>
+          </a:xfrm>
+          <a:prstGeom prst="rect">
+            <a:avLst/>
+          </a:prstGeom>
+          <a:noFill/>
+          <a:ln w="9525">
+            <a:noFill/>
+            <a:miter lim="800000"/>
+            <a:headEnd/>
+            <a:tailEnd/>
+          </a:ln>
+        </p:spPr>
+      </p:pic>
+      <p:sp>
+        <p:nvSpPr>
+          <p:cNvPr id="20" name="TextBox 19"/>
           <p:cNvSpPr txBox="1"/>
           <p:nvPr/>
         </p:nvSpPr>
         <p:spPr>
           <a:xfrm>
-            <a:off x="304800" y="3810000"/>
-            <a:ext cx="2479077" cy="2031325"/>
+            <a:off x="3657600" y="6400800"/>
+            <a:ext cx="5143652" cy="369332"/>
           </a:xfrm>
           <a:prstGeom prst="rect">
             <a:avLst/>
@@ -10053,37 +9850,16 @@
           <a:p>
             <a:r>
               <a:rPr lang="en-US" dirty="0" smtClean="0"/>
-              <a:t>This is consistent with</a:t>
-            </a:r>
-          </a:p>
-          <a:p>
-            <a:r>
-              <a:rPr lang="en-US" dirty="0" smtClean="0"/>
-              <a:t>“eyeballing” the data.</a:t>
-            </a:r>
-          </a:p>
-          <a:p>
-            <a:endParaRPr lang="en-US" dirty="0" smtClean="0"/>
-          </a:p>
-          <a:p>
-            <a:r>
-              <a:rPr lang="en-US" dirty="0" smtClean="0"/>
-              <a:t>The 4 colors don’t seem </a:t>
-            </a:r>
-          </a:p>
-          <a:p>
-            <a:r>
-              <a:rPr lang="en-US" dirty="0" smtClean="0"/>
-              <a:t>to have dramatically</a:t>
-            </a:r>
-          </a:p>
-          <a:p>
-            <a:r>
-              <a:rPr lang="en-US" dirty="0" smtClean="0"/>
-              <a:t>different slopes…</a:t>
-            </a:r>
-          </a:p>
-          <a:p>
+              <a:t>Error is 35.97212 with 125 </a:t>
+            </a:r>
+            <a:r>
+              <a:rPr lang="en-US" dirty="0" err="1" smtClean="0"/>
+              <a:t>d.f</a:t>
+            </a:r>
+            <a:r>
+              <a:rPr lang="en-US" dirty="0" smtClean="0"/>
+              <a:t>. (n=130 -5 parameters)</a:t>
+            </a:r>
             <a:endParaRPr lang="en-US" dirty="0"/>
           </a:p>
         </p:txBody>
@@ -10408,14 +10184,14 @@
       </p:grpSpPr>
       <p:sp>
         <p:nvSpPr>
-          <p:cNvPr id="4" name="TextBox 3"/>
+          <p:cNvPr id="5" name="TextBox 4"/>
           <p:cNvSpPr txBox="1"/>
           <p:nvPr/>
         </p:nvSpPr>
         <p:spPr>
           <a:xfrm>
-            <a:off x="609600" y="228600"/>
-            <a:ext cx="5560240" cy="369332"/>
+            <a:off x="1906417" y="801469"/>
+            <a:ext cx="4265783" cy="646331"/>
           </a:xfrm>
           <a:prstGeom prst="rect">
             <a:avLst/>
@@ -10430,7 +10206,141 @@
           <a:p>
             <a:r>
               <a:rPr lang="en-US" dirty="0" smtClean="0"/>
-              <a:t>R can do a lot of this work for us (with much less typing!) </a:t>
+              <a:t>Error is 33.8603 on 122 degrees of freedom</a:t>
+            </a:r>
+          </a:p>
+          <a:p>
+            <a:r>
+              <a:rPr lang="en-US" dirty="0" smtClean="0"/>
+              <a:t>(n=130 – 8 parameters)</a:t>
+            </a:r>
+            <a:endParaRPr lang="en-US" dirty="0"/>
+          </a:p>
+        </p:txBody>
+      </p:sp>
+      <p:sp>
+        <p:nvSpPr>
+          <p:cNvPr id="6" name="TextBox 5"/>
+          <p:cNvSpPr txBox="1"/>
+          <p:nvPr/>
+        </p:nvSpPr>
+        <p:spPr>
+          <a:xfrm>
+            <a:off x="1066800" y="457200"/>
+            <a:ext cx="4191000" cy="369332"/>
+          </a:xfrm>
+          <a:prstGeom prst="rect">
+            <a:avLst/>
+          </a:prstGeom>
+          <a:noFill/>
+        </p:spPr>
+        <p:txBody>
+          <a:bodyPr wrap="square" rtlCol="0">
+            <a:spAutoFit/>
+          </a:bodyPr>
+          <a:lstStyle/>
+          <a:p>
+            <a:r>
+              <a:rPr lang="en-US" dirty="0" smtClean="0"/>
+              <a:t>Full model:</a:t>
+            </a:r>
+            <a:endParaRPr lang="en-US" dirty="0"/>
+          </a:p>
+        </p:txBody>
+      </p:sp>
+      <p:sp>
+        <p:nvSpPr>
+          <p:cNvPr id="7" name="TextBox 6"/>
+          <p:cNvSpPr txBox="1"/>
+          <p:nvPr/>
+        </p:nvSpPr>
+        <p:spPr>
+          <a:xfrm>
+            <a:off x="990600" y="1992868"/>
+            <a:ext cx="5143652" cy="369332"/>
+          </a:xfrm>
+          <a:prstGeom prst="rect">
+            <a:avLst/>
+          </a:prstGeom>
+          <a:noFill/>
+        </p:spPr>
+        <p:txBody>
+          <a:bodyPr wrap="none" rtlCol="0">
+            <a:spAutoFit/>
+          </a:bodyPr>
+          <a:lstStyle/>
+          <a:p>
+            <a:r>
+              <a:rPr lang="en-US" dirty="0" smtClean="0"/>
+              <a:t>Error is 35.97212 with 125 </a:t>
+            </a:r>
+            <a:r>
+              <a:rPr lang="en-US" dirty="0" err="1" smtClean="0"/>
+              <a:t>d.f</a:t>
+            </a:r>
+            <a:r>
+              <a:rPr lang="en-US" dirty="0" smtClean="0"/>
+              <a:t>. (n=130 -5 parameters)</a:t>
+            </a:r>
+            <a:endParaRPr lang="en-US" dirty="0"/>
+          </a:p>
+        </p:txBody>
+      </p:sp>
+      <p:sp>
+        <p:nvSpPr>
+          <p:cNvPr id="8" name="TextBox 7"/>
+          <p:cNvSpPr txBox="1"/>
+          <p:nvPr/>
+        </p:nvSpPr>
+        <p:spPr>
+          <a:xfrm>
+            <a:off x="1143000" y="1600200"/>
+            <a:ext cx="1724318" cy="369332"/>
+          </a:xfrm>
+          <a:prstGeom prst="rect">
+            <a:avLst/>
+          </a:prstGeom>
+          <a:noFill/>
+        </p:spPr>
+        <p:txBody>
+          <a:bodyPr wrap="none" rtlCol="0">
+            <a:spAutoFit/>
+          </a:bodyPr>
+          <a:lstStyle/>
+          <a:p>
+            <a:r>
+              <a:rPr lang="en-US" dirty="0" smtClean="0"/>
+              <a:t>Reduced Model:</a:t>
+            </a:r>
+            <a:endParaRPr lang="en-US" dirty="0"/>
+          </a:p>
+        </p:txBody>
+      </p:sp>
+      <p:sp>
+        <p:nvSpPr>
+          <p:cNvPr id="9" name="TextBox 8"/>
+          <p:cNvSpPr txBox="1"/>
+          <p:nvPr/>
+        </p:nvSpPr>
+        <p:spPr>
+          <a:xfrm>
+            <a:off x="1219200" y="2667000"/>
+            <a:ext cx="7010400" cy="369332"/>
+          </a:xfrm>
+          <a:prstGeom prst="rect">
+            <a:avLst/>
+          </a:prstGeom>
+          <a:noFill/>
+        </p:spPr>
+        <p:txBody>
+          <a:bodyPr wrap="square" rtlCol="0">
+            <a:spAutoFit/>
+          </a:bodyPr>
+          <a:lstStyle/>
+          <a:p>
+            <a:r>
+              <a:rPr lang="en-US" dirty="0" smtClean="0"/>
+              <a:t>F =  ( (35.97212 - 33.8603 ) / ( 125-122 )  )  /  (33.8603/122) = 2.536324</a:t>
             </a:r>
             <a:endParaRPr lang="en-US" dirty="0"/>
           </a:p>
@@ -10438,7 +10348,7 @@
       </p:sp>
       <p:pic>
         <p:nvPicPr>
-          <p:cNvPr id="5" name="Picture 2"/>
+          <p:cNvPr id="22530" name="Picture 2"/>
           <p:cNvPicPr>
             <a:picLocks noChangeAspect="1" noChangeArrowheads="1"/>
           </p:cNvPicPr>
@@ -10453,7 +10363,7 @@
         </p:blipFill>
         <p:spPr bwMode="auto">
           <a:xfrm>
-            <a:off x="866775" y="685800"/>
+            <a:off x="561975" y="3581400"/>
             <a:ext cx="6372225" cy="2409825"/>
           </a:xfrm>
           <a:prstGeom prst="rect">
@@ -10468,236 +10378,6 @@
           </a:ln>
         </p:spPr>
       </p:pic>
-      <p:pic>
-        <p:nvPicPr>
-          <p:cNvPr id="24578" name="Picture 2"/>
-          <p:cNvPicPr>
-            <a:picLocks noChangeAspect="1" noChangeArrowheads="1"/>
-          </p:cNvPicPr>
-          <p:nvPr/>
-        </p:nvPicPr>
-        <p:blipFill>
-          <a:blip r:embed="rId3" cstate="print"/>
-          <a:srcRect/>
-          <a:stretch>
-            <a:fillRect/>
-          </a:stretch>
-        </p:blipFill>
-        <p:spPr bwMode="auto">
-          <a:xfrm>
-            <a:off x="838200" y="3657600"/>
-            <a:ext cx="5762625" cy="1971675"/>
-          </a:xfrm>
-          <a:prstGeom prst="rect">
-            <a:avLst/>
-          </a:prstGeom>
-          <a:noFill/>
-          <a:ln w="9525">
-            <a:noFill/>
-            <a:miter lim="800000"/>
-            <a:headEnd/>
-            <a:tailEnd/>
-          </a:ln>
-        </p:spPr>
-      </p:pic>
-      <p:sp>
-        <p:nvSpPr>
-          <p:cNvPr id="7" name="TextBox 6"/>
-          <p:cNvSpPr txBox="1"/>
-          <p:nvPr/>
-        </p:nvSpPr>
-        <p:spPr>
-          <a:xfrm>
-            <a:off x="609600" y="3124200"/>
-            <a:ext cx="2362200" cy="369332"/>
-          </a:xfrm>
-          <a:prstGeom prst="rect">
-            <a:avLst/>
-          </a:prstGeom>
-          <a:noFill/>
-        </p:spPr>
-        <p:txBody>
-          <a:bodyPr wrap="square" rtlCol="0">
-            <a:spAutoFit/>
-          </a:bodyPr>
-          <a:lstStyle/>
-          <a:p>
-            <a:r>
-              <a:rPr lang="en-US" dirty="0" smtClean="0"/>
-              <a:t>Equivalently…</a:t>
-            </a:r>
-            <a:endParaRPr lang="en-US" dirty="0"/>
-          </a:p>
-        </p:txBody>
-      </p:sp>
-      <p:cxnSp>
-        <p:nvCxnSpPr>
-          <p:cNvPr id="9" name="Straight Arrow Connector 8"/>
-          <p:cNvCxnSpPr/>
-          <p:nvPr/>
-        </p:nvCxnSpPr>
-        <p:spPr>
-          <a:xfrm rot="10800000">
-            <a:off x="2133600" y="2514600"/>
-            <a:ext cx="914400" cy="1588"/>
-          </a:xfrm>
-          <a:prstGeom prst="straightConnector1">
-            <a:avLst/>
-          </a:prstGeom>
-          <a:ln>
-            <a:tailEnd type="arrow"/>
-          </a:ln>
-        </p:spPr>
-        <p:style>
-          <a:lnRef idx="1">
-            <a:schemeClr val="accent1"/>
-          </a:lnRef>
-          <a:fillRef idx="0">
-            <a:schemeClr val="accent1"/>
-          </a:fillRef>
-          <a:effectRef idx="0">
-            <a:schemeClr val="accent1"/>
-          </a:effectRef>
-          <a:fontRef idx="minor">
-            <a:schemeClr val="tx1"/>
-          </a:fontRef>
-        </p:style>
-      </p:cxnSp>
-      <p:cxnSp>
-        <p:nvCxnSpPr>
-          <p:cNvPr id="10" name="Straight Arrow Connector 9"/>
-          <p:cNvCxnSpPr/>
-          <p:nvPr/>
-        </p:nvCxnSpPr>
-        <p:spPr>
-          <a:xfrm rot="10800000">
-            <a:off x="2133601" y="2819400"/>
-            <a:ext cx="914400" cy="1588"/>
-          </a:xfrm>
-          <a:prstGeom prst="straightConnector1">
-            <a:avLst/>
-          </a:prstGeom>
-          <a:ln>
-            <a:tailEnd type="arrow"/>
-          </a:ln>
-        </p:spPr>
-        <p:style>
-          <a:lnRef idx="1">
-            <a:schemeClr val="accent1"/>
-          </a:lnRef>
-          <a:fillRef idx="0">
-            <a:schemeClr val="accent1"/>
-          </a:fillRef>
-          <a:effectRef idx="0">
-            <a:schemeClr val="accent1"/>
-          </a:effectRef>
-          <a:fontRef idx="minor">
-            <a:schemeClr val="tx1"/>
-          </a:fontRef>
-        </p:style>
-      </p:cxnSp>
-      <p:cxnSp>
-        <p:nvCxnSpPr>
-          <p:cNvPr id="14" name="Straight Arrow Connector 13"/>
-          <p:cNvCxnSpPr/>
-          <p:nvPr/>
-        </p:nvCxnSpPr>
-        <p:spPr>
-          <a:xfrm rot="10800000">
-            <a:off x="5715000" y="5029200"/>
-            <a:ext cx="381000" cy="76200"/>
-          </a:xfrm>
-          <a:prstGeom prst="straightConnector1">
-            <a:avLst/>
-          </a:prstGeom>
-          <a:ln>
-            <a:tailEnd type="arrow"/>
-          </a:ln>
-        </p:spPr>
-        <p:style>
-          <a:lnRef idx="1">
-            <a:schemeClr val="accent1"/>
-          </a:lnRef>
-          <a:fillRef idx="0">
-            <a:schemeClr val="accent1"/>
-          </a:fillRef>
-          <a:effectRef idx="0">
-            <a:schemeClr val="accent1"/>
-          </a:effectRef>
-          <a:fontRef idx="minor">
-            <a:schemeClr val="tx1"/>
-          </a:fontRef>
-        </p:style>
-      </p:cxnSp>
-      <p:cxnSp>
-        <p:nvCxnSpPr>
-          <p:cNvPr id="16" name="Straight Arrow Connector 15"/>
-          <p:cNvCxnSpPr/>
-          <p:nvPr/>
-        </p:nvCxnSpPr>
-        <p:spPr>
-          <a:xfrm rot="5400000" flipH="1" flipV="1">
-            <a:off x="4419600" y="4953000"/>
-            <a:ext cx="228600" cy="228600"/>
-          </a:xfrm>
-          <a:prstGeom prst="straightConnector1">
-            <a:avLst/>
-          </a:prstGeom>
-          <a:ln>
-            <a:tailEnd type="arrow"/>
-          </a:ln>
-        </p:spPr>
-        <p:style>
-          <a:lnRef idx="1">
-            <a:schemeClr val="accent1"/>
-          </a:lnRef>
-          <a:fillRef idx="0">
-            <a:schemeClr val="accent1"/>
-          </a:fillRef>
-          <a:effectRef idx="0">
-            <a:schemeClr val="accent1"/>
-          </a:effectRef>
-          <a:fontRef idx="minor">
-            <a:schemeClr val="tx1"/>
-          </a:fontRef>
-        </p:style>
-      </p:cxnSp>
-      <p:sp>
-        <p:nvSpPr>
-          <p:cNvPr id="17" name="TextBox 16"/>
-          <p:cNvSpPr txBox="1"/>
-          <p:nvPr/>
-        </p:nvSpPr>
-        <p:spPr>
-          <a:xfrm>
-            <a:off x="762000" y="5791200"/>
-            <a:ext cx="6755888" cy="646331"/>
-          </a:xfrm>
-          <a:prstGeom prst="rect">
-            <a:avLst/>
-          </a:prstGeom>
-          <a:noFill/>
-        </p:spPr>
-        <p:txBody>
-          <a:bodyPr wrap="none" rtlCol="0">
-            <a:spAutoFit/>
-          </a:bodyPr>
-          <a:lstStyle/>
-          <a:p>
-            <a:r>
-              <a:rPr lang="en-US" dirty="0" smtClean="0"/>
-              <a:t>Zeroing out the interaction terms leads to a non-significant difference.</a:t>
-            </a:r>
-          </a:p>
-          <a:p>
-            <a:r>
-              <a:rPr lang="en-US" dirty="0" smtClean="0"/>
-              <a:t>(Zeroing out the other terms does make a difference!)</a:t>
-            </a:r>
-            <a:endParaRPr lang="en-US" dirty="0"/>
-          </a:p>
-        </p:txBody>
-      </p:sp>
     </p:spTree>
   </p:cSld>
   <p:clrMapOvr>
@@ -10723,263 +10403,9 @@
           <a:chExt cx="0" cy="0"/>
         </a:xfrm>
       </p:grpSpPr>
-      <p:sp>
-        <p:nvSpPr>
-          <p:cNvPr id="4" name="TextBox 3"/>
-          <p:cNvSpPr txBox="1"/>
-          <p:nvPr/>
-        </p:nvSpPr>
-        <p:spPr>
-          <a:xfrm>
-            <a:off x="457200" y="-36731"/>
-            <a:ext cx="5375767" cy="1754326"/>
-          </a:xfrm>
-          <a:prstGeom prst="rect">
-            <a:avLst/>
-          </a:prstGeom>
-          <a:noFill/>
-        </p:spPr>
-        <p:txBody>
-          <a:bodyPr wrap="none" rtlCol="0">
-            <a:spAutoFit/>
-          </a:bodyPr>
-          <a:lstStyle/>
-          <a:p>
-            <a:r>
-              <a:rPr lang="en-US" dirty="0" smtClean="0"/>
-              <a:t>We seek the simplest model that can explain our data.  </a:t>
-            </a:r>
-          </a:p>
-          <a:p>
-            <a:r>
-              <a:rPr lang="en-US" dirty="0" smtClean="0"/>
-              <a:t>So our new “full model” drops the interaction terms.</a:t>
-            </a:r>
-          </a:p>
-          <a:p>
-            <a:endParaRPr lang="en-US" dirty="0" smtClean="0"/>
-          </a:p>
-          <a:p>
-            <a:r>
-              <a:rPr lang="en-US" dirty="0" smtClean="0"/>
-              <a:t>Our new “full model”:</a:t>
-            </a:r>
-          </a:p>
-          <a:p>
-            <a:endParaRPr lang="en-US" dirty="0" smtClean="0"/>
-          </a:p>
-          <a:p>
-            <a:r>
-              <a:rPr lang="en-US" dirty="0" smtClean="0"/>
-              <a:t>	</a:t>
-            </a:r>
-            <a:endParaRPr lang="en-US" dirty="0"/>
-          </a:p>
-        </p:txBody>
-      </p:sp>
-      <p:sp>
-        <p:nvSpPr>
-          <p:cNvPr id="6" name="TextBox 5"/>
-          <p:cNvSpPr txBox="1"/>
-          <p:nvPr/>
-        </p:nvSpPr>
-        <p:spPr>
-          <a:xfrm>
-            <a:off x="228600" y="1106269"/>
-            <a:ext cx="8812028" cy="646331"/>
-          </a:xfrm>
-          <a:prstGeom prst="rect">
-            <a:avLst/>
-          </a:prstGeom>
-          <a:noFill/>
-        </p:spPr>
-        <p:txBody>
-          <a:bodyPr wrap="none" rtlCol="0">
-            <a:spAutoFit/>
-          </a:bodyPr>
-          <a:lstStyle/>
-          <a:p>
-            <a:r>
-              <a:rPr lang="en-US" dirty="0" err="1" smtClean="0"/>
-              <a:t>logBurk</a:t>
-            </a:r>
-            <a:r>
-              <a:rPr lang="en-US" dirty="0" smtClean="0"/>
-              <a:t> = B0 + B1 * </a:t>
-            </a:r>
-            <a:r>
-              <a:rPr lang="en-US" dirty="0" err="1" smtClean="0"/>
-              <a:t>sampleDays</a:t>
-            </a:r>
-            <a:r>
-              <a:rPr lang="en-US" dirty="0" smtClean="0"/>
-              <a:t> + B2 * “</a:t>
-            </a:r>
-            <a:r>
-              <a:rPr lang="en-US" dirty="0" err="1" smtClean="0"/>
-              <a:t>BeforeTreatment</a:t>
-            </a:r>
-            <a:r>
-              <a:rPr lang="en-US" dirty="0" smtClean="0"/>
-              <a:t>” + B3 * “Recovery” + B4 * “stable”</a:t>
-            </a:r>
-          </a:p>
-          <a:p>
-            <a:r>
-              <a:rPr lang="en-US" dirty="0" smtClean="0"/>
-              <a:t>		</a:t>
-            </a:r>
-            <a:endParaRPr lang="en-US" dirty="0"/>
-          </a:p>
-        </p:txBody>
-      </p:sp>
-      <p:sp>
-        <p:nvSpPr>
-          <p:cNvPr id="7" name="TextBox 6"/>
-          <p:cNvSpPr txBox="1"/>
-          <p:nvPr/>
-        </p:nvSpPr>
-        <p:spPr>
-          <a:xfrm>
-            <a:off x="609600" y="1600200"/>
-            <a:ext cx="5215595" cy="1200329"/>
-          </a:xfrm>
-          <a:prstGeom prst="rect">
-            <a:avLst/>
-          </a:prstGeom>
-          <a:noFill/>
-        </p:spPr>
-        <p:txBody>
-          <a:bodyPr wrap="none" rtlCol="0">
-            <a:spAutoFit/>
-          </a:bodyPr>
-          <a:lstStyle/>
-          <a:p>
-            <a:r>
-              <a:rPr lang="en-US" dirty="0" smtClean="0"/>
-              <a:t>A five parameter model.  There is only one slope (B1).</a:t>
-            </a:r>
-          </a:p>
-          <a:p>
-            <a:r>
-              <a:rPr lang="en-US" dirty="0" smtClean="0"/>
-              <a:t>The intercept can be modulated by treatment.</a:t>
-            </a:r>
-          </a:p>
-          <a:p>
-            <a:endParaRPr lang="en-US" dirty="0" smtClean="0"/>
-          </a:p>
-          <a:p>
-            <a:r>
-              <a:rPr lang="en-US" dirty="0" smtClean="0"/>
-              <a:t>We compare this to a “reduced model” </a:t>
-            </a:r>
-          </a:p>
-        </p:txBody>
-      </p:sp>
-      <p:sp>
-        <p:nvSpPr>
-          <p:cNvPr id="8" name="Rectangle 7"/>
-          <p:cNvSpPr/>
-          <p:nvPr/>
-        </p:nvSpPr>
-        <p:spPr>
-          <a:xfrm>
-            <a:off x="990600" y="2819400"/>
-            <a:ext cx="3215945" cy="369332"/>
-          </a:xfrm>
-          <a:prstGeom prst="rect">
-            <a:avLst/>
-          </a:prstGeom>
-        </p:spPr>
-        <p:txBody>
-          <a:bodyPr wrap="none">
-            <a:spAutoFit/>
-          </a:bodyPr>
-          <a:lstStyle/>
-          <a:p>
-            <a:r>
-              <a:rPr lang="en-US" dirty="0" err="1" smtClean="0"/>
-              <a:t>logBurk</a:t>
-            </a:r>
-            <a:r>
-              <a:rPr lang="en-US" dirty="0" smtClean="0"/>
-              <a:t> = B0 + B1 * </a:t>
-            </a:r>
-            <a:r>
-              <a:rPr lang="en-US" dirty="0" err="1" smtClean="0"/>
-              <a:t>sampleDays</a:t>
-            </a:r>
-            <a:r>
-              <a:rPr lang="en-US" dirty="0" smtClean="0"/>
-              <a:t> </a:t>
-            </a:r>
-            <a:endParaRPr lang="en-US" dirty="0"/>
-          </a:p>
-        </p:txBody>
-      </p:sp>
-      <p:sp>
-        <p:nvSpPr>
-          <p:cNvPr id="9" name="TextBox 8"/>
-          <p:cNvSpPr txBox="1"/>
-          <p:nvPr/>
-        </p:nvSpPr>
-        <p:spPr>
-          <a:xfrm>
-            <a:off x="533400" y="3352800"/>
-            <a:ext cx="3493200" cy="369332"/>
-          </a:xfrm>
-          <a:prstGeom prst="rect">
-            <a:avLst/>
-          </a:prstGeom>
-          <a:noFill/>
-        </p:spPr>
-        <p:txBody>
-          <a:bodyPr wrap="none" rtlCol="0">
-            <a:spAutoFit/>
-          </a:bodyPr>
-          <a:lstStyle/>
-          <a:p>
-            <a:r>
-              <a:rPr lang="en-US" dirty="0" smtClean="0"/>
-              <a:t>Does treatment make a difference?</a:t>
-            </a:r>
-          </a:p>
-        </p:txBody>
-      </p:sp>
-      <p:sp>
-        <p:nvSpPr>
-          <p:cNvPr id="10" name="TextBox 9"/>
-          <p:cNvSpPr txBox="1"/>
-          <p:nvPr/>
-        </p:nvSpPr>
-        <p:spPr>
-          <a:xfrm>
-            <a:off x="228600" y="3886200"/>
-            <a:ext cx="4114800" cy="369332"/>
-          </a:xfrm>
-          <a:prstGeom prst="rect">
-            <a:avLst/>
-          </a:prstGeom>
-          <a:noFill/>
-        </p:spPr>
-        <p:txBody>
-          <a:bodyPr wrap="square" rtlCol="0">
-            <a:spAutoFit/>
-          </a:bodyPr>
-          <a:lstStyle/>
-          <a:p>
-            <a:r>
-              <a:rPr lang="en-US" dirty="0" smtClean="0"/>
-              <a:t>Full model (one slope; four intercepts)</a:t>
-            </a:r>
-            <a:endParaRPr lang="en-US" dirty="0"/>
-          </a:p>
-        </p:txBody>
-      </p:sp>
       <p:pic>
         <p:nvPicPr>
-          <p:cNvPr id="11" name="Picture 4"/>
+          <p:cNvPr id="4" name="Picture 2"/>
           <p:cNvPicPr>
             <a:picLocks noChangeAspect="1" noChangeArrowheads="1"/>
           </p:cNvPicPr>
@@ -10994,8 +10420,8 @@
         </p:blipFill>
         <p:spPr bwMode="auto">
           <a:xfrm>
-            <a:off x="390525" y="4648200"/>
-            <a:ext cx="3038475" cy="2057400"/>
+            <a:off x="714375" y="762000"/>
+            <a:ext cx="6372225" cy="2409825"/>
           </a:xfrm>
           <a:prstGeom prst="rect">
             <a:avLst/>
@@ -11011,14 +10437,14 @@
       </p:pic>
       <p:sp>
         <p:nvSpPr>
-          <p:cNvPr id="12" name="TextBox 11"/>
+          <p:cNvPr id="5" name="TextBox 4"/>
           <p:cNvSpPr txBox="1"/>
           <p:nvPr/>
         </p:nvSpPr>
         <p:spPr>
           <a:xfrm>
-            <a:off x="4495800" y="3886200"/>
-            <a:ext cx="4114800" cy="369332"/>
+            <a:off x="533400" y="76200"/>
+            <a:ext cx="7315200" cy="646331"/>
           </a:xfrm>
           <a:prstGeom prst="rect">
             <a:avLst/>
@@ -11033,7 +10459,7 @@
           <a:p>
             <a:r>
               <a:rPr lang="en-US" dirty="0" smtClean="0"/>
-              <a:t>Full model (one slope; one intercept)</a:t>
+              <a:t>At a p=0.05 threshold, the extra parameters for slope don’t reduce a significant amount of variance…</a:t>
             </a:r>
             <a:endParaRPr lang="en-US" dirty="0"/>
           </a:p>
@@ -11041,7 +10467,7 @@
       </p:sp>
       <p:pic>
         <p:nvPicPr>
-          <p:cNvPr id="25603" name="Picture 3"/>
+          <p:cNvPr id="6" name="Picture 5"/>
           <p:cNvPicPr>
             <a:picLocks noChangeAspect="1" noChangeArrowheads="1"/>
           </p:cNvPicPr>
@@ -11056,8 +10482,8 @@
         </p:blipFill>
         <p:spPr bwMode="auto">
           <a:xfrm>
-            <a:off x="4572000" y="4267200"/>
-            <a:ext cx="3276600" cy="2371224"/>
+            <a:off x="2971800" y="3200400"/>
+            <a:ext cx="5257800" cy="3461017"/>
           </a:xfrm>
           <a:prstGeom prst="rect">
             <a:avLst/>
@@ -11071,6 +10497,65 @@
           </a:ln>
         </p:spPr>
       </p:pic>
+      <p:sp>
+        <p:nvSpPr>
+          <p:cNvPr id="8" name="TextBox 7"/>
+          <p:cNvSpPr txBox="1"/>
+          <p:nvPr/>
+        </p:nvSpPr>
+        <p:spPr>
+          <a:xfrm>
+            <a:off x="304800" y="3810000"/>
+            <a:ext cx="2479077" cy="2031325"/>
+          </a:xfrm>
+          <a:prstGeom prst="rect">
+            <a:avLst/>
+          </a:prstGeom>
+          <a:noFill/>
+        </p:spPr>
+        <p:txBody>
+          <a:bodyPr wrap="none" rtlCol="0">
+            <a:spAutoFit/>
+          </a:bodyPr>
+          <a:lstStyle/>
+          <a:p>
+            <a:r>
+              <a:rPr lang="en-US" dirty="0" smtClean="0"/>
+              <a:t>This is consistent with</a:t>
+            </a:r>
+          </a:p>
+          <a:p>
+            <a:r>
+              <a:rPr lang="en-US" dirty="0" smtClean="0"/>
+              <a:t>“eyeballing” the data.</a:t>
+            </a:r>
+          </a:p>
+          <a:p>
+            <a:endParaRPr lang="en-US" dirty="0" smtClean="0"/>
+          </a:p>
+          <a:p>
+            <a:r>
+              <a:rPr lang="en-US" dirty="0" smtClean="0"/>
+              <a:t>The 4 colors don’t seem </a:t>
+            </a:r>
+          </a:p>
+          <a:p>
+            <a:r>
+              <a:rPr lang="en-US" dirty="0" smtClean="0"/>
+              <a:t>to have dramatically</a:t>
+            </a:r>
+          </a:p>
+          <a:p>
+            <a:r>
+              <a:rPr lang="en-US" dirty="0" smtClean="0"/>
+              <a:t>different slopes…</a:t>
+            </a:r>
+          </a:p>
+          <a:p>
+            <a:endParaRPr lang="en-US" dirty="0"/>
+          </a:p>
+        </p:txBody>
+      </p:sp>
     </p:spTree>
   </p:cSld>
   <p:clrMapOvr>
@@ -11098,14 +10583,14 @@
       </p:grpSpPr>
       <p:sp>
         <p:nvSpPr>
-          <p:cNvPr id="5" name="TextBox 4"/>
+          <p:cNvPr id="4" name="TextBox 3"/>
           <p:cNvSpPr txBox="1"/>
           <p:nvPr/>
         </p:nvSpPr>
         <p:spPr>
           <a:xfrm>
-            <a:off x="457200" y="152400"/>
-            <a:ext cx="7989238" cy="369332"/>
+            <a:off x="609600" y="228600"/>
+            <a:ext cx="5560240" cy="369332"/>
           </a:xfrm>
           <a:prstGeom prst="rect">
             <a:avLst/>
@@ -11120,37 +10605,7 @@
           <a:p>
             <a:r>
               <a:rPr lang="en-US" dirty="0" smtClean="0"/>
-              <a:t>The intercepts do make a significant difference in the amount of variance explained!</a:t>
-            </a:r>
-            <a:endParaRPr lang="en-US" dirty="0"/>
-          </a:p>
-        </p:txBody>
-      </p:sp>
-      <p:sp>
-        <p:nvSpPr>
-          <p:cNvPr id="8" name="TextBox 7"/>
-          <p:cNvSpPr txBox="1"/>
-          <p:nvPr/>
-        </p:nvSpPr>
-        <p:spPr>
-          <a:xfrm>
-            <a:off x="2743200" y="3516868"/>
-            <a:ext cx="2068195" cy="369332"/>
-          </a:xfrm>
-          <a:prstGeom prst="rect">
-            <a:avLst/>
-          </a:prstGeom>
-          <a:noFill/>
-        </p:spPr>
-        <p:txBody>
-          <a:bodyPr wrap="none" rtlCol="0">
-            <a:spAutoFit/>
-          </a:bodyPr>
-          <a:lstStyle/>
-          <a:p>
-            <a:r>
-              <a:rPr lang="en-US" dirty="0" smtClean="0"/>
-              <a:t>Or (with less typing)</a:t>
+              <a:t>R can do a lot of this work for us (with much less typing!) </a:t>
             </a:r>
             <a:endParaRPr lang="en-US" dirty="0"/>
           </a:p>
@@ -11158,7 +10613,7 @@
       </p:sp>
       <p:pic>
         <p:nvPicPr>
-          <p:cNvPr id="26627" name="Picture 3"/>
+          <p:cNvPr id="5" name="Picture 2"/>
           <p:cNvPicPr>
             <a:picLocks noChangeAspect="1" noChangeArrowheads="1"/>
           </p:cNvPicPr>
@@ -11173,8 +10628,8 @@
         </p:blipFill>
         <p:spPr bwMode="auto">
           <a:xfrm>
-            <a:off x="1152525" y="990600"/>
-            <a:ext cx="6619875" cy="1962150"/>
+            <a:off x="866775" y="685800"/>
+            <a:ext cx="6372225" cy="2409825"/>
           </a:xfrm>
           <a:prstGeom prst="rect">
             <a:avLst/>
@@ -11190,7 +10645,7 @@
       </p:pic>
       <p:pic>
         <p:nvPicPr>
-          <p:cNvPr id="26628" name="Picture 4"/>
+          <p:cNvPr id="24578" name="Picture 2"/>
           <p:cNvPicPr>
             <a:picLocks noChangeAspect="1" noChangeArrowheads="1"/>
           </p:cNvPicPr>
@@ -11205,8 +10660,8 @@
         </p:blipFill>
         <p:spPr bwMode="auto">
           <a:xfrm>
-            <a:off x="1371600" y="3962400"/>
-            <a:ext cx="5362575" cy="2009775"/>
+            <a:off x="838200" y="3657600"/>
+            <a:ext cx="5762625" cy="1971675"/>
           </a:xfrm>
           <a:prstGeom prst="rect">
             <a:avLst/>
@@ -11220,48 +10675,79 @@
           </a:ln>
         </p:spPr>
       </p:pic>
-      <p:pic>
-        <p:nvPicPr>
-          <p:cNvPr id="26629" name="Picture 5"/>
-          <p:cNvPicPr>
-            <a:picLocks noChangeAspect="1" noChangeArrowheads="1"/>
-          </p:cNvPicPr>
-          <p:nvPr/>
-        </p:nvPicPr>
-        <p:blipFill>
-          <a:blip r:embed="rId4" cstate="print"/>
-          <a:srcRect/>
-          <a:stretch>
-            <a:fillRect/>
-          </a:stretch>
-        </p:blipFill>
-        <p:spPr bwMode="auto">
-          <a:xfrm>
-            <a:off x="1133475" y="2505075"/>
-            <a:ext cx="2905125" cy="847725"/>
-          </a:xfrm>
-          <a:prstGeom prst="rect">
-            <a:avLst/>
-          </a:prstGeom>
-          <a:noFill/>
-          <a:ln w="9525">
-            <a:noFill/>
-            <a:miter lim="800000"/>
-            <a:headEnd/>
-            <a:tailEnd/>
-          </a:ln>
-        </p:spPr>
-      </p:pic>
+      <p:sp>
+        <p:nvSpPr>
+          <p:cNvPr id="7" name="TextBox 6"/>
+          <p:cNvSpPr txBox="1"/>
+          <p:nvPr/>
+        </p:nvSpPr>
+        <p:spPr>
+          <a:xfrm>
+            <a:off x="609600" y="3124200"/>
+            <a:ext cx="2362200" cy="369332"/>
+          </a:xfrm>
+          <a:prstGeom prst="rect">
+            <a:avLst/>
+          </a:prstGeom>
+          <a:noFill/>
+        </p:spPr>
+        <p:txBody>
+          <a:bodyPr wrap="square" rtlCol="0">
+            <a:spAutoFit/>
+          </a:bodyPr>
+          <a:lstStyle/>
+          <a:p>
+            <a:r>
+              <a:rPr lang="en-US" dirty="0" smtClean="0"/>
+              <a:t>Equivalently…</a:t>
+            </a:r>
+            <a:endParaRPr lang="en-US" dirty="0"/>
+          </a:p>
+        </p:txBody>
+      </p:sp>
       <p:cxnSp>
         <p:nvCxnSpPr>
-          <p:cNvPr id="13" name="Straight Arrow Connector 12"/>
+          <p:cNvPr id="9" name="Straight Arrow Connector 8"/>
           <p:cNvCxnSpPr/>
           <p:nvPr/>
         </p:nvCxnSpPr>
         <p:spPr>
           <a:xfrm rot="10800000">
-            <a:off x="2209800" y="2819400"/>
-            <a:ext cx="685800" cy="1588"/>
+            <a:off x="2133600" y="2514600"/>
+            <a:ext cx="914400" cy="1588"/>
+          </a:xfrm>
+          <a:prstGeom prst="straightConnector1">
+            <a:avLst/>
+          </a:prstGeom>
+          <a:ln>
+            <a:tailEnd type="arrow"/>
+          </a:ln>
+        </p:spPr>
+        <p:style>
+          <a:lnRef idx="1">
+            <a:schemeClr val="accent1"/>
+          </a:lnRef>
+          <a:fillRef idx="0">
+            <a:schemeClr val="accent1"/>
+          </a:fillRef>
+          <a:effectRef idx="0">
+            <a:schemeClr val="accent1"/>
+          </a:effectRef>
+          <a:fontRef idx="minor">
+            <a:schemeClr val="tx1"/>
+          </a:fontRef>
+        </p:style>
+      </p:cxnSp>
+      <p:cxnSp>
+        <p:nvCxnSpPr>
+          <p:cNvPr id="10" name="Straight Arrow Connector 9"/>
+          <p:cNvCxnSpPr/>
+          <p:nvPr/>
+        </p:nvCxnSpPr>
+        <p:spPr>
+          <a:xfrm rot="10800000">
+            <a:off x="2133601" y="2819400"/>
+            <a:ext cx="914400" cy="1588"/>
           </a:xfrm>
           <a:prstGeom prst="straightConnector1">
             <a:avLst/>
@@ -11293,8 +10779,8 @@
         </p:nvCxnSpPr>
         <p:spPr>
           <a:xfrm rot="10800000">
-            <a:off x="2438400" y="3198811"/>
-            <a:ext cx="685800" cy="1588"/>
+            <a:off x="5715000" y="5029200"/>
+            <a:ext cx="381000" cy="76200"/>
           </a:xfrm>
           <a:prstGeom prst="straightConnector1">
             <a:avLst/>
@@ -11320,14 +10806,14 @@
       </p:cxnSp>
       <p:cxnSp>
         <p:nvCxnSpPr>
-          <p:cNvPr id="15" name="Straight Arrow Connector 14"/>
+          <p:cNvPr id="16" name="Straight Arrow Connector 15"/>
           <p:cNvCxnSpPr/>
           <p:nvPr/>
         </p:nvCxnSpPr>
         <p:spPr>
-          <a:xfrm rot="10800000">
-            <a:off x="5715001" y="5103812"/>
-            <a:ext cx="685800" cy="1588"/>
+          <a:xfrm rot="5400000" flipH="1" flipV="1">
+            <a:off x="4419600" y="4953000"/>
+            <a:ext cx="228600" cy="228600"/>
           </a:xfrm>
           <a:prstGeom prst="straightConnector1">
             <a:avLst/>
@@ -11353,29 +10839,35 @@
       </p:cxnSp>
       <p:sp>
         <p:nvSpPr>
-          <p:cNvPr id="16" name="TextBox 15"/>
+          <p:cNvPr id="17" name="TextBox 16"/>
           <p:cNvSpPr txBox="1"/>
           <p:nvPr/>
         </p:nvSpPr>
         <p:spPr>
-          <a:xfrm flipH="1">
-            <a:off x="655317" y="6096000"/>
-            <a:ext cx="8183882" cy="369332"/>
-          </a:xfrm>
-          <a:prstGeom prst="rect">
-            <a:avLst/>
-          </a:prstGeom>
-          <a:noFill/>
-        </p:spPr>
-        <p:txBody>
-          <a:bodyPr wrap="square" rtlCol="0">
-            <a:spAutoFit/>
-          </a:bodyPr>
-          <a:lstStyle/>
-          <a:p>
-            <a:r>
-              <a:rPr lang="en-US" dirty="0" smtClean="0"/>
-              <a:t>So the treatment makes a difference!  So we don’t proceed to the reduced model</a:t>
+          <a:xfrm>
+            <a:off x="762000" y="5791200"/>
+            <a:ext cx="6755888" cy="646331"/>
+          </a:xfrm>
+          <a:prstGeom prst="rect">
+            <a:avLst/>
+          </a:prstGeom>
+          <a:noFill/>
+        </p:spPr>
+        <p:txBody>
+          <a:bodyPr wrap="none" rtlCol="0">
+            <a:spAutoFit/>
+          </a:bodyPr>
+          <a:lstStyle/>
+          <a:p>
+            <a:r>
+              <a:rPr lang="en-US" dirty="0" smtClean="0"/>
+              <a:t>Zeroing out the interaction terms leads to a non-significant difference.</a:t>
+            </a:r>
+          </a:p>
+          <a:p>
+            <a:r>
+              <a:rPr lang="en-US" dirty="0" smtClean="0"/>
+              <a:t>(Zeroing out the other terms does make a difference!)</a:t>
             </a:r>
             <a:endParaRPr lang="en-US" dirty="0"/>
           </a:p>
@@ -11414,8 +10906,8 @@
         </p:nvSpPr>
         <p:spPr>
           <a:xfrm>
-            <a:off x="609600" y="228600"/>
-            <a:ext cx="3543599" cy="369332"/>
+            <a:off x="457200" y="-36731"/>
+            <a:ext cx="5375767" cy="1754326"/>
           </a:xfrm>
           <a:prstGeom prst="rect">
             <a:avLst/>
@@ -11430,7 +10922,231 @@
           <a:p>
             <a:r>
               <a:rPr lang="en-US" dirty="0" smtClean="0"/>
-              <a:t>But which treatments are different?</a:t>
+              <a:t>We seek the simplest model that can explain our data.  </a:t>
+            </a:r>
+          </a:p>
+          <a:p>
+            <a:r>
+              <a:rPr lang="en-US" dirty="0" smtClean="0"/>
+              <a:t>So our new “full model” drops the interaction terms.</a:t>
+            </a:r>
+          </a:p>
+          <a:p>
+            <a:endParaRPr lang="en-US" dirty="0" smtClean="0"/>
+          </a:p>
+          <a:p>
+            <a:r>
+              <a:rPr lang="en-US" dirty="0" smtClean="0"/>
+              <a:t>Our new “full model”:</a:t>
+            </a:r>
+          </a:p>
+          <a:p>
+            <a:endParaRPr lang="en-US" dirty="0" smtClean="0"/>
+          </a:p>
+          <a:p>
+            <a:r>
+              <a:rPr lang="en-US" dirty="0" smtClean="0"/>
+              <a:t>	</a:t>
+            </a:r>
+            <a:endParaRPr lang="en-US" dirty="0"/>
+          </a:p>
+        </p:txBody>
+      </p:sp>
+      <p:sp>
+        <p:nvSpPr>
+          <p:cNvPr id="6" name="TextBox 5"/>
+          <p:cNvSpPr txBox="1"/>
+          <p:nvPr/>
+        </p:nvSpPr>
+        <p:spPr>
+          <a:xfrm>
+            <a:off x="228600" y="1106269"/>
+            <a:ext cx="8812028" cy="646331"/>
+          </a:xfrm>
+          <a:prstGeom prst="rect">
+            <a:avLst/>
+          </a:prstGeom>
+          <a:noFill/>
+        </p:spPr>
+        <p:txBody>
+          <a:bodyPr wrap="none" rtlCol="0">
+            <a:spAutoFit/>
+          </a:bodyPr>
+          <a:lstStyle/>
+          <a:p>
+            <a:r>
+              <a:rPr lang="en-US" dirty="0" err="1" smtClean="0"/>
+              <a:t>logBurk</a:t>
+            </a:r>
+            <a:r>
+              <a:rPr lang="en-US" dirty="0" smtClean="0"/>
+              <a:t> = B0 + B1 * </a:t>
+            </a:r>
+            <a:r>
+              <a:rPr lang="en-US" dirty="0" err="1" smtClean="0"/>
+              <a:t>sampleDays</a:t>
+            </a:r>
+            <a:r>
+              <a:rPr lang="en-US" dirty="0" smtClean="0"/>
+              <a:t> + B2 * “</a:t>
+            </a:r>
+            <a:r>
+              <a:rPr lang="en-US" dirty="0" err="1" smtClean="0"/>
+              <a:t>BeforeTreatment</a:t>
+            </a:r>
+            <a:r>
+              <a:rPr lang="en-US" dirty="0" smtClean="0"/>
+              <a:t>” + B3 * “Recovery” + B4 * “stable”</a:t>
+            </a:r>
+          </a:p>
+          <a:p>
+            <a:r>
+              <a:rPr lang="en-US" dirty="0" smtClean="0"/>
+              <a:t>		</a:t>
+            </a:r>
+            <a:endParaRPr lang="en-US" dirty="0"/>
+          </a:p>
+        </p:txBody>
+      </p:sp>
+      <p:sp>
+        <p:nvSpPr>
+          <p:cNvPr id="7" name="TextBox 6"/>
+          <p:cNvSpPr txBox="1"/>
+          <p:nvPr/>
+        </p:nvSpPr>
+        <p:spPr>
+          <a:xfrm>
+            <a:off x="609600" y="1600200"/>
+            <a:ext cx="5215595" cy="1200329"/>
+          </a:xfrm>
+          <a:prstGeom prst="rect">
+            <a:avLst/>
+          </a:prstGeom>
+          <a:noFill/>
+        </p:spPr>
+        <p:txBody>
+          <a:bodyPr wrap="none" rtlCol="0">
+            <a:spAutoFit/>
+          </a:bodyPr>
+          <a:lstStyle/>
+          <a:p>
+            <a:r>
+              <a:rPr lang="en-US" dirty="0" smtClean="0"/>
+              <a:t>A five parameter model.  There is only one slope (B1).</a:t>
+            </a:r>
+          </a:p>
+          <a:p>
+            <a:r>
+              <a:rPr lang="en-US" dirty="0" smtClean="0"/>
+              <a:t>The intercept can be modulated by treatment.</a:t>
+            </a:r>
+          </a:p>
+          <a:p>
+            <a:endParaRPr lang="en-US" dirty="0" smtClean="0"/>
+          </a:p>
+          <a:p>
+            <a:r>
+              <a:rPr lang="en-US" dirty="0" smtClean="0"/>
+              <a:t>We compare this to a “reduced model” </a:t>
+            </a:r>
+          </a:p>
+        </p:txBody>
+      </p:sp>
+      <p:sp>
+        <p:nvSpPr>
+          <p:cNvPr id="8" name="Rectangle 7"/>
+          <p:cNvSpPr/>
+          <p:nvPr/>
+        </p:nvSpPr>
+        <p:spPr>
+          <a:xfrm>
+            <a:off x="990600" y="2819400"/>
+            <a:ext cx="3215945" cy="369332"/>
+          </a:xfrm>
+          <a:prstGeom prst="rect">
+            <a:avLst/>
+          </a:prstGeom>
+        </p:spPr>
+        <p:txBody>
+          <a:bodyPr wrap="none">
+            <a:spAutoFit/>
+          </a:bodyPr>
+          <a:lstStyle/>
+          <a:p>
+            <a:r>
+              <a:rPr lang="en-US" dirty="0" err="1" smtClean="0"/>
+              <a:t>logBurk</a:t>
+            </a:r>
+            <a:r>
+              <a:rPr lang="en-US" dirty="0" smtClean="0"/>
+              <a:t> = B0 + B1 * </a:t>
+            </a:r>
+            <a:r>
+              <a:rPr lang="en-US" dirty="0" err="1" smtClean="0"/>
+              <a:t>sampleDays</a:t>
+            </a:r>
+            <a:r>
+              <a:rPr lang="en-US" dirty="0" smtClean="0"/>
+              <a:t> </a:t>
+            </a:r>
+            <a:endParaRPr lang="en-US" dirty="0"/>
+          </a:p>
+        </p:txBody>
+      </p:sp>
+      <p:sp>
+        <p:nvSpPr>
+          <p:cNvPr id="9" name="TextBox 8"/>
+          <p:cNvSpPr txBox="1"/>
+          <p:nvPr/>
+        </p:nvSpPr>
+        <p:spPr>
+          <a:xfrm>
+            <a:off x="533400" y="3352800"/>
+            <a:ext cx="3493200" cy="369332"/>
+          </a:xfrm>
+          <a:prstGeom prst="rect">
+            <a:avLst/>
+          </a:prstGeom>
+          <a:noFill/>
+        </p:spPr>
+        <p:txBody>
+          <a:bodyPr wrap="none" rtlCol="0">
+            <a:spAutoFit/>
+          </a:bodyPr>
+          <a:lstStyle/>
+          <a:p>
+            <a:r>
+              <a:rPr lang="en-US" dirty="0" smtClean="0"/>
+              <a:t>Does treatment make a difference?</a:t>
+            </a:r>
+          </a:p>
+        </p:txBody>
+      </p:sp>
+      <p:sp>
+        <p:nvSpPr>
+          <p:cNvPr id="10" name="TextBox 9"/>
+          <p:cNvSpPr txBox="1"/>
+          <p:nvPr/>
+        </p:nvSpPr>
+        <p:spPr>
+          <a:xfrm>
+            <a:off x="228600" y="3886200"/>
+            <a:ext cx="4114800" cy="369332"/>
+          </a:xfrm>
+          <a:prstGeom prst="rect">
+            <a:avLst/>
+          </a:prstGeom>
+          <a:noFill/>
+        </p:spPr>
+        <p:txBody>
+          <a:bodyPr wrap="square" rtlCol="0">
+            <a:spAutoFit/>
+          </a:bodyPr>
+          <a:lstStyle/>
+          <a:p>
+            <a:r>
+              <a:rPr lang="en-US" dirty="0" smtClean="0"/>
+              <a:t>Full model (one slope; four intercepts)</a:t>
             </a:r>
             <a:endParaRPr lang="en-US" dirty="0"/>
           </a:p>
@@ -11438,7 +11154,7 @@
       </p:sp>
       <p:pic>
         <p:nvPicPr>
-          <p:cNvPr id="27650" name="Picture 2"/>
+          <p:cNvPr id="11" name="Picture 4"/>
           <p:cNvPicPr>
             <a:picLocks noChangeAspect="1" noChangeArrowheads="1"/>
           </p:cNvPicPr>
@@ -11453,8 +11169,8 @@
         </p:blipFill>
         <p:spPr bwMode="auto">
           <a:xfrm>
-            <a:off x="914400" y="762000"/>
-            <a:ext cx="6343650" cy="885825"/>
+            <a:off x="390525" y="4648200"/>
+            <a:ext cx="3038475" cy="2057400"/>
           </a:xfrm>
           <a:prstGeom prst="rect">
             <a:avLst/>
@@ -11468,64 +11184,31 @@
           </a:ln>
         </p:spPr>
       </p:pic>
-      <p:cxnSp>
-        <p:nvCxnSpPr>
-          <p:cNvPr id="8" name="Straight Arrow Connector 7"/>
-          <p:cNvCxnSpPr/>
-          <p:nvPr/>
-        </p:nvCxnSpPr>
-        <p:spPr>
-          <a:xfrm rot="5400000" flipH="1" flipV="1">
-            <a:off x="1333500" y="1790700"/>
-            <a:ext cx="381000" cy="304800"/>
-          </a:xfrm>
-          <a:prstGeom prst="straightConnector1">
-            <a:avLst/>
-          </a:prstGeom>
-          <a:ln>
-            <a:tailEnd type="arrow"/>
-          </a:ln>
-        </p:spPr>
-        <p:style>
-          <a:lnRef idx="1">
-            <a:schemeClr val="accent1"/>
-          </a:lnRef>
-          <a:fillRef idx="0">
-            <a:schemeClr val="accent1"/>
-          </a:fillRef>
-          <a:effectRef idx="0">
-            <a:schemeClr val="accent1"/>
-          </a:effectRef>
-          <a:fontRef idx="minor">
-            <a:schemeClr val="tx1"/>
-          </a:fontRef>
-        </p:style>
-      </p:cxnSp>
-      <p:sp>
-        <p:nvSpPr>
-          <p:cNvPr id="9" name="TextBox 8"/>
+      <p:sp>
+        <p:nvSpPr>
+          <p:cNvPr id="12" name="TextBox 11"/>
           <p:cNvSpPr txBox="1"/>
           <p:nvPr/>
         </p:nvSpPr>
         <p:spPr>
           <a:xfrm>
-            <a:off x="914400" y="2057400"/>
-            <a:ext cx="2620526" cy="369332"/>
-          </a:xfrm>
-          <a:prstGeom prst="rect">
-            <a:avLst/>
-          </a:prstGeom>
-          <a:noFill/>
-        </p:spPr>
-        <p:txBody>
-          <a:bodyPr wrap="none" rtlCol="0">
-            <a:spAutoFit/>
-          </a:bodyPr>
-          <a:lstStyle/>
-          <a:p>
-            <a:r>
-              <a:rPr lang="en-US" dirty="0" smtClean="0"/>
-              <a:t>Treatment is our baseline.</a:t>
+            <a:off x="4495800" y="3886200"/>
+            <a:ext cx="4114800" cy="369332"/>
+          </a:xfrm>
+          <a:prstGeom prst="rect">
+            <a:avLst/>
+          </a:prstGeom>
+          <a:noFill/>
+        </p:spPr>
+        <p:txBody>
+          <a:bodyPr wrap="square" rtlCol="0">
+            <a:spAutoFit/>
+          </a:bodyPr>
+          <a:lstStyle/>
+          <a:p>
+            <a:r>
+              <a:rPr lang="en-US" dirty="0" smtClean="0"/>
+              <a:t>Full model (one slope; one intercept)</a:t>
             </a:r>
             <a:endParaRPr lang="en-US" dirty="0"/>
           </a:p>
@@ -11533,7 +11216,7 @@
       </p:sp>
       <p:pic>
         <p:nvPicPr>
-          <p:cNvPr id="27651" name="Picture 3"/>
+          <p:cNvPr id="25603" name="Picture 3"/>
           <p:cNvPicPr>
             <a:picLocks noChangeAspect="1" noChangeArrowheads="1"/>
           </p:cNvPicPr>
@@ -11548,8 +11231,8 @@
         </p:blipFill>
         <p:spPr bwMode="auto">
           <a:xfrm>
-            <a:off x="457200" y="2667000"/>
-            <a:ext cx="5581650" cy="3752850"/>
+            <a:off x="4572000" y="4267200"/>
+            <a:ext cx="3276600" cy="2371224"/>
           </a:xfrm>
           <a:prstGeom prst="rect">
             <a:avLst/>
@@ -11563,213 +11246,6 @@
           </a:ln>
         </p:spPr>
       </p:pic>
-      <p:cxnSp>
-        <p:nvCxnSpPr>
-          <p:cNvPr id="12" name="Straight Arrow Connector 11"/>
-          <p:cNvCxnSpPr/>
-          <p:nvPr/>
-        </p:nvCxnSpPr>
-        <p:spPr>
-          <a:xfrm rot="10800000" flipV="1">
-            <a:off x="5562600" y="4114800"/>
-            <a:ext cx="533400" cy="304800"/>
-          </a:xfrm>
-          <a:prstGeom prst="straightConnector1">
-            <a:avLst/>
-          </a:prstGeom>
-          <a:ln>
-            <a:tailEnd type="arrow"/>
-          </a:ln>
-        </p:spPr>
-        <p:style>
-          <a:lnRef idx="1">
-            <a:schemeClr val="accent1"/>
-          </a:lnRef>
-          <a:fillRef idx="0">
-            <a:schemeClr val="accent1"/>
-          </a:fillRef>
-          <a:effectRef idx="0">
-            <a:schemeClr val="accent1"/>
-          </a:effectRef>
-          <a:fontRef idx="minor">
-            <a:schemeClr val="tx1"/>
-          </a:fontRef>
-        </p:style>
-      </p:cxnSp>
-      <p:sp>
-        <p:nvSpPr>
-          <p:cNvPr id="13" name="TextBox 12"/>
-          <p:cNvSpPr txBox="1"/>
-          <p:nvPr/>
-        </p:nvSpPr>
-        <p:spPr>
-          <a:xfrm>
-            <a:off x="4648200" y="3544669"/>
-            <a:ext cx="4419600" cy="646331"/>
-          </a:xfrm>
-          <a:prstGeom prst="rect">
-            <a:avLst/>
-          </a:prstGeom>
-          <a:noFill/>
-        </p:spPr>
-        <p:txBody>
-          <a:bodyPr wrap="square" rtlCol="0">
-            <a:spAutoFit/>
-          </a:bodyPr>
-          <a:lstStyle/>
-          <a:p>
-            <a:r>
-              <a:rPr lang="en-US" dirty="0" smtClean="0"/>
-              <a:t>The intercept for “treatment”  is 6.62; this is different than 0</a:t>
-            </a:r>
-            <a:endParaRPr lang="en-US" dirty="0"/>
-          </a:p>
-        </p:txBody>
-      </p:sp>
-      <p:cxnSp>
-        <p:nvCxnSpPr>
-          <p:cNvPr id="15" name="Straight Arrow Connector 14"/>
-          <p:cNvCxnSpPr/>
-          <p:nvPr/>
-        </p:nvCxnSpPr>
-        <p:spPr>
-          <a:xfrm rot="10800000">
-            <a:off x="5791200" y="4646611"/>
-            <a:ext cx="609600" cy="1588"/>
-          </a:xfrm>
-          <a:prstGeom prst="straightConnector1">
-            <a:avLst/>
-          </a:prstGeom>
-          <a:ln>
-            <a:tailEnd type="arrow"/>
-          </a:ln>
-        </p:spPr>
-        <p:style>
-          <a:lnRef idx="1">
-            <a:schemeClr val="accent1"/>
-          </a:lnRef>
-          <a:fillRef idx="0">
-            <a:schemeClr val="accent1"/>
-          </a:fillRef>
-          <a:effectRef idx="0">
-            <a:schemeClr val="accent1"/>
-          </a:effectRef>
-          <a:fontRef idx="minor">
-            <a:schemeClr val="tx1"/>
-          </a:fontRef>
-        </p:style>
-      </p:cxnSp>
-      <p:sp>
-        <p:nvSpPr>
-          <p:cNvPr id="16" name="TextBox 15"/>
-          <p:cNvSpPr txBox="1"/>
-          <p:nvPr/>
-        </p:nvSpPr>
-        <p:spPr>
-          <a:xfrm>
-            <a:off x="6401856" y="4419600"/>
-            <a:ext cx="1827744" cy="369332"/>
-          </a:xfrm>
-          <a:prstGeom prst="rect">
-            <a:avLst/>
-          </a:prstGeom>
-          <a:noFill/>
-        </p:spPr>
-        <p:txBody>
-          <a:bodyPr wrap="none" rtlCol="0">
-            <a:spAutoFit/>
-          </a:bodyPr>
-          <a:lstStyle/>
-          <a:p>
-            <a:r>
-              <a:rPr lang="en-US" dirty="0" smtClean="0"/>
-              <a:t>The slope is not 0</a:t>
-            </a:r>
-            <a:endParaRPr lang="en-US" dirty="0"/>
-          </a:p>
-        </p:txBody>
-      </p:sp>
-      <p:cxnSp>
-        <p:nvCxnSpPr>
-          <p:cNvPr id="18" name="Straight Arrow Connector 17"/>
-          <p:cNvCxnSpPr/>
-          <p:nvPr/>
-        </p:nvCxnSpPr>
-        <p:spPr>
-          <a:xfrm rot="10800000">
-            <a:off x="5638800" y="5029199"/>
-            <a:ext cx="457200" cy="76200"/>
-          </a:xfrm>
-          <a:prstGeom prst="straightConnector1">
-            <a:avLst/>
-          </a:prstGeom>
-          <a:ln>
-            <a:tailEnd type="arrow"/>
-          </a:ln>
-        </p:spPr>
-        <p:style>
-          <a:lnRef idx="1">
-            <a:schemeClr val="accent1"/>
-          </a:lnRef>
-          <a:fillRef idx="0">
-            <a:schemeClr val="accent1"/>
-          </a:fillRef>
-          <a:effectRef idx="0">
-            <a:schemeClr val="accent1"/>
-          </a:effectRef>
-          <a:fontRef idx="minor">
-            <a:schemeClr val="tx1"/>
-          </a:fontRef>
-        </p:style>
-      </p:cxnSp>
-      <p:sp>
-        <p:nvSpPr>
-          <p:cNvPr id="19" name="TextBox 18"/>
-          <p:cNvSpPr txBox="1"/>
-          <p:nvPr/>
-        </p:nvSpPr>
-        <p:spPr>
-          <a:xfrm>
-            <a:off x="6096000" y="5029200"/>
-            <a:ext cx="2616165" cy="1200329"/>
-          </a:xfrm>
-          <a:prstGeom prst="rect">
-            <a:avLst/>
-          </a:prstGeom>
-          <a:noFill/>
-        </p:spPr>
-        <p:txBody>
-          <a:bodyPr wrap="none" rtlCol="0">
-            <a:spAutoFit/>
-          </a:bodyPr>
-          <a:lstStyle/>
-          <a:p>
-            <a:r>
-              <a:rPr lang="en-US" dirty="0" smtClean="0"/>
-              <a:t>Recovery is significantly</a:t>
-            </a:r>
-          </a:p>
-          <a:p>
-            <a:r>
-              <a:rPr lang="en-US" dirty="0" smtClean="0"/>
-              <a:t>higher than treatment;</a:t>
-            </a:r>
-          </a:p>
-          <a:p>
-            <a:r>
-              <a:rPr lang="en-US" dirty="0" smtClean="0"/>
-              <a:t>the bug grows back when</a:t>
-            </a:r>
-          </a:p>
-          <a:p>
-            <a:r>
-              <a:rPr lang="en-US" dirty="0" smtClean="0"/>
-              <a:t>the antibiotic is stopped.</a:t>
-            </a:r>
-            <a:endParaRPr lang="en-US" dirty="0"/>
-          </a:p>
-        </p:txBody>
-      </p:sp>
     </p:spTree>
   </p:cSld>
   <p:clrMapOvr>
@@ -11797,44 +11273,14 @@
       </p:grpSpPr>
       <p:sp>
         <p:nvSpPr>
-          <p:cNvPr id="4" name="TextBox 3"/>
-          <p:cNvSpPr txBox="1"/>
-          <p:nvPr/>
-        </p:nvSpPr>
-        <p:spPr>
-          <a:xfrm>
-            <a:off x="304800" y="152400"/>
-            <a:ext cx="4755213" cy="369332"/>
-          </a:xfrm>
-          <a:prstGeom prst="rect">
-            <a:avLst/>
-          </a:prstGeom>
-          <a:noFill/>
-        </p:spPr>
-        <p:txBody>
-          <a:bodyPr wrap="none" rtlCol="0">
-            <a:spAutoFit/>
-          </a:bodyPr>
-          <a:lstStyle/>
-          <a:p>
-            <a:r>
-              <a:rPr lang="en-US" dirty="0" smtClean="0"/>
-              <a:t>How well do we fit the assumption of normality?</a:t>
-            </a:r>
-            <a:endParaRPr lang="en-US" dirty="0"/>
-          </a:p>
-        </p:txBody>
-      </p:sp>
-      <p:sp>
-        <p:nvSpPr>
           <p:cNvPr id="5" name="TextBox 4"/>
           <p:cNvSpPr txBox="1"/>
           <p:nvPr/>
         </p:nvSpPr>
         <p:spPr>
           <a:xfrm>
-            <a:off x="1371600" y="609600"/>
-            <a:ext cx="1606530" cy="369332"/>
+            <a:off x="457200" y="152400"/>
+            <a:ext cx="7989238" cy="369332"/>
           </a:xfrm>
           <a:prstGeom prst="rect">
             <a:avLst/>
@@ -11849,15 +11295,37 @@
           <a:p>
             <a:r>
               <a:rPr lang="en-US" dirty="0" smtClean="0"/>
-              <a:t>plot(</a:t>
-            </a:r>
-            <a:r>
-              <a:rPr lang="en-US" dirty="0" err="1" smtClean="0"/>
-              <a:t>fullModel</a:t>
-            </a:r>
-            <a:r>
-              <a:rPr lang="en-US" dirty="0" smtClean="0"/>
-              <a:t>)</a:t>
+              <a:t>The intercepts do make a significant difference in the amount of variance explained!</a:t>
+            </a:r>
+            <a:endParaRPr lang="en-US" dirty="0"/>
+          </a:p>
+        </p:txBody>
+      </p:sp>
+      <p:sp>
+        <p:nvSpPr>
+          <p:cNvPr id="8" name="TextBox 7"/>
+          <p:cNvSpPr txBox="1"/>
+          <p:nvPr/>
+        </p:nvSpPr>
+        <p:spPr>
+          <a:xfrm>
+            <a:off x="2743200" y="3516868"/>
+            <a:ext cx="2068195" cy="369332"/>
+          </a:xfrm>
+          <a:prstGeom prst="rect">
+            <a:avLst/>
+          </a:prstGeom>
+          <a:noFill/>
+        </p:spPr>
+        <p:txBody>
+          <a:bodyPr wrap="none" rtlCol="0">
+            <a:spAutoFit/>
+          </a:bodyPr>
+          <a:lstStyle/>
+          <a:p>
+            <a:r>
+              <a:rPr lang="en-US" dirty="0" smtClean="0"/>
+              <a:t>Or (with less typing)</a:t>
             </a:r>
             <a:endParaRPr lang="en-US" dirty="0"/>
           </a:p>
@@ -11865,7 +11333,7 @@
       </p:sp>
       <p:pic>
         <p:nvPicPr>
-          <p:cNvPr id="21506" name="Picture 2"/>
+          <p:cNvPr id="26627" name="Picture 3"/>
           <p:cNvPicPr>
             <a:picLocks noChangeAspect="1" noChangeArrowheads="1"/>
           </p:cNvPicPr>
@@ -11880,8 +11348,8 @@
         </p:blipFill>
         <p:spPr bwMode="auto">
           <a:xfrm>
-            <a:off x="0" y="1143000"/>
-            <a:ext cx="3827145" cy="3733800"/>
+            <a:off x="1152525" y="990600"/>
+            <a:ext cx="6619875" cy="1962150"/>
           </a:xfrm>
           <a:prstGeom prst="rect">
             <a:avLst/>
@@ -11897,7 +11365,7 @@
       </p:pic>
       <p:pic>
         <p:nvPicPr>
-          <p:cNvPr id="21507" name="Picture 3"/>
+          <p:cNvPr id="26628" name="Picture 4"/>
           <p:cNvPicPr>
             <a:picLocks noChangeAspect="1" noChangeArrowheads="1"/>
           </p:cNvPicPr>
@@ -11912,8 +11380,8 @@
         </p:blipFill>
         <p:spPr bwMode="auto">
           <a:xfrm>
-            <a:off x="4419600" y="1066800"/>
-            <a:ext cx="3921369" cy="3886200"/>
+            <a:off x="1371600" y="3962400"/>
+            <a:ext cx="5362575" cy="2009775"/>
           </a:xfrm>
           <a:prstGeom prst="rect">
             <a:avLst/>
@@ -11927,31 +11395,162 @@
           </a:ln>
         </p:spPr>
       </p:pic>
-      <p:sp>
-        <p:nvSpPr>
-          <p:cNvPr id="8" name="TextBox 7"/>
+      <p:pic>
+        <p:nvPicPr>
+          <p:cNvPr id="26629" name="Picture 5"/>
+          <p:cNvPicPr>
+            <a:picLocks noChangeAspect="1" noChangeArrowheads="1"/>
+          </p:cNvPicPr>
+          <p:nvPr/>
+        </p:nvPicPr>
+        <p:blipFill>
+          <a:blip r:embed="rId4" cstate="print"/>
+          <a:srcRect/>
+          <a:stretch>
+            <a:fillRect/>
+          </a:stretch>
+        </p:blipFill>
+        <p:spPr bwMode="auto">
+          <a:xfrm>
+            <a:off x="1133475" y="2505075"/>
+            <a:ext cx="2905125" cy="847725"/>
+          </a:xfrm>
+          <a:prstGeom prst="rect">
+            <a:avLst/>
+          </a:prstGeom>
+          <a:noFill/>
+          <a:ln w="9525">
+            <a:noFill/>
+            <a:miter lim="800000"/>
+            <a:headEnd/>
+            <a:tailEnd/>
+          </a:ln>
+        </p:spPr>
+      </p:pic>
+      <p:cxnSp>
+        <p:nvCxnSpPr>
+          <p:cNvPr id="13" name="Straight Arrow Connector 12"/>
+          <p:cNvCxnSpPr/>
+          <p:nvPr/>
+        </p:nvCxnSpPr>
+        <p:spPr>
+          <a:xfrm rot="10800000">
+            <a:off x="2209800" y="2819400"/>
+            <a:ext cx="685800" cy="1588"/>
+          </a:xfrm>
+          <a:prstGeom prst="straightConnector1">
+            <a:avLst/>
+          </a:prstGeom>
+          <a:ln>
+            <a:tailEnd type="arrow"/>
+          </a:ln>
+        </p:spPr>
+        <p:style>
+          <a:lnRef idx="1">
+            <a:schemeClr val="accent1"/>
+          </a:lnRef>
+          <a:fillRef idx="0">
+            <a:schemeClr val="accent1"/>
+          </a:fillRef>
+          <a:effectRef idx="0">
+            <a:schemeClr val="accent1"/>
+          </a:effectRef>
+          <a:fontRef idx="minor">
+            <a:schemeClr val="tx1"/>
+          </a:fontRef>
+        </p:style>
+      </p:cxnSp>
+      <p:cxnSp>
+        <p:nvCxnSpPr>
+          <p:cNvPr id="14" name="Straight Arrow Connector 13"/>
+          <p:cNvCxnSpPr/>
+          <p:nvPr/>
+        </p:nvCxnSpPr>
+        <p:spPr>
+          <a:xfrm rot="10800000">
+            <a:off x="2438400" y="3198811"/>
+            <a:ext cx="685800" cy="1588"/>
+          </a:xfrm>
+          <a:prstGeom prst="straightConnector1">
+            <a:avLst/>
+          </a:prstGeom>
+          <a:ln>
+            <a:tailEnd type="arrow"/>
+          </a:ln>
+        </p:spPr>
+        <p:style>
+          <a:lnRef idx="1">
+            <a:schemeClr val="accent1"/>
+          </a:lnRef>
+          <a:fillRef idx="0">
+            <a:schemeClr val="accent1"/>
+          </a:fillRef>
+          <a:effectRef idx="0">
+            <a:schemeClr val="accent1"/>
+          </a:effectRef>
+          <a:fontRef idx="minor">
+            <a:schemeClr val="tx1"/>
+          </a:fontRef>
+        </p:style>
+      </p:cxnSp>
+      <p:cxnSp>
+        <p:nvCxnSpPr>
+          <p:cNvPr id="15" name="Straight Arrow Connector 14"/>
+          <p:cNvCxnSpPr/>
+          <p:nvPr/>
+        </p:nvCxnSpPr>
+        <p:spPr>
+          <a:xfrm rot="10800000">
+            <a:off x="5715001" y="5103812"/>
+            <a:ext cx="685800" cy="1588"/>
+          </a:xfrm>
+          <a:prstGeom prst="straightConnector1">
+            <a:avLst/>
+          </a:prstGeom>
+          <a:ln>
+            <a:tailEnd type="arrow"/>
+          </a:ln>
+        </p:spPr>
+        <p:style>
+          <a:lnRef idx="1">
+            <a:schemeClr val="accent1"/>
+          </a:lnRef>
+          <a:fillRef idx="0">
+            <a:schemeClr val="accent1"/>
+          </a:fillRef>
+          <a:effectRef idx="0">
+            <a:schemeClr val="accent1"/>
+          </a:effectRef>
+          <a:fontRef idx="minor">
+            <a:schemeClr val="tx1"/>
+          </a:fontRef>
+        </p:style>
+      </p:cxnSp>
+      <p:sp>
+        <p:nvSpPr>
+          <p:cNvPr id="16" name="TextBox 15"/>
           <p:cNvSpPr txBox="1"/>
           <p:nvPr/>
         </p:nvSpPr>
         <p:spPr>
-          <a:xfrm>
-            <a:off x="457200" y="5562600"/>
-            <a:ext cx="4853957" cy="369332"/>
-          </a:xfrm>
-          <a:prstGeom prst="rect">
-            <a:avLst/>
-          </a:prstGeom>
-          <a:noFill/>
-        </p:spPr>
-        <p:txBody>
-          <a:bodyPr wrap="none" rtlCol="0">
-            <a:spAutoFit/>
-          </a:bodyPr>
-          <a:lstStyle/>
-          <a:p>
-            <a:r>
-              <a:rPr lang="en-US" dirty="0" smtClean="0"/>
-              <a:t>There is minimal systematic bias in the residuals…</a:t>
+          <a:xfrm flipH="1">
+            <a:off x="655317" y="6096000"/>
+            <a:ext cx="8183882" cy="369332"/>
+          </a:xfrm>
+          <a:prstGeom prst="rect">
+            <a:avLst/>
+          </a:prstGeom>
+          <a:noFill/>
+        </p:spPr>
+        <p:txBody>
+          <a:bodyPr wrap="square" rtlCol="0">
+            <a:spAutoFit/>
+          </a:bodyPr>
+          <a:lstStyle/>
+          <a:p>
+            <a:r>
+              <a:rPr lang="en-US" dirty="0" smtClean="0"/>
+              <a:t>So the treatment makes a difference!  So we don’t proceed to the reduced model</a:t>
             </a:r>
             <a:endParaRPr lang="en-US" dirty="0"/>
           </a:p>
@@ -11984,14 +11583,14 @@
       </p:grpSpPr>
       <p:sp>
         <p:nvSpPr>
-          <p:cNvPr id="5" name="TextBox 4"/>
+          <p:cNvPr id="4" name="TextBox 3"/>
           <p:cNvSpPr txBox="1"/>
           <p:nvPr/>
         </p:nvSpPr>
         <p:spPr>
           <a:xfrm>
-            <a:off x="228600" y="533400"/>
-            <a:ext cx="8833124" cy="369332"/>
+            <a:off x="609600" y="228600"/>
+            <a:ext cx="3543599" cy="369332"/>
           </a:xfrm>
           <a:prstGeom prst="rect">
             <a:avLst/>
@@ -12006,45 +11605,7 @@
           <a:p>
             <a:r>
               <a:rPr lang="en-US" dirty="0" smtClean="0"/>
-              <a:t>With the </a:t>
-            </a:r>
-            <a:r>
-              <a:rPr lang="en-US" dirty="0" err="1" smtClean="0"/>
-              <a:t>ks.test</a:t>
-            </a:r>
-            <a:r>
-              <a:rPr lang="en-US" dirty="0" smtClean="0"/>
-              <a:t>, we fail to reject a hypothesis that the residuals are not normally distributed</a:t>
-            </a:r>
-            <a:endParaRPr lang="en-US" dirty="0"/>
-          </a:p>
-        </p:txBody>
-      </p:sp>
-      <p:sp>
-        <p:nvSpPr>
-          <p:cNvPr id="6" name="TextBox 5"/>
-          <p:cNvSpPr txBox="1"/>
-          <p:nvPr/>
-        </p:nvSpPr>
-        <p:spPr>
-          <a:xfrm>
-            <a:off x="381000" y="6172200"/>
-            <a:ext cx="6781800" cy="369332"/>
-          </a:xfrm>
-          <a:prstGeom prst="rect">
-            <a:avLst/>
-          </a:prstGeom>
-          <a:noFill/>
-        </p:spPr>
-        <p:txBody>
-          <a:bodyPr wrap="square" rtlCol="0">
-            <a:spAutoFit/>
-          </a:bodyPr>
-          <a:lstStyle/>
-          <a:p>
-            <a:r>
-              <a:rPr lang="en-US" dirty="0" smtClean="0"/>
-              <a:t>The assumption of normality seems reasonable in this case…</a:t>
+              <a:t>But which treatments are different?</a:t>
             </a:r>
             <a:endParaRPr lang="en-US" dirty="0"/>
           </a:p>
@@ -12052,7 +11613,7 @@
       </p:sp>
       <p:pic>
         <p:nvPicPr>
-          <p:cNvPr id="19458" name="Picture 2"/>
+          <p:cNvPr id="27650" name="Picture 2"/>
           <p:cNvPicPr>
             <a:picLocks noChangeAspect="1" noChangeArrowheads="1"/>
           </p:cNvPicPr>
@@ -12067,8 +11628,8 @@
         </p:blipFill>
         <p:spPr bwMode="auto">
           <a:xfrm>
-            <a:off x="76200" y="1066800"/>
-            <a:ext cx="6667500" cy="3333750"/>
+            <a:off x="914400" y="762000"/>
+            <a:ext cx="6343650" cy="885825"/>
           </a:xfrm>
           <a:prstGeom prst="rect">
             <a:avLst/>
@@ -12082,9 +11643,72 @@
           </a:ln>
         </p:spPr>
       </p:pic>
+      <p:cxnSp>
+        <p:nvCxnSpPr>
+          <p:cNvPr id="8" name="Straight Arrow Connector 7"/>
+          <p:cNvCxnSpPr/>
+          <p:nvPr/>
+        </p:nvCxnSpPr>
+        <p:spPr>
+          <a:xfrm rot="5400000" flipH="1" flipV="1">
+            <a:off x="1333500" y="1790700"/>
+            <a:ext cx="381000" cy="304800"/>
+          </a:xfrm>
+          <a:prstGeom prst="straightConnector1">
+            <a:avLst/>
+          </a:prstGeom>
+          <a:ln>
+            <a:tailEnd type="arrow"/>
+          </a:ln>
+        </p:spPr>
+        <p:style>
+          <a:lnRef idx="1">
+            <a:schemeClr val="accent1"/>
+          </a:lnRef>
+          <a:fillRef idx="0">
+            <a:schemeClr val="accent1"/>
+          </a:fillRef>
+          <a:effectRef idx="0">
+            <a:schemeClr val="accent1"/>
+          </a:effectRef>
+          <a:fontRef idx="minor">
+            <a:schemeClr val="tx1"/>
+          </a:fontRef>
+        </p:style>
+      </p:cxnSp>
+      <p:sp>
+        <p:nvSpPr>
+          <p:cNvPr id="9" name="TextBox 8"/>
+          <p:cNvSpPr txBox="1"/>
+          <p:nvPr/>
+        </p:nvSpPr>
+        <p:spPr>
+          <a:xfrm>
+            <a:off x="914400" y="2057400"/>
+            <a:ext cx="2620526" cy="369332"/>
+          </a:xfrm>
+          <a:prstGeom prst="rect">
+            <a:avLst/>
+          </a:prstGeom>
+          <a:noFill/>
+        </p:spPr>
+        <p:txBody>
+          <a:bodyPr wrap="none" rtlCol="0">
+            <a:spAutoFit/>
+          </a:bodyPr>
+          <a:lstStyle/>
+          <a:p>
+            <a:r>
+              <a:rPr lang="en-US" dirty="0" smtClean="0"/>
+              <a:t>Treatment is our baseline.</a:t>
+            </a:r>
+            <a:endParaRPr lang="en-US" dirty="0"/>
+          </a:p>
+        </p:txBody>
+      </p:sp>
       <p:pic>
         <p:nvPicPr>
-          <p:cNvPr id="2" name="Picture 3"/>
+          <p:cNvPr id="27651" name="Picture 3"/>
           <p:cNvPicPr>
             <a:picLocks noChangeAspect="1" noChangeArrowheads="1"/>
           </p:cNvPicPr>
@@ -12099,8 +11723,8 @@
         </p:blipFill>
         <p:spPr bwMode="auto">
           <a:xfrm>
-            <a:off x="5334000" y="2590800"/>
-            <a:ext cx="3276600" cy="3355364"/>
+            <a:off x="457200" y="2667000"/>
+            <a:ext cx="5581650" cy="3752850"/>
           </a:xfrm>
           <a:prstGeom prst="rect">
             <a:avLst/>
@@ -12114,6 +11738,213 @@
           </a:ln>
         </p:spPr>
       </p:pic>
+      <p:cxnSp>
+        <p:nvCxnSpPr>
+          <p:cNvPr id="12" name="Straight Arrow Connector 11"/>
+          <p:cNvCxnSpPr/>
+          <p:nvPr/>
+        </p:nvCxnSpPr>
+        <p:spPr>
+          <a:xfrm rot="10800000" flipV="1">
+            <a:off x="5562600" y="4114800"/>
+            <a:ext cx="533400" cy="304800"/>
+          </a:xfrm>
+          <a:prstGeom prst="straightConnector1">
+            <a:avLst/>
+          </a:prstGeom>
+          <a:ln>
+            <a:tailEnd type="arrow"/>
+          </a:ln>
+        </p:spPr>
+        <p:style>
+          <a:lnRef idx="1">
+            <a:schemeClr val="accent1"/>
+          </a:lnRef>
+          <a:fillRef idx="0">
+            <a:schemeClr val="accent1"/>
+          </a:fillRef>
+          <a:effectRef idx="0">
+            <a:schemeClr val="accent1"/>
+          </a:effectRef>
+          <a:fontRef idx="minor">
+            <a:schemeClr val="tx1"/>
+          </a:fontRef>
+        </p:style>
+      </p:cxnSp>
+      <p:sp>
+        <p:nvSpPr>
+          <p:cNvPr id="13" name="TextBox 12"/>
+          <p:cNvSpPr txBox="1"/>
+          <p:nvPr/>
+        </p:nvSpPr>
+        <p:spPr>
+          <a:xfrm>
+            <a:off x="4648200" y="3544669"/>
+            <a:ext cx="4419600" cy="646331"/>
+          </a:xfrm>
+          <a:prstGeom prst="rect">
+            <a:avLst/>
+          </a:prstGeom>
+          <a:noFill/>
+        </p:spPr>
+        <p:txBody>
+          <a:bodyPr wrap="square" rtlCol="0">
+            <a:spAutoFit/>
+          </a:bodyPr>
+          <a:lstStyle/>
+          <a:p>
+            <a:r>
+              <a:rPr lang="en-US" dirty="0" smtClean="0"/>
+              <a:t>The intercept for “treatment”  is 6.62; this is different than 0</a:t>
+            </a:r>
+            <a:endParaRPr lang="en-US" dirty="0"/>
+          </a:p>
+        </p:txBody>
+      </p:sp>
+      <p:cxnSp>
+        <p:nvCxnSpPr>
+          <p:cNvPr id="15" name="Straight Arrow Connector 14"/>
+          <p:cNvCxnSpPr/>
+          <p:nvPr/>
+        </p:nvCxnSpPr>
+        <p:spPr>
+          <a:xfrm rot="10800000">
+            <a:off x="5791200" y="4646611"/>
+            <a:ext cx="609600" cy="1588"/>
+          </a:xfrm>
+          <a:prstGeom prst="straightConnector1">
+            <a:avLst/>
+          </a:prstGeom>
+          <a:ln>
+            <a:tailEnd type="arrow"/>
+          </a:ln>
+        </p:spPr>
+        <p:style>
+          <a:lnRef idx="1">
+            <a:schemeClr val="accent1"/>
+          </a:lnRef>
+          <a:fillRef idx="0">
+            <a:schemeClr val="accent1"/>
+          </a:fillRef>
+          <a:effectRef idx="0">
+            <a:schemeClr val="accent1"/>
+          </a:effectRef>
+          <a:fontRef idx="minor">
+            <a:schemeClr val="tx1"/>
+          </a:fontRef>
+        </p:style>
+      </p:cxnSp>
+      <p:sp>
+        <p:nvSpPr>
+          <p:cNvPr id="16" name="TextBox 15"/>
+          <p:cNvSpPr txBox="1"/>
+          <p:nvPr/>
+        </p:nvSpPr>
+        <p:spPr>
+          <a:xfrm>
+            <a:off x="6401856" y="4419600"/>
+            <a:ext cx="1827744" cy="369332"/>
+          </a:xfrm>
+          <a:prstGeom prst="rect">
+            <a:avLst/>
+          </a:prstGeom>
+          <a:noFill/>
+        </p:spPr>
+        <p:txBody>
+          <a:bodyPr wrap="none" rtlCol="0">
+            <a:spAutoFit/>
+          </a:bodyPr>
+          <a:lstStyle/>
+          <a:p>
+            <a:r>
+              <a:rPr lang="en-US" dirty="0" smtClean="0"/>
+              <a:t>The slope is not 0</a:t>
+            </a:r>
+            <a:endParaRPr lang="en-US" dirty="0"/>
+          </a:p>
+        </p:txBody>
+      </p:sp>
+      <p:cxnSp>
+        <p:nvCxnSpPr>
+          <p:cNvPr id="18" name="Straight Arrow Connector 17"/>
+          <p:cNvCxnSpPr/>
+          <p:nvPr/>
+        </p:nvCxnSpPr>
+        <p:spPr>
+          <a:xfrm rot="10800000">
+            <a:off x="5638800" y="5029199"/>
+            <a:ext cx="457200" cy="76200"/>
+          </a:xfrm>
+          <a:prstGeom prst="straightConnector1">
+            <a:avLst/>
+          </a:prstGeom>
+          <a:ln>
+            <a:tailEnd type="arrow"/>
+          </a:ln>
+        </p:spPr>
+        <p:style>
+          <a:lnRef idx="1">
+            <a:schemeClr val="accent1"/>
+          </a:lnRef>
+          <a:fillRef idx="0">
+            <a:schemeClr val="accent1"/>
+          </a:fillRef>
+          <a:effectRef idx="0">
+            <a:schemeClr val="accent1"/>
+          </a:effectRef>
+          <a:fontRef idx="minor">
+            <a:schemeClr val="tx1"/>
+          </a:fontRef>
+        </p:style>
+      </p:cxnSp>
+      <p:sp>
+        <p:nvSpPr>
+          <p:cNvPr id="19" name="TextBox 18"/>
+          <p:cNvSpPr txBox="1"/>
+          <p:nvPr/>
+        </p:nvSpPr>
+        <p:spPr>
+          <a:xfrm>
+            <a:off x="6096000" y="5029200"/>
+            <a:ext cx="2616165" cy="1200329"/>
+          </a:xfrm>
+          <a:prstGeom prst="rect">
+            <a:avLst/>
+          </a:prstGeom>
+          <a:noFill/>
+        </p:spPr>
+        <p:txBody>
+          <a:bodyPr wrap="none" rtlCol="0">
+            <a:spAutoFit/>
+          </a:bodyPr>
+          <a:lstStyle/>
+          <a:p>
+            <a:r>
+              <a:rPr lang="en-US" dirty="0" smtClean="0"/>
+              <a:t>Recovery is significantly</a:t>
+            </a:r>
+          </a:p>
+          <a:p>
+            <a:r>
+              <a:rPr lang="en-US" dirty="0" smtClean="0"/>
+              <a:t>higher than treatment;</a:t>
+            </a:r>
+          </a:p>
+          <a:p>
+            <a:r>
+              <a:rPr lang="en-US" dirty="0" smtClean="0"/>
+              <a:t>the bug grows back when</a:t>
+            </a:r>
+          </a:p>
+          <a:p>
+            <a:r>
+              <a:rPr lang="en-US" dirty="0" smtClean="0"/>
+              <a:t>the antibiotic is stopped.</a:t>
+            </a:r>
+            <a:endParaRPr lang="en-US" dirty="0"/>
+          </a:p>
+        </p:txBody>
+      </p:sp>
     </p:spTree>
   </p:cSld>
   <p:clrMapOvr>
@@ -12147,8 +11978,8 @@
         </p:nvSpPr>
         <p:spPr>
           <a:xfrm>
-            <a:off x="457200" y="304800"/>
-            <a:ext cx="5793124" cy="369332"/>
+            <a:off x="304800" y="152400"/>
+            <a:ext cx="4755213" cy="369332"/>
           </a:xfrm>
           <a:prstGeom prst="rect">
             <a:avLst/>
@@ -12163,7 +11994,45 @@
           <a:p>
             <a:r>
               <a:rPr lang="en-US" dirty="0" smtClean="0"/>
-              <a:t>Making a graph of our model..  We start with just the data…</a:t>
+              <a:t>How well do we fit the assumption of normality?</a:t>
+            </a:r>
+            <a:endParaRPr lang="en-US" dirty="0"/>
+          </a:p>
+        </p:txBody>
+      </p:sp>
+      <p:sp>
+        <p:nvSpPr>
+          <p:cNvPr id="5" name="TextBox 4"/>
+          <p:cNvSpPr txBox="1"/>
+          <p:nvPr/>
+        </p:nvSpPr>
+        <p:spPr>
+          <a:xfrm>
+            <a:off x="1371600" y="609600"/>
+            <a:ext cx="1606530" cy="369332"/>
+          </a:xfrm>
+          <a:prstGeom prst="rect">
+            <a:avLst/>
+          </a:prstGeom>
+          <a:noFill/>
+        </p:spPr>
+        <p:txBody>
+          <a:bodyPr wrap="none" rtlCol="0">
+            <a:spAutoFit/>
+          </a:bodyPr>
+          <a:lstStyle/>
+          <a:p>
+            <a:r>
+              <a:rPr lang="en-US" dirty="0" smtClean="0"/>
+              <a:t>plot(</a:t>
+            </a:r>
+            <a:r>
+              <a:rPr lang="en-US" dirty="0" err="1" smtClean="0"/>
+              <a:t>fullModel</a:t>
+            </a:r>
+            <a:r>
+              <a:rPr lang="en-US" dirty="0" smtClean="0"/>
+              <a:t>)</a:t>
             </a:r>
             <a:endParaRPr lang="en-US" dirty="0"/>
           </a:p>
@@ -12171,7 +12040,7 @@
       </p:sp>
       <p:pic>
         <p:nvPicPr>
-          <p:cNvPr id="19459" name="Picture 3"/>
+          <p:cNvPr id="21506" name="Picture 2"/>
           <p:cNvPicPr>
             <a:picLocks noChangeAspect="1" noChangeArrowheads="1"/>
           </p:cNvPicPr>
@@ -12186,8 +12055,8 @@
         </p:blipFill>
         <p:spPr bwMode="auto">
           <a:xfrm>
-            <a:off x="228600" y="838200"/>
-            <a:ext cx="6657975" cy="4267200"/>
+            <a:off x="0" y="1143000"/>
+            <a:ext cx="3827145" cy="3733800"/>
           </a:xfrm>
           <a:prstGeom prst="rect">
             <a:avLst/>
@@ -12203,7 +12072,7 @@
       </p:pic>
       <p:pic>
         <p:nvPicPr>
-          <p:cNvPr id="19460" name="Picture 4"/>
+          <p:cNvPr id="21507" name="Picture 3"/>
           <p:cNvPicPr>
             <a:picLocks noChangeAspect="1" noChangeArrowheads="1"/>
           </p:cNvPicPr>
@@ -12218,8 +12087,8 @@
         </p:blipFill>
         <p:spPr bwMode="auto">
           <a:xfrm>
-            <a:off x="4572000" y="2286000"/>
-            <a:ext cx="4440536" cy="4343400"/>
+            <a:off x="4419600" y="1066800"/>
+            <a:ext cx="3921369" cy="3886200"/>
           </a:xfrm>
           <a:prstGeom prst="rect">
             <a:avLst/>
@@ -12233,6 +12102,36 @@
           </a:ln>
         </p:spPr>
       </p:pic>
+      <p:sp>
+        <p:nvSpPr>
+          <p:cNvPr id="8" name="TextBox 7"/>
+          <p:cNvSpPr txBox="1"/>
+          <p:nvPr/>
+        </p:nvSpPr>
+        <p:spPr>
+          <a:xfrm>
+            <a:off x="457200" y="5562600"/>
+            <a:ext cx="4853957" cy="369332"/>
+          </a:xfrm>
+          <a:prstGeom prst="rect">
+            <a:avLst/>
+          </a:prstGeom>
+          <a:noFill/>
+        </p:spPr>
+        <p:txBody>
+          <a:bodyPr wrap="none" rtlCol="0">
+            <a:spAutoFit/>
+          </a:bodyPr>
+          <a:lstStyle/>
+          <a:p>
+            <a:r>
+              <a:rPr lang="en-US" dirty="0" smtClean="0"/>
+              <a:t>There is minimal systematic bias in the residuals…</a:t>
+            </a:r>
+            <a:endParaRPr lang="en-US" dirty="0"/>
+          </a:p>
+        </p:txBody>
+      </p:sp>
     </p:spTree>
   </p:cSld>
   <p:clrMapOvr>
@@ -12258,9 +12157,77 @@
           <a:chExt cx="0" cy="0"/>
         </a:xfrm>
       </p:grpSpPr>
+      <p:sp>
+        <p:nvSpPr>
+          <p:cNvPr id="5" name="TextBox 4"/>
+          <p:cNvSpPr txBox="1"/>
+          <p:nvPr/>
+        </p:nvSpPr>
+        <p:spPr>
+          <a:xfrm>
+            <a:off x="228600" y="533400"/>
+            <a:ext cx="8833124" cy="369332"/>
+          </a:xfrm>
+          <a:prstGeom prst="rect">
+            <a:avLst/>
+          </a:prstGeom>
+          <a:noFill/>
+        </p:spPr>
+        <p:txBody>
+          <a:bodyPr wrap="none" rtlCol="0">
+            <a:spAutoFit/>
+          </a:bodyPr>
+          <a:lstStyle/>
+          <a:p>
+            <a:r>
+              <a:rPr lang="en-US" dirty="0" smtClean="0"/>
+              <a:t>With the </a:t>
+            </a:r>
+            <a:r>
+              <a:rPr lang="en-US" dirty="0" err="1" smtClean="0"/>
+              <a:t>ks.test</a:t>
+            </a:r>
+            <a:r>
+              <a:rPr lang="en-US" dirty="0" smtClean="0"/>
+              <a:t>, we fail to reject a hypothesis that the residuals are not normally distributed</a:t>
+            </a:r>
+            <a:endParaRPr lang="en-US" dirty="0"/>
+          </a:p>
+        </p:txBody>
+      </p:sp>
+      <p:sp>
+        <p:nvSpPr>
+          <p:cNvPr id="6" name="TextBox 5"/>
+          <p:cNvSpPr txBox="1"/>
+          <p:nvPr/>
+        </p:nvSpPr>
+        <p:spPr>
+          <a:xfrm>
+            <a:off x="381000" y="6172200"/>
+            <a:ext cx="6781800" cy="369332"/>
+          </a:xfrm>
+          <a:prstGeom prst="rect">
+            <a:avLst/>
+          </a:prstGeom>
+          <a:noFill/>
+        </p:spPr>
+        <p:txBody>
+          <a:bodyPr wrap="square" rtlCol="0">
+            <a:spAutoFit/>
+          </a:bodyPr>
+          <a:lstStyle/>
+          <a:p>
+            <a:r>
+              <a:rPr lang="en-US" dirty="0" smtClean="0"/>
+              <a:t>The assumption of normality seems reasonable in this case…</a:t>
+            </a:r>
+            <a:endParaRPr lang="en-US" dirty="0"/>
+          </a:p>
+        </p:txBody>
+      </p:sp>
       <p:pic>
         <p:nvPicPr>
-          <p:cNvPr id="23554" name="Picture 2"/>
+          <p:cNvPr id="19458" name="Picture 2"/>
           <p:cNvPicPr>
             <a:picLocks noChangeAspect="1" noChangeArrowheads="1"/>
           </p:cNvPicPr>
@@ -12275,8 +12242,8 @@
         </p:blipFill>
         <p:spPr bwMode="auto">
           <a:xfrm>
-            <a:off x="152400" y="4953000"/>
-            <a:ext cx="6238875" cy="1466850"/>
+            <a:off x="76200" y="1066800"/>
+            <a:ext cx="6667500" cy="3333750"/>
           </a:xfrm>
           <a:prstGeom prst="rect">
             <a:avLst/>
@@ -12290,39 +12257,9 @@
           </a:ln>
         </p:spPr>
       </p:pic>
-      <p:sp>
-        <p:nvSpPr>
-          <p:cNvPr id="5" name="TextBox 4"/>
-          <p:cNvSpPr txBox="1"/>
-          <p:nvPr/>
-        </p:nvSpPr>
-        <p:spPr>
-          <a:xfrm>
-            <a:off x="152400" y="0"/>
-            <a:ext cx="3306739" cy="369332"/>
-          </a:xfrm>
-          <a:prstGeom prst="rect">
-            <a:avLst/>
-          </a:prstGeom>
-          <a:noFill/>
-        </p:spPr>
-        <p:txBody>
-          <a:bodyPr wrap="none" rtlCol="0">
-            <a:spAutoFit/>
-          </a:bodyPr>
-          <a:lstStyle/>
-          <a:p>
-            <a:r>
-              <a:rPr lang="en-US" dirty="0" smtClean="0"/>
-              <a:t>Adding in the model to our graph</a:t>
-            </a:r>
-            <a:endParaRPr lang="en-US" dirty="0"/>
-          </a:p>
-        </p:txBody>
-      </p:sp>
       <p:pic>
         <p:nvPicPr>
-          <p:cNvPr id="6" name="Picture 2"/>
+          <p:cNvPr id="2" name="Picture 3"/>
           <p:cNvPicPr>
             <a:picLocks noChangeAspect="1" noChangeArrowheads="1"/>
           </p:cNvPicPr>
@@ -12337,40 +12274,8 @@
         </p:blipFill>
         <p:spPr bwMode="auto">
           <a:xfrm>
-            <a:off x="152400" y="304800"/>
-            <a:ext cx="5869646" cy="4419600"/>
-          </a:xfrm>
-          <a:prstGeom prst="rect">
-            <a:avLst/>
-          </a:prstGeom>
-          <a:noFill/>
-          <a:ln w="9525">
-            <a:noFill/>
-            <a:miter lim="800000"/>
-            <a:headEnd/>
-            <a:tailEnd/>
-          </a:ln>
-        </p:spPr>
-      </p:pic>
-      <p:pic>
-        <p:nvPicPr>
-          <p:cNvPr id="23555" name="Picture 3"/>
-          <p:cNvPicPr>
-            <a:picLocks noChangeAspect="1" noChangeArrowheads="1"/>
-          </p:cNvPicPr>
-          <p:nvPr/>
-        </p:nvPicPr>
-        <p:blipFill>
-          <a:blip r:embed="rId4" cstate="print"/>
-          <a:srcRect/>
-          <a:stretch>
-            <a:fillRect/>
-          </a:stretch>
-        </p:blipFill>
-        <p:spPr bwMode="auto">
-          <a:xfrm>
-            <a:off x="4953000" y="0"/>
-            <a:ext cx="4076700" cy="3886200"/>
+            <a:off x="5334000" y="2590800"/>
+            <a:ext cx="3276600" cy="3355364"/>
           </a:xfrm>
           <a:prstGeom prst="rect">
             <a:avLst/>
@@ -12411,14 +12316,165 @@
       </p:grpSpPr>
       <p:sp>
         <p:nvSpPr>
+          <p:cNvPr id="4" name="TextBox 3"/>
+          <p:cNvSpPr txBox="1"/>
+          <p:nvPr/>
+        </p:nvSpPr>
+        <p:spPr>
+          <a:xfrm>
+            <a:off x="457200" y="304800"/>
+            <a:ext cx="5793124" cy="369332"/>
+          </a:xfrm>
+          <a:prstGeom prst="rect">
+            <a:avLst/>
+          </a:prstGeom>
+          <a:noFill/>
+        </p:spPr>
+        <p:txBody>
+          <a:bodyPr wrap="none" rtlCol="0">
+            <a:spAutoFit/>
+          </a:bodyPr>
+          <a:lstStyle/>
+          <a:p>
+            <a:r>
+              <a:rPr lang="en-US" dirty="0" smtClean="0"/>
+              <a:t>Making a graph of our model..  We start with just the data…</a:t>
+            </a:r>
+            <a:endParaRPr lang="en-US" dirty="0"/>
+          </a:p>
+        </p:txBody>
+      </p:sp>
+      <p:pic>
+        <p:nvPicPr>
+          <p:cNvPr id="19459" name="Picture 3"/>
+          <p:cNvPicPr>
+            <a:picLocks noChangeAspect="1" noChangeArrowheads="1"/>
+          </p:cNvPicPr>
+          <p:nvPr/>
+        </p:nvPicPr>
+        <p:blipFill>
+          <a:blip r:embed="rId2" cstate="print"/>
+          <a:srcRect/>
+          <a:stretch>
+            <a:fillRect/>
+          </a:stretch>
+        </p:blipFill>
+        <p:spPr bwMode="auto">
+          <a:xfrm>
+            <a:off x="228600" y="838200"/>
+            <a:ext cx="6657975" cy="4267200"/>
+          </a:xfrm>
+          <a:prstGeom prst="rect">
+            <a:avLst/>
+          </a:prstGeom>
+          <a:noFill/>
+          <a:ln w="9525">
+            <a:noFill/>
+            <a:miter lim="800000"/>
+            <a:headEnd/>
+            <a:tailEnd/>
+          </a:ln>
+        </p:spPr>
+      </p:pic>
+      <p:pic>
+        <p:nvPicPr>
+          <p:cNvPr id="19460" name="Picture 4"/>
+          <p:cNvPicPr>
+            <a:picLocks noChangeAspect="1" noChangeArrowheads="1"/>
+          </p:cNvPicPr>
+          <p:nvPr/>
+        </p:nvPicPr>
+        <p:blipFill>
+          <a:blip r:embed="rId3" cstate="print"/>
+          <a:srcRect/>
+          <a:stretch>
+            <a:fillRect/>
+          </a:stretch>
+        </p:blipFill>
+        <p:spPr bwMode="auto">
+          <a:xfrm>
+            <a:off x="4572000" y="2286000"/>
+            <a:ext cx="4440536" cy="4343400"/>
+          </a:xfrm>
+          <a:prstGeom prst="rect">
+            <a:avLst/>
+          </a:prstGeom>
+          <a:noFill/>
+          <a:ln w="9525">
+            <a:noFill/>
+            <a:miter lim="800000"/>
+            <a:headEnd/>
+            <a:tailEnd/>
+          </a:ln>
+        </p:spPr>
+      </p:pic>
+    </p:spTree>
+  </p:cSld>
+  <p:clrMapOvr>
+    <a:masterClrMapping/>
+  </p:clrMapOvr>
+</p:sld>
+</file>
+
+<file path=ppt/slides/slide39.xml><?xml version="1.0" encoding="utf-8"?>
+<p:sld xmlns:a="http://schemas.openxmlformats.org/drawingml/2006/main" xmlns:r="http://schemas.openxmlformats.org/officeDocument/2006/relationships" xmlns:p="http://schemas.openxmlformats.org/presentationml/2006/main">
+  <p:cSld>
+    <p:spTree>
+      <p:nvGrpSpPr>
+        <p:cNvPr id="1" name=""/>
+        <p:cNvGrpSpPr/>
+        <p:nvPr/>
+      </p:nvGrpSpPr>
+      <p:grpSpPr>
+        <a:xfrm>
+          <a:off x="0" y="0"/>
+          <a:ext cx="0" cy="0"/>
+          <a:chOff x="0" y="0"/>
+          <a:chExt cx="0" cy="0"/>
+        </a:xfrm>
+      </p:grpSpPr>
+      <p:pic>
+        <p:nvPicPr>
+          <p:cNvPr id="23554" name="Picture 2"/>
+          <p:cNvPicPr>
+            <a:picLocks noChangeAspect="1" noChangeArrowheads="1"/>
+          </p:cNvPicPr>
+          <p:nvPr/>
+        </p:nvPicPr>
+        <p:blipFill>
+          <a:blip r:embed="rId2" cstate="print"/>
+          <a:srcRect/>
+          <a:stretch>
+            <a:fillRect/>
+          </a:stretch>
+        </p:blipFill>
+        <p:spPr bwMode="auto">
+          <a:xfrm>
+            <a:off x="152400" y="4953000"/>
+            <a:ext cx="6238875" cy="1466850"/>
+          </a:xfrm>
+          <a:prstGeom prst="rect">
+            <a:avLst/>
+          </a:prstGeom>
+          <a:noFill/>
+          <a:ln w="9525">
+            <a:noFill/>
+            <a:miter lim="800000"/>
+            <a:headEnd/>
+            <a:tailEnd/>
+          </a:ln>
+        </p:spPr>
+      </p:pic>
+      <p:sp>
+        <p:nvSpPr>
           <p:cNvPr id="5" name="TextBox 4"/>
           <p:cNvSpPr txBox="1"/>
           <p:nvPr/>
         </p:nvSpPr>
         <p:spPr>
           <a:xfrm>
-            <a:off x="457200" y="990600"/>
-            <a:ext cx="4068293" cy="1200329"/>
+            <a:off x="152400" y="0"/>
+            <a:ext cx="3306739" cy="369332"/>
           </a:xfrm>
           <a:prstGeom prst="rect">
             <a:avLst/>
@@ -12433,30 +12489,76 @@
           <a:p>
             <a:r>
               <a:rPr lang="en-US" dirty="0" smtClean="0"/>
-              <a:t>Next:</a:t>
-            </a:r>
-          </a:p>
-          <a:p>
-            <a:r>
-              <a:rPr lang="en-US" dirty="0" smtClean="0"/>
-              <a:t>	Polynomial linear equations</a:t>
-            </a:r>
-          </a:p>
-          <a:p>
-            <a:r>
-              <a:rPr lang="en-US" dirty="0" smtClean="0"/>
-              <a:t>	Multiple regression and ANOVA</a:t>
-            </a:r>
-          </a:p>
-          <a:p>
-            <a:r>
-              <a:rPr lang="en-US" dirty="0" smtClean="0"/>
-              <a:t>	PCA</a:t>
+              <a:t>Adding in the model to our graph</a:t>
             </a:r>
             <a:endParaRPr lang="en-US" dirty="0"/>
           </a:p>
         </p:txBody>
       </p:sp>
+      <p:pic>
+        <p:nvPicPr>
+          <p:cNvPr id="6" name="Picture 2"/>
+          <p:cNvPicPr>
+            <a:picLocks noChangeAspect="1" noChangeArrowheads="1"/>
+          </p:cNvPicPr>
+          <p:nvPr/>
+        </p:nvPicPr>
+        <p:blipFill>
+          <a:blip r:embed="rId3" cstate="print"/>
+          <a:srcRect/>
+          <a:stretch>
+            <a:fillRect/>
+          </a:stretch>
+        </p:blipFill>
+        <p:spPr bwMode="auto">
+          <a:xfrm>
+            <a:off x="152400" y="304800"/>
+            <a:ext cx="5869646" cy="4419600"/>
+          </a:xfrm>
+          <a:prstGeom prst="rect">
+            <a:avLst/>
+          </a:prstGeom>
+          <a:noFill/>
+          <a:ln w="9525">
+            <a:noFill/>
+            <a:miter lim="800000"/>
+            <a:headEnd/>
+            <a:tailEnd/>
+          </a:ln>
+        </p:spPr>
+      </p:pic>
+      <p:pic>
+        <p:nvPicPr>
+          <p:cNvPr id="23555" name="Picture 3"/>
+          <p:cNvPicPr>
+            <a:picLocks noChangeAspect="1" noChangeArrowheads="1"/>
+          </p:cNvPicPr>
+          <p:nvPr/>
+        </p:nvPicPr>
+        <p:blipFill>
+          <a:blip r:embed="rId4" cstate="print"/>
+          <a:srcRect/>
+          <a:stretch>
+            <a:fillRect/>
+          </a:stretch>
+        </p:blipFill>
+        <p:spPr bwMode="auto">
+          <a:xfrm>
+            <a:off x="4953000" y="0"/>
+            <a:ext cx="4076700" cy="3886200"/>
+          </a:xfrm>
+          <a:prstGeom prst="rect">
+            <a:avLst/>
+          </a:prstGeom>
+          <a:noFill/>
+          <a:ln w="9525">
+            <a:noFill/>
+            <a:miter lim="800000"/>
+            <a:headEnd/>
+            <a:tailEnd/>
+          </a:ln>
+        </p:spPr>
+      </p:pic>
     </p:spTree>
   </p:cSld>
   <p:clrMapOvr>
@@ -12780,6 +12882,79 @@
             <a:r>
               <a:rPr lang="en-US" dirty="0" err="1" smtClean="0"/>
               <a:t>relevel</a:t>
+            </a:r>
+            <a:endParaRPr lang="en-US" dirty="0"/>
+          </a:p>
+        </p:txBody>
+      </p:sp>
+    </p:spTree>
+  </p:cSld>
+  <p:clrMapOvr>
+    <a:masterClrMapping/>
+  </p:clrMapOvr>
+</p:sld>
+</file>
+
+<file path=ppt/slides/slide40.xml><?xml version="1.0" encoding="utf-8"?>
+<p:sld xmlns:a="http://schemas.openxmlformats.org/drawingml/2006/main" xmlns:r="http://schemas.openxmlformats.org/officeDocument/2006/relationships" xmlns:p="http://schemas.openxmlformats.org/presentationml/2006/main">
+  <p:cSld>
+    <p:spTree>
+      <p:nvGrpSpPr>
+        <p:cNvPr id="1" name=""/>
+        <p:cNvGrpSpPr/>
+        <p:nvPr/>
+      </p:nvGrpSpPr>
+      <p:grpSpPr>
+        <a:xfrm>
+          <a:off x="0" y="0"/>
+          <a:ext cx="0" cy="0"/>
+          <a:chOff x="0" y="0"/>
+          <a:chExt cx="0" cy="0"/>
+        </a:xfrm>
+      </p:grpSpPr>
+      <p:sp>
+        <p:nvSpPr>
+          <p:cNvPr id="5" name="TextBox 4"/>
+          <p:cNvSpPr txBox="1"/>
+          <p:nvPr/>
+        </p:nvSpPr>
+        <p:spPr>
+          <a:xfrm>
+            <a:off x="457200" y="990600"/>
+            <a:ext cx="4068293" cy="1200329"/>
+          </a:xfrm>
+          <a:prstGeom prst="rect">
+            <a:avLst/>
+          </a:prstGeom>
+          <a:noFill/>
+        </p:spPr>
+        <p:txBody>
+          <a:bodyPr wrap="none" rtlCol="0">
+            <a:spAutoFit/>
+          </a:bodyPr>
+          <a:lstStyle/>
+          <a:p>
+            <a:r>
+              <a:rPr lang="en-US" dirty="0" smtClean="0"/>
+              <a:t>Next:</a:t>
+            </a:r>
+          </a:p>
+          <a:p>
+            <a:r>
+              <a:rPr lang="en-US" dirty="0" smtClean="0"/>
+              <a:t>	Polynomial linear equations</a:t>
+            </a:r>
+          </a:p>
+          <a:p>
+            <a:r>
+              <a:rPr lang="en-US" dirty="0" smtClean="0"/>
+              <a:t>	Multiple regression and ANOVA</a:t>
+            </a:r>
+          </a:p>
+          <a:p>
+            <a:r>
+              <a:rPr lang="en-US" dirty="0" smtClean="0"/>
+              <a:t>	PCA</a:t>
             </a:r>
             <a:endParaRPr lang="en-US" dirty="0"/>
           </a:p>

--- a/classes/stats2015/Lecture16.pptx
+++ b/classes/stats2015/Lecture16.pptx
@@ -232,7 +232,7 @@
             <a:fld id="{8FEEEB49-71AD-4F7F-9E1F-7D222FAD2947}" type="datetimeFigureOut">
               <a:rPr lang="en-US" smtClean="0"/>
               <a:pPr/>
-              <a:t>3/31/2015</a:t>
+              <a:t>4/1/2015</a:t>
             </a:fld>
             <a:endParaRPr lang="en-US"/>
           </a:p>
@@ -1418,7 +1418,7 @@
             <a:fld id="{1D8BD707-D9CF-40AE-B4C6-C98DA3205C09}" type="datetimeFigureOut">
               <a:rPr lang="en-US" smtClean="0"/>
               <a:pPr/>
-              <a:t>3/31/2015</a:t>
+              <a:t>4/1/2015</a:t>
             </a:fld>
             <a:endParaRPr lang="en-US"/>
           </a:p>
@@ -1585,7 +1585,7 @@
             <a:fld id="{1D8BD707-D9CF-40AE-B4C6-C98DA3205C09}" type="datetimeFigureOut">
               <a:rPr lang="en-US" smtClean="0"/>
               <a:pPr/>
-              <a:t>3/31/2015</a:t>
+              <a:t>4/1/2015</a:t>
             </a:fld>
             <a:endParaRPr lang="en-US"/>
           </a:p>
@@ -1762,7 +1762,7 @@
             <a:fld id="{1D8BD707-D9CF-40AE-B4C6-C98DA3205C09}" type="datetimeFigureOut">
               <a:rPr lang="en-US" smtClean="0"/>
               <a:pPr/>
-              <a:t>3/31/2015</a:t>
+              <a:t>4/1/2015</a:t>
             </a:fld>
             <a:endParaRPr lang="en-US"/>
           </a:p>
@@ -1929,7 +1929,7 @@
             <a:fld id="{1D8BD707-D9CF-40AE-B4C6-C98DA3205C09}" type="datetimeFigureOut">
               <a:rPr lang="en-US" smtClean="0"/>
               <a:pPr/>
-              <a:t>3/31/2015</a:t>
+              <a:t>4/1/2015</a:t>
             </a:fld>
             <a:endParaRPr lang="en-US"/>
           </a:p>
@@ -2172,7 +2172,7 @@
             <a:fld id="{1D8BD707-D9CF-40AE-B4C6-C98DA3205C09}" type="datetimeFigureOut">
               <a:rPr lang="en-US" smtClean="0"/>
               <a:pPr/>
-              <a:t>3/31/2015</a:t>
+              <a:t>4/1/2015</a:t>
             </a:fld>
             <a:endParaRPr lang="en-US"/>
           </a:p>
@@ -2457,7 +2457,7 @@
             <a:fld id="{1D8BD707-D9CF-40AE-B4C6-C98DA3205C09}" type="datetimeFigureOut">
               <a:rPr lang="en-US" smtClean="0"/>
               <a:pPr/>
-              <a:t>3/31/2015</a:t>
+              <a:t>4/1/2015</a:t>
             </a:fld>
             <a:endParaRPr lang="en-US"/>
           </a:p>
@@ -2876,7 +2876,7 @@
             <a:fld id="{1D8BD707-D9CF-40AE-B4C6-C98DA3205C09}" type="datetimeFigureOut">
               <a:rPr lang="en-US" smtClean="0"/>
               <a:pPr/>
-              <a:t>3/31/2015</a:t>
+              <a:t>4/1/2015</a:t>
             </a:fld>
             <a:endParaRPr lang="en-US"/>
           </a:p>
@@ -2991,7 +2991,7 @@
             <a:fld id="{1D8BD707-D9CF-40AE-B4C6-C98DA3205C09}" type="datetimeFigureOut">
               <a:rPr lang="en-US" smtClean="0"/>
               <a:pPr/>
-              <a:t>3/31/2015</a:t>
+              <a:t>4/1/2015</a:t>
             </a:fld>
             <a:endParaRPr lang="en-US"/>
           </a:p>
@@ -3083,7 +3083,7 @@
             <a:fld id="{1D8BD707-D9CF-40AE-B4C6-C98DA3205C09}" type="datetimeFigureOut">
               <a:rPr lang="en-US" smtClean="0"/>
               <a:pPr/>
-              <a:t>3/31/2015</a:t>
+              <a:t>4/1/2015</a:t>
             </a:fld>
             <a:endParaRPr lang="en-US"/>
           </a:p>
@@ -3357,7 +3357,7 @@
             <a:fld id="{1D8BD707-D9CF-40AE-B4C6-C98DA3205C09}" type="datetimeFigureOut">
               <a:rPr lang="en-US" smtClean="0"/>
               <a:pPr/>
-              <a:t>3/31/2015</a:t>
+              <a:t>4/1/2015</a:t>
             </a:fld>
             <a:endParaRPr lang="en-US"/>
           </a:p>
@@ -3607,7 +3607,7 @@
             <a:fld id="{1D8BD707-D9CF-40AE-B4C6-C98DA3205C09}" type="datetimeFigureOut">
               <a:rPr lang="en-US" smtClean="0"/>
               <a:pPr/>
-              <a:t>3/31/2015</a:t>
+              <a:t>4/1/2015</a:t>
             </a:fld>
             <a:endParaRPr lang="en-US"/>
           </a:p>
@@ -3817,7 +3817,7 @@
             <a:fld id="{1D8BD707-D9CF-40AE-B4C6-C98DA3205C09}" type="datetimeFigureOut">
               <a:rPr lang="en-US" smtClean="0"/>
               <a:pPr/>
-              <a:t>3/31/2015</a:t>
+              <a:t>4/1/2015</a:t>
             </a:fld>
             <a:endParaRPr lang="en-US"/>
           </a:p>
@@ -11208,7 +11208,11 @@
           <a:p>
             <a:r>
               <a:rPr lang="en-US" dirty="0" smtClean="0"/>
-              <a:t>Full model (one slope; one intercept)</a:t>
+              <a:t>Reduced </a:t>
+            </a:r>
+            <a:r>
+              <a:rPr lang="en-US" dirty="0" smtClean="0"/>
+              <a:t>model (one slope; one intercept)</a:t>
             </a:r>
             <a:endParaRPr lang="en-US" dirty="0"/>
           </a:p>
@@ -12166,7 +12170,7 @@
         <p:spPr>
           <a:xfrm>
             <a:off x="228600" y="533400"/>
-            <a:ext cx="8833124" cy="369332"/>
+            <a:ext cx="8459624" cy="369332"/>
           </a:xfrm>
           <a:prstGeom prst="rect">
             <a:avLst/>
@@ -12189,7 +12193,19 @@
             </a:r>
             <a:r>
               <a:rPr lang="en-US" dirty="0" smtClean="0"/>
-              <a:t>, we fail to reject a hypothesis that the residuals are not normally distributed</a:t>
+              <a:t>, we fail to reject a hypothesis that the residuals </a:t>
+            </a:r>
+            <a:r>
+              <a:rPr lang="en-US" smtClean="0"/>
+              <a:t>are </a:t>
+            </a:r>
+            <a:r>
+              <a:rPr lang="en-US" smtClean="0"/>
+              <a:t>normally </a:t>
+            </a:r>
+            <a:r>
+              <a:rPr lang="en-US" dirty="0" smtClean="0"/>
+              <a:t>distributed</a:t>
             </a:r>
             <a:endParaRPr lang="en-US" dirty="0"/>
           </a:p>
